--- a/WebContent/jhk/0608 전현규.pptx
+++ b/WebContent/jhk/0608 전현규.pptx
@@ -7,7 +7,7 @@
     <p:sldMasterId id="2147483676" r:id="rId3"/>
   </p:sldMasterIdLst>
   <p:notesMasterIdLst>
-    <p:notesMasterId r:id="rId14"/>
+    <p:notesMasterId r:id="rId26"/>
   </p:notesMasterIdLst>
   <p:sldIdLst>
     <p:sldId id="527" r:id="rId4"/>
@@ -16,41 +16,53 @@
     <p:sldId id="532" r:id="rId7"/>
     <p:sldId id="533" r:id="rId8"/>
     <p:sldId id="521" r:id="rId9"/>
-    <p:sldId id="506" r:id="rId10"/>
-    <p:sldId id="517" r:id="rId11"/>
-    <p:sldId id="507" r:id="rId12"/>
-    <p:sldId id="509" r:id="rId13"/>
+    <p:sldId id="534" r:id="rId10"/>
+    <p:sldId id="546" r:id="rId11"/>
+    <p:sldId id="547" r:id="rId12"/>
+    <p:sldId id="535" r:id="rId13"/>
+    <p:sldId id="536" r:id="rId14"/>
+    <p:sldId id="537" r:id="rId15"/>
+    <p:sldId id="538" r:id="rId16"/>
+    <p:sldId id="539" r:id="rId17"/>
+    <p:sldId id="540" r:id="rId18"/>
+    <p:sldId id="541" r:id="rId19"/>
+    <p:sldId id="542" r:id="rId20"/>
+    <p:sldId id="543" r:id="rId21"/>
+    <p:sldId id="544" r:id="rId22"/>
+    <p:sldId id="545" r:id="rId23"/>
+    <p:sldId id="506" r:id="rId24"/>
+    <p:sldId id="517" r:id="rId25"/>
   </p:sldIdLst>
   <p:sldSz cx="9144000" cy="6858000" type="screen4x3"/>
   <p:notesSz cx="6858000" cy="9144000"/>
   <p:embeddedFontLst>
     <p:embeddedFont>
       <p:font typeface="맑은 고딕" panose="020B0503020000020004" pitchFamily="50" charset="-127"/>
-      <p:regular r:id="rId15"/>
-      <p:bold r:id="rId16"/>
+      <p:regular r:id="rId27"/>
+      <p:bold r:id="rId28"/>
     </p:embeddedFont>
     <p:embeddedFont>
       <p:font typeface="나눔스퀘어_ac Bold" panose="020B0600000101010101" pitchFamily="50" charset="-127"/>
-      <p:bold r:id="rId17"/>
+      <p:bold r:id="rId29"/>
     </p:embeddedFont>
     <p:embeddedFont>
       <p:font typeface="나눔스퀘어_ac ExtraBold" panose="020B0600000101010101" pitchFamily="50" charset="-127"/>
-      <p:bold r:id="rId18"/>
+      <p:bold r:id="rId30"/>
     </p:embeddedFont>
     <p:embeddedFont>
       <p:font typeface="Consolas" panose="020B0609020204030204" pitchFamily="49" charset="0"/>
-      <p:regular r:id="rId19"/>
-      <p:bold r:id="rId20"/>
-      <p:italic r:id="rId21"/>
-      <p:boldItalic r:id="rId22"/>
+      <p:regular r:id="rId31"/>
+      <p:bold r:id="rId32"/>
+      <p:italic r:id="rId33"/>
+      <p:boldItalic r:id="rId34"/>
     </p:embeddedFont>
     <p:embeddedFont>
       <p:font typeface="타이포_스톰 B" panose="02020503020101020101" pitchFamily="18" charset="-127"/>
-      <p:regular r:id="rId23"/>
+      <p:regular r:id="rId35"/>
     </p:embeddedFont>
     <p:embeddedFont>
       <p:font typeface="나눔스퀘어_ac" panose="020B0600000101010101" pitchFamily="50" charset="-127"/>
-      <p:regular r:id="rId24"/>
+      <p:regular r:id="rId36"/>
     </p:embeddedFont>
   </p:embeddedFontLst>
   <p:defaultTextStyle>
@@ -5188,21 +5200,11 @@
             <a:lstStyle/>
             <a:p>
               <a:pPr algn="ctr"/>
-              <a:r>
-                <a:rPr lang="ko-KR" altLang="en-US" dirty="0" smtClean="0">
-                  <a:solidFill>
-                    <a:srgbClr val="EEECE1">
-                      <a:lumMod val="50000"/>
-                    </a:srgbClr>
-                  </a:solidFill>
-                </a:rPr>
-                <a:t> </a:t>
-              </a:r>
               <a:endParaRPr lang="ko-KR" altLang="en-US" dirty="0">
                 <a:solidFill>
-                  <a:srgbClr val="EEECE1">
+                  <a:schemeClr val="bg2">
                     <a:lumMod val="50000"/>
-                  </a:srgbClr>
+                  </a:schemeClr>
                 </a:solidFill>
               </a:endParaRPr>
             </a:p>
@@ -5224,7 +5226,7 @@
             <a:avLst/>
           </a:prstGeom>
           <a:solidFill>
-            <a:srgbClr val="94C3BB"/>
+            <a:srgbClr val="FDBBC1"/>
           </a:solidFill>
           <a:ln>
             <a:noFill/>
@@ -5252,14 +5254,14 @@
           <a:p>
             <a:pPr algn="ctr"/>
             <a:r>
-              <a:rPr lang="en-US" altLang="ko-KR" sz="2400" dirty="0" smtClean="0">
+              <a:rPr lang="en-US" altLang="ko-KR" sz="2400" dirty="0">
                 <a:solidFill>
                   <a:prstClr val="white"/>
                 </a:solidFill>
                 <a:latin typeface="타이포_스톰 B" panose="02020503020101020101" pitchFamily="18" charset="-127"/>
                 <a:ea typeface="타이포_스톰 B" panose="02020503020101020101" pitchFamily="18" charset="-127"/>
               </a:rPr>
-              <a:t>APP</a:t>
+              <a:t>WEB</a:t>
             </a:r>
             <a:endParaRPr lang="ko-KR" altLang="en-US" sz="2400" dirty="0">
               <a:solidFill>
@@ -5286,7 +5288,7 @@
             <a:avLst/>
           </a:prstGeom>
           <a:solidFill>
-            <a:srgbClr val="94C3BB"/>
+            <a:srgbClr val="FDBBC1"/>
           </a:solidFill>
           <a:ln>
             <a:noFill/>
@@ -5313,7 +5315,7 @@
           <a:lstStyle/>
           <a:p>
             <a:r>
-              <a:rPr lang="en-US" altLang="ko-KR" sz="2000" dirty="0" smtClean="0">
+              <a:rPr lang="en-US" altLang="ko-KR" sz="2000" smtClean="0">
                 <a:solidFill>
                   <a:prstClr val="black">
                     <a:lumMod val="75000"/>
@@ -5326,7 +5328,7 @@
               <a:t>[</a:t>
             </a:r>
             <a:r>
-              <a:rPr lang="ko-KR" altLang="en-US" sz="2000" dirty="0" smtClean="0">
+              <a:rPr lang="ko-KR" altLang="en-US" sz="2000">
                 <a:solidFill>
                   <a:prstClr val="black">
                     <a:lumMod val="75000"/>
@@ -5339,7 +5341,7 @@
               <a:t>화면구현</a:t>
             </a:r>
             <a:r>
-              <a:rPr lang="en-US" altLang="ko-KR" sz="2000" dirty="0" smtClean="0">
+              <a:rPr lang="en-US" altLang="ko-KR" sz="2000">
                 <a:solidFill>
                   <a:prstClr val="black">
                     <a:lumMod val="75000"/>
@@ -5350,6 +5352,32 @@
                 <a:ea typeface="타이포_스톰 B" panose="02020503020101020101" pitchFamily="18" charset="-127"/>
               </a:rPr>
               <a:t>]  </a:t>
+            </a:r>
+            <a:r>
+              <a:rPr lang="ko-KR" altLang="en-US" sz="2000" smtClean="0">
+                <a:solidFill>
+                  <a:prstClr val="black">
+                    <a:lumMod val="75000"/>
+                    <a:lumOff val="25000"/>
+                  </a:prstClr>
+                </a:solidFill>
+                <a:latin typeface="타이포_스톰 B" panose="02020503020101020101" pitchFamily="18" charset="-127"/>
+                <a:ea typeface="타이포_스톰 B" panose="02020503020101020101" pitchFamily="18" charset="-127"/>
+              </a:rPr>
+              <a:t>프로젝트추가</a:t>
+            </a:r>
+            <a:r>
+              <a:rPr lang="en-US" altLang="ko-KR" sz="2000" smtClean="0">
+                <a:solidFill>
+                  <a:prstClr val="black">
+                    <a:lumMod val="75000"/>
+                    <a:lumOff val="25000"/>
+                  </a:prstClr>
+                </a:solidFill>
+                <a:latin typeface="타이포_스톰 B" panose="02020503020101020101" pitchFamily="18" charset="-127"/>
+                <a:ea typeface="타이포_스톰 B" panose="02020503020101020101" pitchFamily="18" charset="-127"/>
+              </a:rPr>
+              <a:t>(CEO, CTO)</a:t>
             </a:r>
             <a:endParaRPr lang="ko-KR" altLang="en-US" sz="2000" dirty="0">
               <a:solidFill>
@@ -5364,65 +5392,314 @@
           </a:p>
         </p:txBody>
       </p:sp>
+      <p:pic>
+        <p:nvPicPr>
+          <p:cNvPr id="13" name="그림 12"/>
+          <p:cNvPicPr>
+            <a:picLocks noChangeAspect="1"/>
+          </p:cNvPicPr>
+          <p:nvPr/>
+        </p:nvPicPr>
+        <p:blipFill>
+          <a:blip r:embed="rId2">
+            <a:extLst>
+              <a:ext uri="{28A0092B-C50C-407E-A947-70E740481C1C}">
+                <a14:useLocalDpi xmlns:a14="http://schemas.microsoft.com/office/drawing/2010/main" val="0"/>
+              </a:ext>
+            </a:extLst>
+          </a:blip>
+          <a:stretch>
+            <a:fillRect/>
+          </a:stretch>
+        </p:blipFill>
+        <p:spPr>
+          <a:xfrm>
+            <a:off x="5263397" y="4235471"/>
+            <a:ext cx="3559943" cy="2374833"/>
+          </a:xfrm>
+          <a:prstGeom prst="rect">
+            <a:avLst/>
+          </a:prstGeom>
+        </p:spPr>
+      </p:pic>
+      <p:pic>
+        <p:nvPicPr>
+          <p:cNvPr id="7" name="그림 6"/>
+          <p:cNvPicPr>
+            <a:picLocks noChangeAspect="1"/>
+          </p:cNvPicPr>
+          <p:nvPr/>
+        </p:nvPicPr>
+        <p:blipFill>
+          <a:blip r:embed="rId3">
+            <a:extLst>
+              <a:ext uri="{28A0092B-C50C-407E-A947-70E740481C1C}">
+                <a14:useLocalDpi xmlns:a14="http://schemas.microsoft.com/office/drawing/2010/main" val="0"/>
+              </a:ext>
+            </a:extLst>
+          </a:blip>
+          <a:stretch>
+            <a:fillRect/>
+          </a:stretch>
+        </p:blipFill>
+        <p:spPr>
+          <a:xfrm>
+            <a:off x="281772" y="787933"/>
+            <a:ext cx="5695838" cy="3368183"/>
+          </a:xfrm>
+          <a:prstGeom prst="rect">
+            <a:avLst/>
+          </a:prstGeom>
+        </p:spPr>
+      </p:pic>
+      <p:pic>
+        <p:nvPicPr>
+          <p:cNvPr id="11" name="그림 10"/>
+          <p:cNvPicPr>
+            <a:picLocks noChangeAspect="1"/>
+          </p:cNvPicPr>
+          <p:nvPr/>
+        </p:nvPicPr>
+        <p:blipFill>
+          <a:blip r:embed="rId4">
+            <a:extLst>
+              <a:ext uri="{28A0092B-C50C-407E-A947-70E740481C1C}">
+                <a14:useLocalDpi xmlns:a14="http://schemas.microsoft.com/office/drawing/2010/main" val="0"/>
+              </a:ext>
+            </a:extLst>
+          </a:blip>
+          <a:stretch>
+            <a:fillRect/>
+          </a:stretch>
+        </p:blipFill>
+        <p:spPr>
+          <a:xfrm>
+            <a:off x="4446840" y="647021"/>
+            <a:ext cx="4376500" cy="2889022"/>
+          </a:xfrm>
+          <a:prstGeom prst="rect">
+            <a:avLst/>
+          </a:prstGeom>
+          <a:ln w="19050">
+            <a:solidFill>
+              <a:srgbClr val="FF0000"/>
+            </a:solidFill>
+          </a:ln>
+        </p:spPr>
+      </p:pic>
+      <p:cxnSp>
+        <p:nvCxnSpPr>
+          <p:cNvPr id="14" name="직선 화살표 연결선 13"/>
+          <p:cNvCxnSpPr/>
+          <p:nvPr/>
+        </p:nvCxnSpPr>
+        <p:spPr>
+          <a:xfrm flipH="1" flipV="1">
+            <a:off x="5264727" y="3536043"/>
+            <a:ext cx="7964" cy="206052"/>
+          </a:xfrm>
+          <a:prstGeom prst="straightConnector1">
+            <a:avLst/>
+          </a:prstGeom>
+          <a:ln w="19050">
+            <a:solidFill>
+              <a:srgbClr val="FF0000"/>
+            </a:solidFill>
+            <a:tailEnd type="triangle"/>
+          </a:ln>
+        </p:spPr>
+        <p:style>
+          <a:lnRef idx="1">
+            <a:schemeClr val="accent1"/>
+          </a:lnRef>
+          <a:fillRef idx="0">
+            <a:schemeClr val="accent1"/>
+          </a:fillRef>
+          <a:effectRef idx="0">
+            <a:schemeClr val="accent1"/>
+          </a:effectRef>
+          <a:fontRef idx="minor">
+            <a:schemeClr val="tx1"/>
+          </a:fontRef>
+        </p:style>
+      </p:cxnSp>
+      <p:pic>
+        <p:nvPicPr>
+          <p:cNvPr id="15" name="그림 14"/>
+          <p:cNvPicPr>
+            <a:picLocks noChangeAspect="1"/>
+          </p:cNvPicPr>
+          <p:nvPr/>
+        </p:nvPicPr>
+        <p:blipFill>
+          <a:blip r:embed="rId5">
+            <a:extLst>
+              <a:ext uri="{28A0092B-C50C-407E-A947-70E740481C1C}">
+                <a14:useLocalDpi xmlns:a14="http://schemas.microsoft.com/office/drawing/2010/main" val="0"/>
+              </a:ext>
+            </a:extLst>
+          </a:blip>
+          <a:stretch>
+            <a:fillRect/>
+          </a:stretch>
+        </p:blipFill>
+        <p:spPr>
+          <a:xfrm>
+            <a:off x="382187" y="3886995"/>
+            <a:ext cx="5039428" cy="1256634"/>
+          </a:xfrm>
+          <a:prstGeom prst="rect">
+            <a:avLst/>
+          </a:prstGeom>
+          <a:ln w="19050">
+            <a:solidFill>
+              <a:srgbClr val="FF0000"/>
+            </a:solidFill>
+          </a:ln>
+        </p:spPr>
+      </p:pic>
+      <p:cxnSp>
+        <p:nvCxnSpPr>
+          <p:cNvPr id="16" name="직선 화살표 연결선 15"/>
+          <p:cNvCxnSpPr/>
+          <p:nvPr/>
+        </p:nvCxnSpPr>
+        <p:spPr>
+          <a:xfrm>
+            <a:off x="2248271" y="2899482"/>
+            <a:ext cx="0" cy="987513"/>
+          </a:xfrm>
+          <a:prstGeom prst="straightConnector1">
+            <a:avLst/>
+          </a:prstGeom>
+          <a:ln w="19050">
+            <a:solidFill>
+              <a:srgbClr val="FF0000"/>
+            </a:solidFill>
+            <a:tailEnd type="triangle"/>
+          </a:ln>
+        </p:spPr>
+        <p:style>
+          <a:lnRef idx="1">
+            <a:schemeClr val="accent1"/>
+          </a:lnRef>
+          <a:fillRef idx="0">
+            <a:schemeClr val="accent1"/>
+          </a:fillRef>
+          <a:effectRef idx="0">
+            <a:schemeClr val="accent1"/>
+          </a:effectRef>
+          <a:fontRef idx="minor">
+            <a:schemeClr val="tx1"/>
+          </a:fontRef>
+        </p:style>
+      </p:cxnSp>
+      <p:cxnSp>
+        <p:nvCxnSpPr>
+          <p:cNvPr id="17" name="직선 화살표 연결선 16"/>
+          <p:cNvCxnSpPr/>
+          <p:nvPr/>
+        </p:nvCxnSpPr>
+        <p:spPr>
+          <a:xfrm>
+            <a:off x="5263397" y="4936191"/>
+            <a:ext cx="380021" cy="0"/>
+          </a:xfrm>
+          <a:prstGeom prst="straightConnector1">
+            <a:avLst/>
+          </a:prstGeom>
+          <a:ln w="19050">
+            <a:solidFill>
+              <a:srgbClr val="FF0000"/>
+            </a:solidFill>
+            <a:tailEnd type="triangle"/>
+          </a:ln>
+        </p:spPr>
+        <p:style>
+          <a:lnRef idx="1">
+            <a:schemeClr val="accent1"/>
+          </a:lnRef>
+          <a:fillRef idx="0">
+            <a:schemeClr val="accent1"/>
+          </a:fillRef>
+          <a:effectRef idx="0">
+            <a:schemeClr val="accent1"/>
+          </a:effectRef>
+          <a:fontRef idx="minor">
+            <a:schemeClr val="tx1"/>
+          </a:fontRef>
+        </p:style>
+      </p:cxnSp>
+    </p:spTree>
+    <p:extLst>
+      <p:ext uri="{BB962C8B-B14F-4D97-AF65-F5344CB8AC3E}">
+        <p14:creationId xmlns:p14="http://schemas.microsoft.com/office/powerpoint/2010/main" val="2046401815"/>
+      </p:ext>
+    </p:extLst>
+  </p:cSld>
+  <p:clrMapOvr>
+    <a:masterClrMapping/>
+  </p:clrMapOvr>
+  <p:timing>
+    <p:tnLst>
+      <p:par>
+        <p:cTn id="1" dur="indefinite" restart="never" nodeType="tmRoot"/>
+      </p:par>
+    </p:tnLst>
+  </p:timing>
+</p:sld>
+</file>
+
+<file path=ppt/slides/slide11.xml><?xml version="1.0" encoding="utf-8"?>
+<p:sld xmlns:a="http://schemas.openxmlformats.org/drawingml/2006/main" xmlns:r="http://schemas.openxmlformats.org/officeDocument/2006/relationships" xmlns:p="http://schemas.openxmlformats.org/presentationml/2006/main">
+  <p:cSld>
+    <p:spTree>
+      <p:nvGrpSpPr>
+        <p:cNvPr id="1" name=""/>
+        <p:cNvGrpSpPr/>
+        <p:nvPr/>
+      </p:nvGrpSpPr>
+      <p:grpSpPr>
+        <a:xfrm>
+          <a:off x="0" y="0"/>
+          <a:ext cx="0" cy="0"/>
+          <a:chOff x="0" y="0"/>
+          <a:chExt cx="0" cy="0"/>
+        </a:xfrm>
+      </p:grpSpPr>
       <p:grpSp>
         <p:nvGrpSpPr>
-          <p:cNvPr id="8" name="그룹 7"/>
+          <p:cNvPr id="35" name="그룹 34"/>
           <p:cNvGrpSpPr/>
           <p:nvPr/>
         </p:nvGrpSpPr>
         <p:grpSpPr>
           <a:xfrm>
-            <a:off x="525582" y="662261"/>
-            <a:ext cx="2884883" cy="5937747"/>
-            <a:chOff x="525582" y="662261"/>
-            <a:chExt cx="2884883" cy="5937747"/>
+            <a:off x="0" y="441033"/>
+            <a:ext cx="9144000" cy="6380205"/>
+            <a:chOff x="0" y="477795"/>
+            <a:chExt cx="9144000" cy="6380205"/>
           </a:xfrm>
         </p:grpSpPr>
-        <p:pic>
-          <p:nvPicPr>
-            <p:cNvPr id="2" name="그림 1"/>
-            <p:cNvPicPr>
-              <a:picLocks noChangeAspect="1"/>
-            </p:cNvPicPr>
-            <p:nvPr/>
-          </p:nvPicPr>
-          <p:blipFill>
-            <a:blip r:embed="rId2"/>
-            <a:stretch>
-              <a:fillRect/>
-            </a:stretch>
-          </p:blipFill>
-          <p:spPr>
-            <a:xfrm>
-              <a:off x="525582" y="662261"/>
-              <a:ext cx="2884883" cy="5937747"/>
-            </a:xfrm>
-            <a:prstGeom prst="rect">
-              <a:avLst/>
-            </a:prstGeom>
-          </p:spPr>
-        </p:pic>
         <p:sp>
           <p:nvSpPr>
-            <p:cNvPr id="4" name="직사각형 3"/>
+            <p:cNvPr id="3" name="직사각형 2"/>
             <p:cNvSpPr/>
             <p:nvPr/>
           </p:nvSpPr>
           <p:spPr>
             <a:xfrm>
-              <a:off x="576649" y="1079157"/>
-              <a:ext cx="2776151" cy="4662616"/>
+              <a:off x="0" y="477795"/>
+              <a:ext cx="9144000" cy="6380205"/>
             </a:xfrm>
             <a:prstGeom prst="rect">
               <a:avLst/>
             </a:prstGeom>
             <a:solidFill>
-              <a:schemeClr val="bg1"/>
+              <a:srgbClr val="94C3BB"/>
             </a:solidFill>
             <a:ln>
-              <a:solidFill>
-                <a:schemeClr val="bg1"/>
-              </a:solidFill>
+              <a:noFill/>
             </a:ln>
           </p:spPr>
           <p:style>
@@ -5454,145 +5731,75 @@
             </a:p>
           </p:txBody>
         </p:sp>
+        <p:sp>
+          <p:nvSpPr>
+            <p:cNvPr id="6" name="직사각형 5"/>
+            <p:cNvSpPr/>
+            <p:nvPr/>
+          </p:nvSpPr>
+          <p:spPr>
+            <a:xfrm>
+              <a:off x="57666" y="557150"/>
+              <a:ext cx="9020432" cy="6230828"/>
+            </a:xfrm>
+            <a:prstGeom prst="rect">
+              <a:avLst/>
+            </a:prstGeom>
+            <a:solidFill>
+              <a:schemeClr val="bg1"/>
+            </a:solidFill>
+            <a:ln>
+              <a:noFill/>
+            </a:ln>
+          </p:spPr>
+          <p:style>
+            <a:lnRef idx="2">
+              <a:schemeClr val="accent1">
+                <a:shade val="50000"/>
+              </a:schemeClr>
+            </a:lnRef>
+            <a:fillRef idx="1">
+              <a:schemeClr val="accent1"/>
+            </a:fillRef>
+            <a:effectRef idx="0">
+              <a:schemeClr val="accent1"/>
+            </a:effectRef>
+            <a:fontRef idx="minor">
+              <a:schemeClr val="lt1"/>
+            </a:fontRef>
+          </p:style>
+          <p:txBody>
+            <a:bodyPr rtlCol="0" anchor="ctr"/>
+            <a:lstStyle/>
+            <a:p>
+              <a:pPr algn="ctr"/>
+              <a:endParaRPr lang="ko-KR" altLang="en-US" dirty="0">
+                <a:solidFill>
+                  <a:schemeClr val="bg2">
+                    <a:lumMod val="50000"/>
+                  </a:schemeClr>
+                </a:solidFill>
+              </a:endParaRPr>
+            </a:p>
+          </p:txBody>
+        </p:sp>
       </p:grpSp>
       <p:sp>
         <p:nvSpPr>
-          <p:cNvPr id="15" name="직사각형 14"/>
+          <p:cNvPr id="36" name="직사각형 35"/>
           <p:cNvSpPr/>
           <p:nvPr/>
         </p:nvSpPr>
         <p:spPr>
           <a:xfrm>
-            <a:off x="3698787" y="680247"/>
-            <a:ext cx="5271995" cy="5919761"/>
-          </a:xfrm>
-          <a:prstGeom prst="rect">
-            <a:avLst/>
-          </a:prstGeom>
-          <a:noFill/>
-          <a:ln>
-            <a:solidFill>
-              <a:schemeClr val="accent3">
-                <a:lumMod val="75000"/>
-              </a:schemeClr>
-            </a:solidFill>
-          </a:ln>
-        </p:spPr>
-        <p:style>
-          <a:lnRef idx="2">
-            <a:schemeClr val="accent1">
-              <a:shade val="50000"/>
-            </a:schemeClr>
-          </a:lnRef>
-          <a:fillRef idx="1">
-            <a:schemeClr val="accent1"/>
-          </a:fillRef>
-          <a:effectRef idx="0">
-            <a:schemeClr val="accent1"/>
-          </a:effectRef>
-          <a:fontRef idx="minor">
-            <a:schemeClr val="lt1"/>
-          </a:fontRef>
-        </p:style>
-        <p:txBody>
-          <a:bodyPr rtlCol="0" anchor="ctr"/>
-          <a:lstStyle/>
-          <a:p>
-            <a:pPr algn="ctr"/>
-            <a:endParaRPr lang="ko-KR" altLang="en-US">
-              <a:solidFill>
-                <a:prstClr val="white"/>
-              </a:solidFill>
-            </a:endParaRPr>
-          </a:p>
-        </p:txBody>
-      </p:sp>
-      <p:sp>
-        <p:nvSpPr>
-          <p:cNvPr id="16" name="직사각형 15"/>
-          <p:cNvSpPr/>
-          <p:nvPr/>
-        </p:nvSpPr>
-        <p:spPr>
-          <a:xfrm>
-            <a:off x="3698787" y="695001"/>
-            <a:ext cx="1013256" cy="267530"/>
+            <a:off x="7850659" y="65903"/>
+            <a:ext cx="1293341" cy="341870"/>
           </a:xfrm>
           <a:prstGeom prst="rect">
             <a:avLst/>
           </a:prstGeom>
           <a:solidFill>
-            <a:schemeClr val="accent3">
-              <a:lumMod val="75000"/>
-            </a:schemeClr>
-          </a:solidFill>
-          <a:ln>
-            <a:solidFill>
-              <a:schemeClr val="accent3">
-                <a:lumMod val="75000"/>
-              </a:schemeClr>
-            </a:solidFill>
-          </a:ln>
-        </p:spPr>
-        <p:style>
-          <a:lnRef idx="2">
-            <a:schemeClr val="accent1">
-              <a:shade val="50000"/>
-            </a:schemeClr>
-          </a:lnRef>
-          <a:fillRef idx="1">
-            <a:schemeClr val="accent1"/>
-          </a:fillRef>
-          <a:effectRef idx="0">
-            <a:schemeClr val="accent1"/>
-          </a:effectRef>
-          <a:fontRef idx="minor">
-            <a:schemeClr val="lt1"/>
-          </a:fontRef>
-        </p:style>
-        <p:txBody>
-          <a:bodyPr rtlCol="0" anchor="ctr"/>
-          <a:lstStyle/>
-          <a:p>
-            <a:pPr algn="ctr"/>
-            <a:r>
-              <a:rPr lang="en-US" altLang="ko-KR" sz="1600" dirty="0" smtClean="0">
-                <a:solidFill>
-                  <a:prstClr val="white"/>
-                </a:solidFill>
-                <a:latin typeface="나눔스퀘어_ac ExtraBold" panose="020B0600000101010101" pitchFamily="50" charset="-127"/>
-                <a:ea typeface="나눔스퀘어_ac ExtraBold" panose="020B0600000101010101" pitchFamily="50" charset="-127"/>
-              </a:rPr>
-              <a:t>layout</a:t>
-            </a:r>
-            <a:endParaRPr lang="ko-KR" altLang="en-US" sz="1600" dirty="0">
-              <a:solidFill>
-                <a:prstClr val="white"/>
-              </a:solidFill>
-              <a:latin typeface="나눔스퀘어_ac ExtraBold" panose="020B0600000101010101" pitchFamily="50" charset="-127"/>
-              <a:ea typeface="나눔스퀘어_ac ExtraBold" panose="020B0600000101010101" pitchFamily="50" charset="-127"/>
-            </a:endParaRPr>
-          </a:p>
-        </p:txBody>
-      </p:sp>
-      <p:sp>
-        <p:nvSpPr>
-          <p:cNvPr id="19" name="직사각형 18"/>
-          <p:cNvSpPr/>
-          <p:nvPr/>
-        </p:nvSpPr>
-        <p:spPr>
-          <a:xfrm>
-            <a:off x="5700470" y="2997576"/>
-            <a:ext cx="1268627" cy="642551"/>
-          </a:xfrm>
-          <a:prstGeom prst="rect">
-            <a:avLst/>
-          </a:prstGeom>
-          <a:solidFill>
-            <a:schemeClr val="bg1">
-              <a:lumMod val="95000"/>
-            </a:schemeClr>
+            <a:srgbClr val="FDBBC1"/>
           </a:solidFill>
           <a:ln>
             <a:noFill/>
@@ -5620,45 +5827,2589 @@
           <a:p>
             <a:pPr algn="ctr"/>
             <a:r>
-              <a:rPr lang="ko-KR" altLang="en-US" dirty="0" smtClean="0">
+              <a:rPr lang="en-US" altLang="ko-KR" sz="2400" dirty="0">
+                <a:solidFill>
+                  <a:prstClr val="white"/>
+                </a:solidFill>
+                <a:latin typeface="타이포_스톰 B" panose="02020503020101020101" pitchFamily="18" charset="-127"/>
+                <a:ea typeface="타이포_스톰 B" panose="02020503020101020101" pitchFamily="18" charset="-127"/>
+              </a:rPr>
+              <a:t>WEB</a:t>
+            </a:r>
+            <a:endParaRPr lang="ko-KR" altLang="en-US" sz="2400" dirty="0">
+              <a:solidFill>
+                <a:prstClr val="white"/>
+              </a:solidFill>
+              <a:latin typeface="타이포_스톰 B" panose="02020503020101020101" pitchFamily="18" charset="-127"/>
+              <a:ea typeface="타이포_스톰 B" panose="02020503020101020101" pitchFamily="18" charset="-127"/>
+            </a:endParaRPr>
+          </a:p>
+        </p:txBody>
+      </p:sp>
+      <p:sp>
+        <p:nvSpPr>
+          <p:cNvPr id="10" name="직사각형 9"/>
+          <p:cNvSpPr/>
+          <p:nvPr/>
+        </p:nvSpPr>
+        <p:spPr>
+          <a:xfrm>
+            <a:off x="0" y="65903"/>
+            <a:ext cx="6260758" cy="339258"/>
+          </a:xfrm>
+          <a:prstGeom prst="rect">
+            <a:avLst/>
+          </a:prstGeom>
+          <a:solidFill>
+            <a:srgbClr val="FDBBC1"/>
+          </a:solidFill>
+          <a:ln>
+            <a:noFill/>
+          </a:ln>
+        </p:spPr>
+        <p:style>
+          <a:lnRef idx="2">
+            <a:schemeClr val="accent1">
+              <a:shade val="50000"/>
+            </a:schemeClr>
+          </a:lnRef>
+          <a:fillRef idx="1">
+            <a:schemeClr val="accent1"/>
+          </a:fillRef>
+          <a:effectRef idx="0">
+            <a:schemeClr val="accent1"/>
+          </a:effectRef>
+          <a:fontRef idx="minor">
+            <a:schemeClr val="lt1"/>
+          </a:fontRef>
+        </p:style>
+        <p:txBody>
+          <a:bodyPr rtlCol="0" anchor="ctr"/>
+          <a:lstStyle/>
+          <a:p>
+            <a:r>
+              <a:rPr lang="en-US" altLang="ko-KR" sz="2000" smtClean="0">
                 <a:solidFill>
                   <a:prstClr val="black">
-                    <a:lumMod val="85000"/>
-                    <a:lumOff val="15000"/>
+                    <a:lumMod val="75000"/>
+                    <a:lumOff val="25000"/>
                   </a:prstClr>
                 </a:solidFill>
-              </a:rPr>
-              <a:t>스튜디오</a:t>
-            </a:r>
-            <a:endParaRPr lang="en-US" altLang="ko-KR" dirty="0" smtClean="0">
+                <a:latin typeface="타이포_스톰 B" panose="02020503020101020101" pitchFamily="18" charset="-127"/>
+                <a:ea typeface="타이포_스톰 B" panose="02020503020101020101" pitchFamily="18" charset="-127"/>
+              </a:rPr>
+              <a:t>[</a:t>
+            </a:r>
+            <a:r>
+              <a:rPr lang="ko-KR" altLang="en-US" sz="2000">
+                <a:solidFill>
+                  <a:prstClr val="black">
+                    <a:lumMod val="75000"/>
+                    <a:lumOff val="25000"/>
+                  </a:prstClr>
+                </a:solidFill>
+                <a:latin typeface="타이포_스톰 B" panose="02020503020101020101" pitchFamily="18" charset="-127"/>
+                <a:ea typeface="타이포_스톰 B" panose="02020503020101020101" pitchFamily="18" charset="-127"/>
+              </a:rPr>
+              <a:t>화면구현</a:t>
+            </a:r>
+            <a:r>
+              <a:rPr lang="en-US" altLang="ko-KR" sz="2000">
+                <a:solidFill>
+                  <a:prstClr val="black">
+                    <a:lumMod val="75000"/>
+                    <a:lumOff val="25000"/>
+                  </a:prstClr>
+                </a:solidFill>
+                <a:latin typeface="타이포_스톰 B" panose="02020503020101020101" pitchFamily="18" charset="-127"/>
+                <a:ea typeface="타이포_스톰 B" panose="02020503020101020101" pitchFamily="18" charset="-127"/>
+              </a:rPr>
+              <a:t>]  </a:t>
+            </a:r>
+            <a:r>
+              <a:rPr lang="ko-KR" altLang="en-US" sz="2000" smtClean="0">
+                <a:solidFill>
+                  <a:prstClr val="black">
+                    <a:lumMod val="75000"/>
+                    <a:lumOff val="25000"/>
+                  </a:prstClr>
+                </a:solidFill>
+                <a:latin typeface="타이포_스톰 B" panose="02020503020101020101" pitchFamily="18" charset="-127"/>
+                <a:ea typeface="타이포_스톰 B" panose="02020503020101020101" pitchFamily="18" charset="-127"/>
+              </a:rPr>
+              <a:t>프로젝트추가</a:t>
+            </a:r>
+            <a:r>
+              <a:rPr lang="en-US" altLang="ko-KR" sz="2000" smtClean="0">
+                <a:solidFill>
+                  <a:prstClr val="black">
+                    <a:lumMod val="75000"/>
+                    <a:lumOff val="25000"/>
+                  </a:prstClr>
+                </a:solidFill>
+                <a:latin typeface="타이포_스톰 B" panose="02020503020101020101" pitchFamily="18" charset="-127"/>
+                <a:ea typeface="타이포_스톰 B" panose="02020503020101020101" pitchFamily="18" charset="-127"/>
+              </a:rPr>
+              <a:t>(CEO, CTO)</a:t>
+            </a:r>
+            <a:endParaRPr lang="ko-KR" altLang="en-US" sz="2000" dirty="0">
               <a:solidFill>
                 <a:prstClr val="black">
-                  <a:lumMod val="85000"/>
-                  <a:lumOff val="15000"/>
+                  <a:lumMod val="75000"/>
+                  <a:lumOff val="25000"/>
                 </a:prstClr>
               </a:solidFill>
+              <a:latin typeface="타이포_스톰 B" panose="02020503020101020101" pitchFamily="18" charset="-127"/>
+              <a:ea typeface="타이포_스톰 B" panose="02020503020101020101" pitchFamily="18" charset="-127"/>
             </a:endParaRPr>
           </a:p>
+        </p:txBody>
+      </p:sp>
+      <p:pic>
+        <p:nvPicPr>
+          <p:cNvPr id="13" name="그림 12"/>
+          <p:cNvPicPr>
+            <a:picLocks noChangeAspect="1"/>
+          </p:cNvPicPr>
+          <p:nvPr/>
+        </p:nvPicPr>
+        <p:blipFill>
+          <a:blip r:embed="rId2">
+            <a:extLst>
+              <a:ext uri="{28A0092B-C50C-407E-A947-70E740481C1C}">
+                <a14:useLocalDpi xmlns:a14="http://schemas.microsoft.com/office/drawing/2010/main" val="0"/>
+              </a:ext>
+            </a:extLst>
+          </a:blip>
+          <a:stretch>
+            <a:fillRect/>
+          </a:stretch>
+        </p:blipFill>
+        <p:spPr>
+          <a:xfrm>
+            <a:off x="5263397" y="4235471"/>
+            <a:ext cx="3559943" cy="2374833"/>
+          </a:xfrm>
+          <a:prstGeom prst="rect">
+            <a:avLst/>
+          </a:prstGeom>
+        </p:spPr>
+      </p:pic>
+      <p:pic>
+        <p:nvPicPr>
+          <p:cNvPr id="7" name="그림 6"/>
+          <p:cNvPicPr>
+            <a:picLocks noChangeAspect="1"/>
+          </p:cNvPicPr>
+          <p:nvPr/>
+        </p:nvPicPr>
+        <p:blipFill>
+          <a:blip r:embed="rId3">
+            <a:extLst>
+              <a:ext uri="{28A0092B-C50C-407E-A947-70E740481C1C}">
+                <a14:useLocalDpi xmlns:a14="http://schemas.microsoft.com/office/drawing/2010/main" val="0"/>
+              </a:ext>
+            </a:extLst>
+          </a:blip>
+          <a:stretch>
+            <a:fillRect/>
+          </a:stretch>
+        </p:blipFill>
+        <p:spPr>
+          <a:xfrm>
+            <a:off x="281772" y="787933"/>
+            <a:ext cx="5695838" cy="3368183"/>
+          </a:xfrm>
+          <a:prstGeom prst="rect">
+            <a:avLst/>
+          </a:prstGeom>
+        </p:spPr>
+      </p:pic>
+      <p:pic>
+        <p:nvPicPr>
+          <p:cNvPr id="11" name="그림 10"/>
+          <p:cNvPicPr>
+            <a:picLocks noChangeAspect="1"/>
+          </p:cNvPicPr>
+          <p:nvPr/>
+        </p:nvPicPr>
+        <p:blipFill>
+          <a:blip r:embed="rId4">
+            <a:extLst>
+              <a:ext uri="{28A0092B-C50C-407E-A947-70E740481C1C}">
+                <a14:useLocalDpi xmlns:a14="http://schemas.microsoft.com/office/drawing/2010/main" val="0"/>
+              </a:ext>
+            </a:extLst>
+          </a:blip>
+          <a:stretch>
+            <a:fillRect/>
+          </a:stretch>
+        </p:blipFill>
+        <p:spPr>
+          <a:xfrm>
+            <a:off x="281772" y="3309725"/>
+            <a:ext cx="4726867" cy="3300579"/>
+          </a:xfrm>
+          <a:prstGeom prst="rect">
+            <a:avLst/>
+          </a:prstGeom>
+          <a:ln w="19050">
+            <a:solidFill>
+              <a:srgbClr val="FF0000"/>
+            </a:solidFill>
+          </a:ln>
+        </p:spPr>
+      </p:pic>
+      <p:pic>
+        <p:nvPicPr>
+          <p:cNvPr id="14" name="그림 13"/>
+          <p:cNvPicPr>
+            <a:picLocks noChangeAspect="1"/>
+          </p:cNvPicPr>
+          <p:nvPr/>
+        </p:nvPicPr>
+        <p:blipFill>
+          <a:blip r:embed="rId5">
+            <a:extLst>
+              <a:ext uri="{28A0092B-C50C-407E-A947-70E740481C1C}">
+                <a14:useLocalDpi xmlns:a14="http://schemas.microsoft.com/office/drawing/2010/main" val="0"/>
+              </a:ext>
+            </a:extLst>
+          </a:blip>
+          <a:stretch>
+            <a:fillRect/>
+          </a:stretch>
+        </p:blipFill>
+        <p:spPr>
+          <a:xfrm>
+            <a:off x="1459345" y="2249827"/>
+            <a:ext cx="7363995" cy="617417"/>
+          </a:xfrm>
+          <a:prstGeom prst="rect">
+            <a:avLst/>
+          </a:prstGeom>
+          <a:ln w="19050">
+            <a:solidFill>
+              <a:srgbClr val="FF0000"/>
+            </a:solidFill>
+          </a:ln>
+        </p:spPr>
+      </p:pic>
+      <p:cxnSp>
+        <p:nvCxnSpPr>
+          <p:cNvPr id="16" name="직선 화살표 연결선 15"/>
+          <p:cNvCxnSpPr/>
+          <p:nvPr/>
+        </p:nvCxnSpPr>
+        <p:spPr>
+          <a:xfrm>
+            <a:off x="5008639" y="5618028"/>
+            <a:ext cx="677112" cy="0"/>
+          </a:xfrm>
+          <a:prstGeom prst="straightConnector1">
+            <a:avLst/>
+          </a:prstGeom>
+          <a:ln w="19050">
+            <a:solidFill>
+              <a:srgbClr val="FF0000"/>
+            </a:solidFill>
+            <a:tailEnd type="triangle"/>
+          </a:ln>
+        </p:spPr>
+        <p:style>
+          <a:lnRef idx="1">
+            <a:schemeClr val="accent1"/>
+          </a:lnRef>
+          <a:fillRef idx="0">
+            <a:schemeClr val="accent1"/>
+          </a:fillRef>
+          <a:effectRef idx="0">
+            <a:schemeClr val="accent1"/>
+          </a:effectRef>
+          <a:fontRef idx="minor">
+            <a:schemeClr val="tx1"/>
+          </a:fontRef>
+        </p:style>
+      </p:cxnSp>
+      <p:cxnSp>
+        <p:nvCxnSpPr>
+          <p:cNvPr id="17" name="직선 화살표 연결선 16"/>
+          <p:cNvCxnSpPr>
+            <a:endCxn id="14" idx="2"/>
+          </p:cNvCxnSpPr>
+          <p:nvPr/>
+        </p:nvCxnSpPr>
+        <p:spPr>
+          <a:xfrm flipV="1">
+            <a:off x="5141343" y="2867244"/>
+            <a:ext cx="0" cy="763891"/>
+          </a:xfrm>
+          <a:prstGeom prst="straightConnector1">
+            <a:avLst/>
+          </a:prstGeom>
+          <a:ln w="19050">
+            <a:solidFill>
+              <a:srgbClr val="FF0000"/>
+            </a:solidFill>
+            <a:tailEnd type="triangle"/>
+          </a:ln>
+        </p:spPr>
+        <p:style>
+          <a:lnRef idx="1">
+            <a:schemeClr val="accent1"/>
+          </a:lnRef>
+          <a:fillRef idx="0">
+            <a:schemeClr val="accent1"/>
+          </a:fillRef>
+          <a:effectRef idx="0">
+            <a:schemeClr val="accent1"/>
+          </a:effectRef>
+          <a:fontRef idx="minor">
+            <a:schemeClr val="tx1"/>
+          </a:fontRef>
+        </p:style>
+      </p:cxnSp>
+    </p:spTree>
+    <p:extLst>
+      <p:ext uri="{BB962C8B-B14F-4D97-AF65-F5344CB8AC3E}">
+        <p14:creationId xmlns:p14="http://schemas.microsoft.com/office/powerpoint/2010/main" val="1662626918"/>
+      </p:ext>
+    </p:extLst>
+  </p:cSld>
+  <p:clrMapOvr>
+    <a:masterClrMapping/>
+  </p:clrMapOvr>
+  <p:timing>
+    <p:tnLst>
+      <p:par>
+        <p:cTn id="1" dur="indefinite" restart="never" nodeType="tmRoot"/>
+      </p:par>
+    </p:tnLst>
+  </p:timing>
+</p:sld>
+</file>
+
+<file path=ppt/slides/slide12.xml><?xml version="1.0" encoding="utf-8"?>
+<p:sld xmlns:a="http://schemas.openxmlformats.org/drawingml/2006/main" xmlns:r="http://schemas.openxmlformats.org/officeDocument/2006/relationships" xmlns:p="http://schemas.openxmlformats.org/presentationml/2006/main">
+  <p:cSld>
+    <p:spTree>
+      <p:nvGrpSpPr>
+        <p:cNvPr id="1" name=""/>
+        <p:cNvGrpSpPr/>
+        <p:nvPr/>
+      </p:nvGrpSpPr>
+      <p:grpSpPr>
+        <a:xfrm>
+          <a:off x="0" y="0"/>
+          <a:ext cx="0" cy="0"/>
+          <a:chOff x="0" y="0"/>
+          <a:chExt cx="0" cy="0"/>
+        </a:xfrm>
+      </p:grpSpPr>
+      <p:grpSp>
+        <p:nvGrpSpPr>
+          <p:cNvPr id="35" name="그룹 34"/>
+          <p:cNvGrpSpPr/>
+          <p:nvPr/>
+        </p:nvGrpSpPr>
+        <p:grpSpPr>
+          <a:xfrm>
+            <a:off x="0" y="441033"/>
+            <a:ext cx="9144000" cy="6380205"/>
+            <a:chOff x="0" y="477795"/>
+            <a:chExt cx="9144000" cy="6380205"/>
+          </a:xfrm>
+        </p:grpSpPr>
+        <p:sp>
+          <p:nvSpPr>
+            <p:cNvPr id="3" name="직사각형 2"/>
+            <p:cNvSpPr/>
+            <p:nvPr/>
+          </p:nvSpPr>
+          <p:spPr>
+            <a:xfrm>
+              <a:off x="0" y="477795"/>
+              <a:ext cx="9144000" cy="6380205"/>
+            </a:xfrm>
+            <a:prstGeom prst="rect">
+              <a:avLst/>
+            </a:prstGeom>
+            <a:solidFill>
+              <a:srgbClr val="94C3BB"/>
+            </a:solidFill>
+            <a:ln>
+              <a:noFill/>
+            </a:ln>
+          </p:spPr>
+          <p:style>
+            <a:lnRef idx="2">
+              <a:schemeClr val="accent1">
+                <a:shade val="50000"/>
+              </a:schemeClr>
+            </a:lnRef>
+            <a:fillRef idx="1">
+              <a:schemeClr val="accent1"/>
+            </a:fillRef>
+            <a:effectRef idx="0">
+              <a:schemeClr val="accent1"/>
+            </a:effectRef>
+            <a:fontRef idx="minor">
+              <a:schemeClr val="lt1"/>
+            </a:fontRef>
+          </p:style>
+          <p:txBody>
+            <a:bodyPr rtlCol="0" anchor="ctr"/>
+            <a:lstStyle/>
+            <a:p>
+              <a:pPr algn="ctr"/>
+              <a:endParaRPr lang="ko-KR" altLang="en-US">
+                <a:solidFill>
+                  <a:prstClr val="white"/>
+                </a:solidFill>
+              </a:endParaRPr>
+            </a:p>
+          </p:txBody>
+        </p:sp>
+        <p:sp>
+          <p:nvSpPr>
+            <p:cNvPr id="6" name="직사각형 5"/>
+            <p:cNvSpPr/>
+            <p:nvPr/>
+          </p:nvSpPr>
+          <p:spPr>
+            <a:xfrm>
+              <a:off x="57666" y="557150"/>
+              <a:ext cx="9020432" cy="6230828"/>
+            </a:xfrm>
+            <a:prstGeom prst="rect">
+              <a:avLst/>
+            </a:prstGeom>
+            <a:solidFill>
+              <a:schemeClr val="bg1"/>
+            </a:solidFill>
+            <a:ln>
+              <a:noFill/>
+            </a:ln>
+          </p:spPr>
+          <p:style>
+            <a:lnRef idx="2">
+              <a:schemeClr val="accent1">
+                <a:shade val="50000"/>
+              </a:schemeClr>
+            </a:lnRef>
+            <a:fillRef idx="1">
+              <a:schemeClr val="accent1"/>
+            </a:fillRef>
+            <a:effectRef idx="0">
+              <a:schemeClr val="accent1"/>
+            </a:effectRef>
+            <a:fontRef idx="minor">
+              <a:schemeClr val="lt1"/>
+            </a:fontRef>
+          </p:style>
+          <p:txBody>
+            <a:bodyPr rtlCol="0" anchor="ctr"/>
+            <a:lstStyle/>
+            <a:p>
+              <a:pPr algn="ctr"/>
+              <a:endParaRPr lang="ko-KR" altLang="en-US" dirty="0">
+                <a:solidFill>
+                  <a:schemeClr val="bg2">
+                    <a:lumMod val="50000"/>
+                  </a:schemeClr>
+                </a:solidFill>
+              </a:endParaRPr>
+            </a:p>
+          </p:txBody>
+        </p:sp>
+      </p:grpSp>
+      <p:sp>
+        <p:nvSpPr>
+          <p:cNvPr id="36" name="직사각형 35"/>
+          <p:cNvSpPr/>
+          <p:nvPr/>
+        </p:nvSpPr>
+        <p:spPr>
+          <a:xfrm>
+            <a:off x="7850659" y="65903"/>
+            <a:ext cx="1293341" cy="341870"/>
+          </a:xfrm>
+          <a:prstGeom prst="rect">
+            <a:avLst/>
+          </a:prstGeom>
+          <a:solidFill>
+            <a:srgbClr val="FDBBC1"/>
+          </a:solidFill>
+          <a:ln>
+            <a:noFill/>
+          </a:ln>
+        </p:spPr>
+        <p:style>
+          <a:lnRef idx="2">
+            <a:schemeClr val="accent1">
+              <a:shade val="50000"/>
+            </a:schemeClr>
+          </a:lnRef>
+          <a:fillRef idx="1">
+            <a:schemeClr val="accent1"/>
+          </a:fillRef>
+          <a:effectRef idx="0">
+            <a:schemeClr val="accent1"/>
+          </a:effectRef>
+          <a:fontRef idx="minor">
+            <a:schemeClr val="lt1"/>
+          </a:fontRef>
+        </p:style>
+        <p:txBody>
+          <a:bodyPr rtlCol="0" anchor="ctr"/>
+          <a:lstStyle/>
           <a:p>
             <a:pPr algn="ctr"/>
             <a:r>
-              <a:rPr lang="ko-KR" altLang="en-US" dirty="0" smtClean="0">
+              <a:rPr lang="en-US" altLang="ko-KR" sz="2400" dirty="0">
+                <a:solidFill>
+                  <a:prstClr val="white"/>
+                </a:solidFill>
+                <a:latin typeface="타이포_스톰 B" panose="02020503020101020101" pitchFamily="18" charset="-127"/>
+                <a:ea typeface="타이포_스톰 B" panose="02020503020101020101" pitchFamily="18" charset="-127"/>
+              </a:rPr>
+              <a:t>WEB</a:t>
+            </a:r>
+            <a:endParaRPr lang="ko-KR" altLang="en-US" sz="2400" dirty="0">
+              <a:solidFill>
+                <a:prstClr val="white"/>
+              </a:solidFill>
+              <a:latin typeface="타이포_스톰 B" panose="02020503020101020101" pitchFamily="18" charset="-127"/>
+              <a:ea typeface="타이포_스톰 B" panose="02020503020101020101" pitchFamily="18" charset="-127"/>
+            </a:endParaRPr>
+          </a:p>
+        </p:txBody>
+      </p:sp>
+      <p:sp>
+        <p:nvSpPr>
+          <p:cNvPr id="10" name="직사각형 9"/>
+          <p:cNvSpPr/>
+          <p:nvPr/>
+        </p:nvSpPr>
+        <p:spPr>
+          <a:xfrm>
+            <a:off x="0" y="65903"/>
+            <a:ext cx="6260758" cy="339258"/>
+          </a:xfrm>
+          <a:prstGeom prst="rect">
+            <a:avLst/>
+          </a:prstGeom>
+          <a:solidFill>
+            <a:srgbClr val="FDBBC1"/>
+          </a:solidFill>
+          <a:ln>
+            <a:noFill/>
+          </a:ln>
+        </p:spPr>
+        <p:style>
+          <a:lnRef idx="2">
+            <a:schemeClr val="accent1">
+              <a:shade val="50000"/>
+            </a:schemeClr>
+          </a:lnRef>
+          <a:fillRef idx="1">
+            <a:schemeClr val="accent1"/>
+          </a:fillRef>
+          <a:effectRef idx="0">
+            <a:schemeClr val="accent1"/>
+          </a:effectRef>
+          <a:fontRef idx="minor">
+            <a:schemeClr val="lt1"/>
+          </a:fontRef>
+        </p:style>
+        <p:txBody>
+          <a:bodyPr rtlCol="0" anchor="ctr"/>
+          <a:lstStyle/>
+          <a:p>
+            <a:r>
+              <a:rPr lang="en-US" altLang="ko-KR" sz="2000" smtClean="0">
                 <a:solidFill>
                   <a:prstClr val="black">
-                    <a:lumMod val="85000"/>
-                    <a:lumOff val="15000"/>
+                    <a:lumMod val="75000"/>
+                    <a:lumOff val="25000"/>
                   </a:prstClr>
                 </a:solidFill>
-              </a:rPr>
-              <a:t>코드</a:t>
-            </a:r>
-            <a:endParaRPr lang="ko-KR" altLang="en-US" dirty="0">
+                <a:latin typeface="타이포_스톰 B" panose="02020503020101020101" pitchFamily="18" charset="-127"/>
+                <a:ea typeface="타이포_스톰 B" panose="02020503020101020101" pitchFamily="18" charset="-127"/>
+              </a:rPr>
+              <a:t>[</a:t>
+            </a:r>
+            <a:r>
+              <a:rPr lang="ko-KR" altLang="en-US" sz="2000">
+                <a:solidFill>
+                  <a:prstClr val="black">
+                    <a:lumMod val="75000"/>
+                    <a:lumOff val="25000"/>
+                  </a:prstClr>
+                </a:solidFill>
+                <a:latin typeface="타이포_스톰 B" panose="02020503020101020101" pitchFamily="18" charset="-127"/>
+                <a:ea typeface="타이포_스톰 B" panose="02020503020101020101" pitchFamily="18" charset="-127"/>
+              </a:rPr>
+              <a:t>화면구현</a:t>
+            </a:r>
+            <a:r>
+              <a:rPr lang="en-US" altLang="ko-KR" sz="2000">
+                <a:solidFill>
+                  <a:prstClr val="black">
+                    <a:lumMod val="75000"/>
+                    <a:lumOff val="25000"/>
+                  </a:prstClr>
+                </a:solidFill>
+                <a:latin typeface="타이포_스톰 B" panose="02020503020101020101" pitchFamily="18" charset="-127"/>
+                <a:ea typeface="타이포_스톰 B" panose="02020503020101020101" pitchFamily="18" charset="-127"/>
+              </a:rPr>
+              <a:t>]  </a:t>
+            </a:r>
+            <a:r>
+              <a:rPr lang="ko-KR" altLang="en-US" sz="2000" smtClean="0">
+                <a:solidFill>
+                  <a:prstClr val="black">
+                    <a:lumMod val="75000"/>
+                    <a:lumOff val="25000"/>
+                  </a:prstClr>
+                </a:solidFill>
+                <a:latin typeface="타이포_스톰 B" panose="02020503020101020101" pitchFamily="18" charset="-127"/>
+                <a:ea typeface="타이포_스톰 B" panose="02020503020101020101" pitchFamily="18" charset="-127"/>
+              </a:rPr>
+              <a:t>프로젝트추가</a:t>
+            </a:r>
+            <a:r>
+              <a:rPr lang="en-US" altLang="ko-KR" sz="2000" smtClean="0">
+                <a:solidFill>
+                  <a:prstClr val="black">
+                    <a:lumMod val="75000"/>
+                    <a:lumOff val="25000"/>
+                  </a:prstClr>
+                </a:solidFill>
+                <a:latin typeface="타이포_스톰 B" panose="02020503020101020101" pitchFamily="18" charset="-127"/>
+                <a:ea typeface="타이포_스톰 B" panose="02020503020101020101" pitchFamily="18" charset="-127"/>
+              </a:rPr>
+              <a:t>(CEO, CTO)</a:t>
+            </a:r>
+            <a:endParaRPr lang="ko-KR" altLang="en-US" sz="2000" dirty="0">
               <a:solidFill>
                 <a:prstClr val="black">
-                  <a:lumMod val="85000"/>
-                  <a:lumOff val="15000"/>
+                  <a:lumMod val="75000"/>
+                  <a:lumOff val="25000"/>
                 </a:prstClr>
               </a:solidFill>
+              <a:latin typeface="타이포_스톰 B" panose="02020503020101020101" pitchFamily="18" charset="-127"/>
+              <a:ea typeface="타이포_스톰 B" panose="02020503020101020101" pitchFamily="18" charset="-127"/>
+            </a:endParaRPr>
+          </a:p>
+        </p:txBody>
+      </p:sp>
+      <p:pic>
+        <p:nvPicPr>
+          <p:cNvPr id="12" name="그림 11"/>
+          <p:cNvPicPr>
+            <a:picLocks noChangeAspect="1"/>
+          </p:cNvPicPr>
+          <p:nvPr/>
+        </p:nvPicPr>
+        <p:blipFill>
+          <a:blip r:embed="rId2">
+            <a:extLst>
+              <a:ext uri="{28A0092B-C50C-407E-A947-70E740481C1C}">
+                <a14:useLocalDpi xmlns:a14="http://schemas.microsoft.com/office/drawing/2010/main" val="0"/>
+              </a:ext>
+            </a:extLst>
+          </a:blip>
+          <a:stretch>
+            <a:fillRect/>
+          </a:stretch>
+        </p:blipFill>
+        <p:spPr>
+          <a:xfrm>
+            <a:off x="6043512" y="2351795"/>
+            <a:ext cx="2779828" cy="1804321"/>
+          </a:xfrm>
+          <a:prstGeom prst="rect">
+            <a:avLst/>
+          </a:prstGeom>
+        </p:spPr>
+      </p:pic>
+      <p:pic>
+        <p:nvPicPr>
+          <p:cNvPr id="13" name="그림 12"/>
+          <p:cNvPicPr>
+            <a:picLocks noChangeAspect="1"/>
+          </p:cNvPicPr>
+          <p:nvPr/>
+        </p:nvPicPr>
+        <p:blipFill>
+          <a:blip r:embed="rId3">
+            <a:extLst>
+              <a:ext uri="{28A0092B-C50C-407E-A947-70E740481C1C}">
+                <a14:useLocalDpi xmlns:a14="http://schemas.microsoft.com/office/drawing/2010/main" val="0"/>
+              </a:ext>
+            </a:extLst>
+          </a:blip>
+          <a:stretch>
+            <a:fillRect/>
+          </a:stretch>
+        </p:blipFill>
+        <p:spPr>
+          <a:xfrm>
+            <a:off x="5263397" y="4235471"/>
+            <a:ext cx="3559943" cy="2374833"/>
+          </a:xfrm>
+          <a:prstGeom prst="rect">
+            <a:avLst/>
+          </a:prstGeom>
+        </p:spPr>
+      </p:pic>
+      <p:pic>
+        <p:nvPicPr>
+          <p:cNvPr id="7" name="그림 6"/>
+          <p:cNvPicPr>
+            <a:picLocks noChangeAspect="1"/>
+          </p:cNvPicPr>
+          <p:nvPr/>
+        </p:nvPicPr>
+        <p:blipFill>
+          <a:blip r:embed="rId4">
+            <a:extLst>
+              <a:ext uri="{28A0092B-C50C-407E-A947-70E740481C1C}">
+                <a14:useLocalDpi xmlns:a14="http://schemas.microsoft.com/office/drawing/2010/main" val="0"/>
+              </a:ext>
+            </a:extLst>
+          </a:blip>
+          <a:stretch>
+            <a:fillRect/>
+          </a:stretch>
+        </p:blipFill>
+        <p:spPr>
+          <a:xfrm>
+            <a:off x="281772" y="787933"/>
+            <a:ext cx="5695838" cy="3368183"/>
+          </a:xfrm>
+          <a:prstGeom prst="rect">
+            <a:avLst/>
+          </a:prstGeom>
+        </p:spPr>
+      </p:pic>
+      <p:pic>
+        <p:nvPicPr>
+          <p:cNvPr id="11" name="그림 10"/>
+          <p:cNvPicPr>
+            <a:picLocks noChangeAspect="1"/>
+          </p:cNvPicPr>
+          <p:nvPr/>
+        </p:nvPicPr>
+        <p:blipFill>
+          <a:blip r:embed="rId5">
+            <a:extLst>
+              <a:ext uri="{28A0092B-C50C-407E-A947-70E740481C1C}">
+                <a14:useLocalDpi xmlns:a14="http://schemas.microsoft.com/office/drawing/2010/main" val="0"/>
+              </a:ext>
+            </a:extLst>
+          </a:blip>
+          <a:stretch>
+            <a:fillRect/>
+          </a:stretch>
+        </p:blipFill>
+        <p:spPr>
+          <a:xfrm>
+            <a:off x="3703702" y="819598"/>
+            <a:ext cx="5114112" cy="1558331"/>
+          </a:xfrm>
+          <a:prstGeom prst="rect">
+            <a:avLst/>
+          </a:prstGeom>
+          <a:ln w="19050">
+            <a:solidFill>
+              <a:srgbClr val="FF0000"/>
+            </a:solidFill>
+          </a:ln>
+        </p:spPr>
+      </p:pic>
+      <p:cxnSp>
+        <p:nvCxnSpPr>
+          <p:cNvPr id="15" name="직선 화살표 연결선 14"/>
+          <p:cNvCxnSpPr>
+            <a:stCxn id="12" idx="0"/>
+          </p:cNvCxnSpPr>
+          <p:nvPr/>
+        </p:nvCxnSpPr>
+        <p:spPr>
+          <a:xfrm>
+            <a:off x="7433426" y="2351795"/>
+            <a:ext cx="11083" cy="271332"/>
+          </a:xfrm>
+          <a:prstGeom prst="straightConnector1">
+            <a:avLst/>
+          </a:prstGeom>
+          <a:ln w="19050">
+            <a:solidFill>
+              <a:srgbClr val="FF0000"/>
+            </a:solidFill>
+            <a:tailEnd type="triangle"/>
+          </a:ln>
+        </p:spPr>
+        <p:style>
+          <a:lnRef idx="1">
+            <a:schemeClr val="accent1"/>
+          </a:lnRef>
+          <a:fillRef idx="0">
+            <a:schemeClr val="accent1"/>
+          </a:fillRef>
+          <a:effectRef idx="0">
+            <a:schemeClr val="accent1"/>
+          </a:effectRef>
+          <a:fontRef idx="minor">
+            <a:schemeClr val="tx1"/>
+          </a:fontRef>
+        </p:style>
+      </p:cxnSp>
+      <p:pic>
+        <p:nvPicPr>
+          <p:cNvPr id="19" name="그림 18"/>
+          <p:cNvPicPr>
+            <a:picLocks noChangeAspect="1"/>
+          </p:cNvPicPr>
+          <p:nvPr/>
+        </p:nvPicPr>
+        <p:blipFill>
+          <a:blip r:embed="rId6">
+            <a:extLst>
+              <a:ext uri="{28A0092B-C50C-407E-A947-70E740481C1C}">
+                <a14:useLocalDpi xmlns:a14="http://schemas.microsoft.com/office/drawing/2010/main" val="0"/>
+              </a:ext>
+            </a:extLst>
+          </a:blip>
+          <a:stretch>
+            <a:fillRect/>
+          </a:stretch>
+        </p:blipFill>
+        <p:spPr>
+          <a:xfrm>
+            <a:off x="213238" y="3121270"/>
+            <a:ext cx="6464654" cy="1262671"/>
+          </a:xfrm>
+          <a:prstGeom prst="rect">
+            <a:avLst/>
+          </a:prstGeom>
+          <a:ln w="19050">
+            <a:solidFill>
+              <a:srgbClr val="FF0000"/>
+            </a:solidFill>
+          </a:ln>
+        </p:spPr>
+      </p:pic>
+      <p:cxnSp>
+        <p:nvCxnSpPr>
+          <p:cNvPr id="21" name="직선 화살표 연결선 20"/>
+          <p:cNvCxnSpPr/>
+          <p:nvPr/>
+        </p:nvCxnSpPr>
+        <p:spPr>
+          <a:xfrm>
+            <a:off x="2237971" y="2832002"/>
+            <a:ext cx="11083" cy="271332"/>
+          </a:xfrm>
+          <a:prstGeom prst="straightConnector1">
+            <a:avLst/>
+          </a:prstGeom>
+          <a:ln w="19050">
+            <a:solidFill>
+              <a:srgbClr val="FF0000"/>
+            </a:solidFill>
+            <a:tailEnd type="triangle"/>
+          </a:ln>
+        </p:spPr>
+        <p:style>
+          <a:lnRef idx="1">
+            <a:schemeClr val="accent1"/>
+          </a:lnRef>
+          <a:fillRef idx="0">
+            <a:schemeClr val="accent1"/>
+          </a:fillRef>
+          <a:effectRef idx="0">
+            <a:schemeClr val="accent1"/>
+          </a:effectRef>
+          <a:fontRef idx="minor">
+            <a:schemeClr val="tx1"/>
+          </a:fontRef>
+        </p:style>
+      </p:cxnSp>
+      <p:cxnSp>
+        <p:nvCxnSpPr>
+          <p:cNvPr id="22" name="직선 화살표 연결선 21"/>
+          <p:cNvCxnSpPr/>
+          <p:nvPr/>
+        </p:nvCxnSpPr>
+        <p:spPr>
+          <a:xfrm>
+            <a:off x="6260758" y="4383941"/>
+            <a:ext cx="11083" cy="271332"/>
+          </a:xfrm>
+          <a:prstGeom prst="straightConnector1">
+            <a:avLst/>
+          </a:prstGeom>
+          <a:ln w="19050">
+            <a:solidFill>
+              <a:srgbClr val="FF0000"/>
+            </a:solidFill>
+            <a:tailEnd type="triangle"/>
+          </a:ln>
+        </p:spPr>
+        <p:style>
+          <a:lnRef idx="1">
+            <a:schemeClr val="accent1"/>
+          </a:lnRef>
+          <a:fillRef idx="0">
+            <a:schemeClr val="accent1"/>
+          </a:fillRef>
+          <a:effectRef idx="0">
+            <a:schemeClr val="accent1"/>
+          </a:effectRef>
+          <a:fontRef idx="minor">
+            <a:schemeClr val="tx1"/>
+          </a:fontRef>
+        </p:style>
+      </p:cxnSp>
+    </p:spTree>
+    <p:extLst>
+      <p:ext uri="{BB962C8B-B14F-4D97-AF65-F5344CB8AC3E}">
+        <p14:creationId xmlns:p14="http://schemas.microsoft.com/office/powerpoint/2010/main" val="2313036614"/>
+      </p:ext>
+    </p:extLst>
+  </p:cSld>
+  <p:clrMapOvr>
+    <a:masterClrMapping/>
+  </p:clrMapOvr>
+  <p:timing>
+    <p:tnLst>
+      <p:par>
+        <p:cTn id="1" dur="indefinite" restart="never" nodeType="tmRoot"/>
+      </p:par>
+    </p:tnLst>
+  </p:timing>
+</p:sld>
+</file>
+
+<file path=ppt/slides/slide13.xml><?xml version="1.0" encoding="utf-8"?>
+<p:sld xmlns:a="http://schemas.openxmlformats.org/drawingml/2006/main" xmlns:r="http://schemas.openxmlformats.org/officeDocument/2006/relationships" xmlns:p="http://schemas.openxmlformats.org/presentationml/2006/main">
+  <p:cSld>
+    <p:spTree>
+      <p:nvGrpSpPr>
+        <p:cNvPr id="1" name=""/>
+        <p:cNvGrpSpPr/>
+        <p:nvPr/>
+      </p:nvGrpSpPr>
+      <p:grpSpPr>
+        <a:xfrm>
+          <a:off x="0" y="0"/>
+          <a:ext cx="0" cy="0"/>
+          <a:chOff x="0" y="0"/>
+          <a:chExt cx="0" cy="0"/>
+        </a:xfrm>
+      </p:grpSpPr>
+      <p:grpSp>
+        <p:nvGrpSpPr>
+          <p:cNvPr id="35" name="그룹 34"/>
+          <p:cNvGrpSpPr/>
+          <p:nvPr/>
+        </p:nvGrpSpPr>
+        <p:grpSpPr>
+          <a:xfrm>
+            <a:off x="0" y="441033"/>
+            <a:ext cx="9144000" cy="6380205"/>
+            <a:chOff x="0" y="477795"/>
+            <a:chExt cx="9144000" cy="6380205"/>
+          </a:xfrm>
+        </p:grpSpPr>
+        <p:sp>
+          <p:nvSpPr>
+            <p:cNvPr id="3" name="직사각형 2"/>
+            <p:cNvSpPr/>
+            <p:nvPr/>
+          </p:nvSpPr>
+          <p:spPr>
+            <a:xfrm>
+              <a:off x="0" y="477795"/>
+              <a:ext cx="9144000" cy="6380205"/>
+            </a:xfrm>
+            <a:prstGeom prst="rect">
+              <a:avLst/>
+            </a:prstGeom>
+            <a:solidFill>
+              <a:srgbClr val="94C3BB"/>
+            </a:solidFill>
+            <a:ln>
+              <a:noFill/>
+            </a:ln>
+          </p:spPr>
+          <p:style>
+            <a:lnRef idx="2">
+              <a:schemeClr val="accent1">
+                <a:shade val="50000"/>
+              </a:schemeClr>
+            </a:lnRef>
+            <a:fillRef idx="1">
+              <a:schemeClr val="accent1"/>
+            </a:fillRef>
+            <a:effectRef idx="0">
+              <a:schemeClr val="accent1"/>
+            </a:effectRef>
+            <a:fontRef idx="minor">
+              <a:schemeClr val="lt1"/>
+            </a:fontRef>
+          </p:style>
+          <p:txBody>
+            <a:bodyPr rtlCol="0" anchor="ctr"/>
+            <a:lstStyle/>
+            <a:p>
+              <a:pPr algn="ctr"/>
+              <a:endParaRPr lang="ko-KR" altLang="en-US">
+                <a:solidFill>
+                  <a:prstClr val="white"/>
+                </a:solidFill>
+              </a:endParaRPr>
+            </a:p>
+          </p:txBody>
+        </p:sp>
+        <p:sp>
+          <p:nvSpPr>
+            <p:cNvPr id="6" name="직사각형 5"/>
+            <p:cNvSpPr/>
+            <p:nvPr/>
+          </p:nvSpPr>
+          <p:spPr>
+            <a:xfrm>
+              <a:off x="57666" y="557150"/>
+              <a:ext cx="9020432" cy="6230828"/>
+            </a:xfrm>
+            <a:prstGeom prst="rect">
+              <a:avLst/>
+            </a:prstGeom>
+            <a:solidFill>
+              <a:schemeClr val="bg1"/>
+            </a:solidFill>
+            <a:ln>
+              <a:noFill/>
+            </a:ln>
+          </p:spPr>
+          <p:style>
+            <a:lnRef idx="2">
+              <a:schemeClr val="accent1">
+                <a:shade val="50000"/>
+              </a:schemeClr>
+            </a:lnRef>
+            <a:fillRef idx="1">
+              <a:schemeClr val="accent1"/>
+            </a:fillRef>
+            <a:effectRef idx="0">
+              <a:schemeClr val="accent1"/>
+            </a:effectRef>
+            <a:fontRef idx="minor">
+              <a:schemeClr val="lt1"/>
+            </a:fontRef>
+          </p:style>
+          <p:txBody>
+            <a:bodyPr rtlCol="0" anchor="ctr"/>
+            <a:lstStyle/>
+            <a:p>
+              <a:pPr algn="ctr"/>
+              <a:endParaRPr lang="ko-KR" altLang="en-US" dirty="0">
+                <a:solidFill>
+                  <a:schemeClr val="bg2">
+                    <a:lumMod val="50000"/>
+                  </a:schemeClr>
+                </a:solidFill>
+              </a:endParaRPr>
+            </a:p>
+          </p:txBody>
+        </p:sp>
+      </p:grpSp>
+      <p:sp>
+        <p:nvSpPr>
+          <p:cNvPr id="36" name="직사각형 35"/>
+          <p:cNvSpPr/>
+          <p:nvPr/>
+        </p:nvSpPr>
+        <p:spPr>
+          <a:xfrm>
+            <a:off x="7850659" y="65903"/>
+            <a:ext cx="1293341" cy="341870"/>
+          </a:xfrm>
+          <a:prstGeom prst="rect">
+            <a:avLst/>
+          </a:prstGeom>
+          <a:solidFill>
+            <a:srgbClr val="FDBBC1"/>
+          </a:solidFill>
+          <a:ln>
+            <a:noFill/>
+          </a:ln>
+        </p:spPr>
+        <p:style>
+          <a:lnRef idx="2">
+            <a:schemeClr val="accent1">
+              <a:shade val="50000"/>
+            </a:schemeClr>
+          </a:lnRef>
+          <a:fillRef idx="1">
+            <a:schemeClr val="accent1"/>
+          </a:fillRef>
+          <a:effectRef idx="0">
+            <a:schemeClr val="accent1"/>
+          </a:effectRef>
+          <a:fontRef idx="minor">
+            <a:schemeClr val="lt1"/>
+          </a:fontRef>
+        </p:style>
+        <p:txBody>
+          <a:bodyPr rtlCol="0" anchor="ctr"/>
+          <a:lstStyle/>
+          <a:p>
+            <a:pPr algn="ctr"/>
+            <a:r>
+              <a:rPr lang="en-US" altLang="ko-KR" sz="2400" dirty="0">
+                <a:solidFill>
+                  <a:prstClr val="white"/>
+                </a:solidFill>
+                <a:latin typeface="타이포_스톰 B" panose="02020503020101020101" pitchFamily="18" charset="-127"/>
+                <a:ea typeface="타이포_스톰 B" panose="02020503020101020101" pitchFamily="18" charset="-127"/>
+              </a:rPr>
+              <a:t>WEB</a:t>
+            </a:r>
+            <a:endParaRPr lang="ko-KR" altLang="en-US" sz="2400" dirty="0">
+              <a:solidFill>
+                <a:prstClr val="white"/>
+              </a:solidFill>
+              <a:latin typeface="타이포_스톰 B" panose="02020503020101020101" pitchFamily="18" charset="-127"/>
+              <a:ea typeface="타이포_스톰 B" panose="02020503020101020101" pitchFamily="18" charset="-127"/>
+            </a:endParaRPr>
+          </a:p>
+        </p:txBody>
+      </p:sp>
+      <p:sp>
+        <p:nvSpPr>
+          <p:cNvPr id="10" name="직사각형 9"/>
+          <p:cNvSpPr/>
+          <p:nvPr/>
+        </p:nvSpPr>
+        <p:spPr>
+          <a:xfrm>
+            <a:off x="0" y="65903"/>
+            <a:ext cx="6260758" cy="339258"/>
+          </a:xfrm>
+          <a:prstGeom prst="rect">
+            <a:avLst/>
+          </a:prstGeom>
+          <a:solidFill>
+            <a:srgbClr val="FDBBC1"/>
+          </a:solidFill>
+          <a:ln>
+            <a:noFill/>
+          </a:ln>
+        </p:spPr>
+        <p:style>
+          <a:lnRef idx="2">
+            <a:schemeClr val="accent1">
+              <a:shade val="50000"/>
+            </a:schemeClr>
+          </a:lnRef>
+          <a:fillRef idx="1">
+            <a:schemeClr val="accent1"/>
+          </a:fillRef>
+          <a:effectRef idx="0">
+            <a:schemeClr val="accent1"/>
+          </a:effectRef>
+          <a:fontRef idx="minor">
+            <a:schemeClr val="lt1"/>
+          </a:fontRef>
+        </p:style>
+        <p:txBody>
+          <a:bodyPr rtlCol="0" anchor="ctr"/>
+          <a:lstStyle/>
+          <a:p>
+            <a:r>
+              <a:rPr lang="en-US" altLang="ko-KR" sz="2000">
+                <a:solidFill>
+                  <a:prstClr val="black">
+                    <a:lumMod val="75000"/>
+                    <a:lumOff val="25000"/>
+                  </a:prstClr>
+                </a:solidFill>
+                <a:latin typeface="타이포_스톰 B" panose="02020503020101020101" pitchFamily="18" charset="-127"/>
+                <a:ea typeface="타이포_스톰 B" panose="02020503020101020101" pitchFamily="18" charset="-127"/>
+              </a:rPr>
+              <a:t>[</a:t>
+            </a:r>
+            <a:r>
+              <a:rPr lang="ko-KR" altLang="en-US" sz="2000">
+                <a:solidFill>
+                  <a:prstClr val="black">
+                    <a:lumMod val="75000"/>
+                    <a:lumOff val="25000"/>
+                  </a:prstClr>
+                </a:solidFill>
+                <a:latin typeface="타이포_스톰 B" panose="02020503020101020101" pitchFamily="18" charset="-127"/>
+                <a:ea typeface="타이포_스톰 B" panose="02020503020101020101" pitchFamily="18" charset="-127"/>
+              </a:rPr>
+              <a:t>화면구현</a:t>
+            </a:r>
+            <a:r>
+              <a:rPr lang="en-US" altLang="ko-KR" sz="2000">
+                <a:solidFill>
+                  <a:prstClr val="black">
+                    <a:lumMod val="75000"/>
+                    <a:lumOff val="25000"/>
+                  </a:prstClr>
+                </a:solidFill>
+                <a:latin typeface="타이포_스톰 B" panose="02020503020101020101" pitchFamily="18" charset="-127"/>
+                <a:ea typeface="타이포_스톰 B" panose="02020503020101020101" pitchFamily="18" charset="-127"/>
+              </a:rPr>
+              <a:t>]  </a:t>
+            </a:r>
+            <a:r>
+              <a:rPr lang="ko-KR" altLang="en-US" sz="2000">
+                <a:solidFill>
+                  <a:prstClr val="black">
+                    <a:lumMod val="75000"/>
+                    <a:lumOff val="25000"/>
+                  </a:prstClr>
+                </a:solidFill>
+                <a:latin typeface="타이포_스톰 B" panose="02020503020101020101" pitchFamily="18" charset="-127"/>
+                <a:ea typeface="타이포_스톰 B" panose="02020503020101020101" pitchFamily="18" charset="-127"/>
+              </a:rPr>
+              <a:t>간트차트</a:t>
+            </a:r>
+            <a:r>
+              <a:rPr lang="en-US" altLang="ko-KR" sz="2000" smtClean="0">
+                <a:solidFill>
+                  <a:prstClr val="black">
+                    <a:lumMod val="75000"/>
+                    <a:lumOff val="25000"/>
+                  </a:prstClr>
+                </a:solidFill>
+                <a:latin typeface="타이포_스톰 B" panose="02020503020101020101" pitchFamily="18" charset="-127"/>
+                <a:ea typeface="타이포_스톰 B" panose="02020503020101020101" pitchFamily="18" charset="-127"/>
+              </a:rPr>
+              <a:t>(PM)</a:t>
+            </a:r>
+            <a:endParaRPr lang="ko-KR" altLang="en-US" sz="2000" dirty="0">
+              <a:solidFill>
+                <a:prstClr val="black">
+                  <a:lumMod val="75000"/>
+                  <a:lumOff val="25000"/>
+                </a:prstClr>
+              </a:solidFill>
+              <a:latin typeface="타이포_스톰 B" panose="02020503020101020101" pitchFamily="18" charset="-127"/>
+              <a:ea typeface="타이포_스톰 B" panose="02020503020101020101" pitchFamily="18" charset="-127"/>
+            </a:endParaRPr>
+          </a:p>
+        </p:txBody>
+      </p:sp>
+      <p:pic>
+        <p:nvPicPr>
+          <p:cNvPr id="8" name="그림 7"/>
+          <p:cNvPicPr>
+            <a:picLocks noChangeAspect="1"/>
+          </p:cNvPicPr>
+          <p:nvPr/>
+        </p:nvPicPr>
+        <p:blipFill>
+          <a:blip r:embed="rId2">
+            <a:extLst>
+              <a:ext uri="{28A0092B-C50C-407E-A947-70E740481C1C}">
+                <a14:useLocalDpi xmlns:a14="http://schemas.microsoft.com/office/drawing/2010/main" val="0"/>
+              </a:ext>
+            </a:extLst>
+          </a:blip>
+          <a:stretch>
+            <a:fillRect/>
+          </a:stretch>
+        </p:blipFill>
+        <p:spPr>
+          <a:xfrm>
+            <a:off x="480338" y="845910"/>
+            <a:ext cx="8161724" cy="4211233"/>
+          </a:xfrm>
+          <a:prstGeom prst="rect">
+            <a:avLst/>
+          </a:prstGeom>
+        </p:spPr>
+      </p:pic>
+    </p:spTree>
+    <p:extLst>
+      <p:ext uri="{BB962C8B-B14F-4D97-AF65-F5344CB8AC3E}">
+        <p14:creationId xmlns:p14="http://schemas.microsoft.com/office/powerpoint/2010/main" val="1780562828"/>
+      </p:ext>
+    </p:extLst>
+  </p:cSld>
+  <p:clrMapOvr>
+    <a:masterClrMapping/>
+  </p:clrMapOvr>
+  <p:timing>
+    <p:tnLst>
+      <p:par>
+        <p:cTn id="1" dur="indefinite" restart="never" nodeType="tmRoot"/>
+      </p:par>
+    </p:tnLst>
+  </p:timing>
+</p:sld>
+</file>
+
+<file path=ppt/slides/slide14.xml><?xml version="1.0" encoding="utf-8"?>
+<p:sld xmlns:a="http://schemas.openxmlformats.org/drawingml/2006/main" xmlns:r="http://schemas.openxmlformats.org/officeDocument/2006/relationships" xmlns:p="http://schemas.openxmlformats.org/presentationml/2006/main">
+  <p:cSld>
+    <p:spTree>
+      <p:nvGrpSpPr>
+        <p:cNvPr id="1" name=""/>
+        <p:cNvGrpSpPr/>
+        <p:nvPr/>
+      </p:nvGrpSpPr>
+      <p:grpSpPr>
+        <a:xfrm>
+          <a:off x="0" y="0"/>
+          <a:ext cx="0" cy="0"/>
+          <a:chOff x="0" y="0"/>
+          <a:chExt cx="0" cy="0"/>
+        </a:xfrm>
+      </p:grpSpPr>
+      <p:grpSp>
+        <p:nvGrpSpPr>
+          <p:cNvPr id="35" name="그룹 34"/>
+          <p:cNvGrpSpPr/>
+          <p:nvPr/>
+        </p:nvGrpSpPr>
+        <p:grpSpPr>
+          <a:xfrm>
+            <a:off x="0" y="441033"/>
+            <a:ext cx="9144000" cy="6380205"/>
+            <a:chOff x="0" y="477795"/>
+            <a:chExt cx="9144000" cy="6380205"/>
+          </a:xfrm>
+        </p:grpSpPr>
+        <p:sp>
+          <p:nvSpPr>
+            <p:cNvPr id="3" name="직사각형 2"/>
+            <p:cNvSpPr/>
+            <p:nvPr/>
+          </p:nvSpPr>
+          <p:spPr>
+            <a:xfrm>
+              <a:off x="0" y="477795"/>
+              <a:ext cx="9144000" cy="6380205"/>
+            </a:xfrm>
+            <a:prstGeom prst="rect">
+              <a:avLst/>
+            </a:prstGeom>
+            <a:solidFill>
+              <a:srgbClr val="94C3BB"/>
+            </a:solidFill>
+            <a:ln>
+              <a:noFill/>
+            </a:ln>
+          </p:spPr>
+          <p:style>
+            <a:lnRef idx="2">
+              <a:schemeClr val="accent1">
+                <a:shade val="50000"/>
+              </a:schemeClr>
+            </a:lnRef>
+            <a:fillRef idx="1">
+              <a:schemeClr val="accent1"/>
+            </a:fillRef>
+            <a:effectRef idx="0">
+              <a:schemeClr val="accent1"/>
+            </a:effectRef>
+            <a:fontRef idx="minor">
+              <a:schemeClr val="lt1"/>
+            </a:fontRef>
+          </p:style>
+          <p:txBody>
+            <a:bodyPr rtlCol="0" anchor="ctr"/>
+            <a:lstStyle/>
+            <a:p>
+              <a:pPr algn="ctr"/>
+              <a:endParaRPr lang="ko-KR" altLang="en-US">
+                <a:solidFill>
+                  <a:prstClr val="white"/>
+                </a:solidFill>
+              </a:endParaRPr>
+            </a:p>
+          </p:txBody>
+        </p:sp>
+        <p:sp>
+          <p:nvSpPr>
+            <p:cNvPr id="6" name="직사각형 5"/>
+            <p:cNvSpPr/>
+            <p:nvPr/>
+          </p:nvSpPr>
+          <p:spPr>
+            <a:xfrm>
+              <a:off x="57666" y="557150"/>
+              <a:ext cx="9020432" cy="6230828"/>
+            </a:xfrm>
+            <a:prstGeom prst="rect">
+              <a:avLst/>
+            </a:prstGeom>
+            <a:solidFill>
+              <a:schemeClr val="bg1"/>
+            </a:solidFill>
+            <a:ln>
+              <a:noFill/>
+            </a:ln>
+          </p:spPr>
+          <p:style>
+            <a:lnRef idx="2">
+              <a:schemeClr val="accent1">
+                <a:shade val="50000"/>
+              </a:schemeClr>
+            </a:lnRef>
+            <a:fillRef idx="1">
+              <a:schemeClr val="accent1"/>
+            </a:fillRef>
+            <a:effectRef idx="0">
+              <a:schemeClr val="accent1"/>
+            </a:effectRef>
+            <a:fontRef idx="minor">
+              <a:schemeClr val="lt1"/>
+            </a:fontRef>
+          </p:style>
+          <p:txBody>
+            <a:bodyPr rtlCol="0" anchor="ctr"/>
+            <a:lstStyle/>
+            <a:p>
+              <a:pPr algn="ctr"/>
+              <a:endParaRPr lang="ko-KR" altLang="en-US" dirty="0">
+                <a:solidFill>
+                  <a:schemeClr val="bg2">
+                    <a:lumMod val="50000"/>
+                  </a:schemeClr>
+                </a:solidFill>
+              </a:endParaRPr>
+            </a:p>
+          </p:txBody>
+        </p:sp>
+      </p:grpSp>
+      <p:sp>
+        <p:nvSpPr>
+          <p:cNvPr id="36" name="직사각형 35"/>
+          <p:cNvSpPr/>
+          <p:nvPr/>
+        </p:nvSpPr>
+        <p:spPr>
+          <a:xfrm>
+            <a:off x="7850659" y="65903"/>
+            <a:ext cx="1293341" cy="341870"/>
+          </a:xfrm>
+          <a:prstGeom prst="rect">
+            <a:avLst/>
+          </a:prstGeom>
+          <a:solidFill>
+            <a:srgbClr val="FDBBC1"/>
+          </a:solidFill>
+          <a:ln>
+            <a:noFill/>
+          </a:ln>
+        </p:spPr>
+        <p:style>
+          <a:lnRef idx="2">
+            <a:schemeClr val="accent1">
+              <a:shade val="50000"/>
+            </a:schemeClr>
+          </a:lnRef>
+          <a:fillRef idx="1">
+            <a:schemeClr val="accent1"/>
+          </a:fillRef>
+          <a:effectRef idx="0">
+            <a:schemeClr val="accent1"/>
+          </a:effectRef>
+          <a:fontRef idx="minor">
+            <a:schemeClr val="lt1"/>
+          </a:fontRef>
+        </p:style>
+        <p:txBody>
+          <a:bodyPr rtlCol="0" anchor="ctr"/>
+          <a:lstStyle/>
+          <a:p>
+            <a:pPr algn="ctr"/>
+            <a:r>
+              <a:rPr lang="en-US" altLang="ko-KR" sz="2400" dirty="0">
+                <a:solidFill>
+                  <a:prstClr val="white"/>
+                </a:solidFill>
+                <a:latin typeface="타이포_스톰 B" panose="02020503020101020101" pitchFamily="18" charset="-127"/>
+                <a:ea typeface="타이포_스톰 B" panose="02020503020101020101" pitchFamily="18" charset="-127"/>
+              </a:rPr>
+              <a:t>WEB</a:t>
+            </a:r>
+            <a:endParaRPr lang="ko-KR" altLang="en-US" sz="2400" dirty="0">
+              <a:solidFill>
+                <a:prstClr val="white"/>
+              </a:solidFill>
+              <a:latin typeface="타이포_스톰 B" panose="02020503020101020101" pitchFamily="18" charset="-127"/>
+              <a:ea typeface="타이포_스톰 B" panose="02020503020101020101" pitchFamily="18" charset="-127"/>
+            </a:endParaRPr>
+          </a:p>
+        </p:txBody>
+      </p:sp>
+      <p:sp>
+        <p:nvSpPr>
+          <p:cNvPr id="10" name="직사각형 9"/>
+          <p:cNvSpPr/>
+          <p:nvPr/>
+        </p:nvSpPr>
+        <p:spPr>
+          <a:xfrm>
+            <a:off x="0" y="65903"/>
+            <a:ext cx="6260758" cy="339258"/>
+          </a:xfrm>
+          <a:prstGeom prst="rect">
+            <a:avLst/>
+          </a:prstGeom>
+          <a:solidFill>
+            <a:srgbClr val="FDBBC1"/>
+          </a:solidFill>
+          <a:ln>
+            <a:noFill/>
+          </a:ln>
+        </p:spPr>
+        <p:style>
+          <a:lnRef idx="2">
+            <a:schemeClr val="accent1">
+              <a:shade val="50000"/>
+            </a:schemeClr>
+          </a:lnRef>
+          <a:fillRef idx="1">
+            <a:schemeClr val="accent1"/>
+          </a:fillRef>
+          <a:effectRef idx="0">
+            <a:schemeClr val="accent1"/>
+          </a:effectRef>
+          <a:fontRef idx="minor">
+            <a:schemeClr val="lt1"/>
+          </a:fontRef>
+        </p:style>
+        <p:txBody>
+          <a:bodyPr rtlCol="0" anchor="ctr"/>
+          <a:lstStyle/>
+          <a:p>
+            <a:r>
+              <a:rPr lang="en-US" altLang="ko-KR" sz="2000">
+                <a:solidFill>
+                  <a:prstClr val="black">
+                    <a:lumMod val="75000"/>
+                    <a:lumOff val="25000"/>
+                  </a:prstClr>
+                </a:solidFill>
+                <a:latin typeface="타이포_스톰 B" panose="02020503020101020101" pitchFamily="18" charset="-127"/>
+                <a:ea typeface="타이포_스톰 B" panose="02020503020101020101" pitchFamily="18" charset="-127"/>
+              </a:rPr>
+              <a:t>[</a:t>
+            </a:r>
+            <a:r>
+              <a:rPr lang="ko-KR" altLang="en-US" sz="2000">
+                <a:solidFill>
+                  <a:prstClr val="black">
+                    <a:lumMod val="75000"/>
+                    <a:lumOff val="25000"/>
+                  </a:prstClr>
+                </a:solidFill>
+                <a:latin typeface="타이포_스톰 B" panose="02020503020101020101" pitchFamily="18" charset="-127"/>
+                <a:ea typeface="타이포_스톰 B" panose="02020503020101020101" pitchFamily="18" charset="-127"/>
+              </a:rPr>
+              <a:t>화면구현</a:t>
+            </a:r>
+            <a:r>
+              <a:rPr lang="en-US" altLang="ko-KR" sz="2000">
+                <a:solidFill>
+                  <a:prstClr val="black">
+                    <a:lumMod val="75000"/>
+                    <a:lumOff val="25000"/>
+                  </a:prstClr>
+                </a:solidFill>
+                <a:latin typeface="타이포_스톰 B" panose="02020503020101020101" pitchFamily="18" charset="-127"/>
+                <a:ea typeface="타이포_스톰 B" panose="02020503020101020101" pitchFamily="18" charset="-127"/>
+              </a:rPr>
+              <a:t>]  </a:t>
+            </a:r>
+            <a:r>
+              <a:rPr lang="ko-KR" altLang="en-US" sz="2000">
+                <a:solidFill>
+                  <a:prstClr val="black">
+                    <a:lumMod val="75000"/>
+                    <a:lumOff val="25000"/>
+                  </a:prstClr>
+                </a:solidFill>
+                <a:latin typeface="타이포_스톰 B" panose="02020503020101020101" pitchFamily="18" charset="-127"/>
+                <a:ea typeface="타이포_스톰 B" panose="02020503020101020101" pitchFamily="18" charset="-127"/>
+              </a:rPr>
+              <a:t>간트차트</a:t>
+            </a:r>
+            <a:r>
+              <a:rPr lang="en-US" altLang="ko-KR" sz="2000" smtClean="0">
+                <a:solidFill>
+                  <a:prstClr val="black">
+                    <a:lumMod val="75000"/>
+                    <a:lumOff val="25000"/>
+                  </a:prstClr>
+                </a:solidFill>
+                <a:latin typeface="타이포_스톰 B" panose="02020503020101020101" pitchFamily="18" charset="-127"/>
+                <a:ea typeface="타이포_스톰 B" panose="02020503020101020101" pitchFamily="18" charset="-127"/>
+              </a:rPr>
+              <a:t>(PM)</a:t>
+            </a:r>
+            <a:endParaRPr lang="ko-KR" altLang="en-US" sz="2000" dirty="0">
+              <a:solidFill>
+                <a:prstClr val="black">
+                  <a:lumMod val="75000"/>
+                  <a:lumOff val="25000"/>
+                </a:prstClr>
+              </a:solidFill>
+              <a:latin typeface="타이포_스톰 B" panose="02020503020101020101" pitchFamily="18" charset="-127"/>
+              <a:ea typeface="타이포_스톰 B" panose="02020503020101020101" pitchFamily="18" charset="-127"/>
+            </a:endParaRPr>
+          </a:p>
+        </p:txBody>
+      </p:sp>
+      <p:pic>
+        <p:nvPicPr>
+          <p:cNvPr id="8" name="그림 7"/>
+          <p:cNvPicPr>
+            <a:picLocks noChangeAspect="1"/>
+          </p:cNvPicPr>
+          <p:nvPr/>
+        </p:nvPicPr>
+        <p:blipFill>
+          <a:blip r:embed="rId2">
+            <a:extLst>
+              <a:ext uri="{28A0092B-C50C-407E-A947-70E740481C1C}">
+                <a14:useLocalDpi xmlns:a14="http://schemas.microsoft.com/office/drawing/2010/main" val="0"/>
+              </a:ext>
+            </a:extLst>
+          </a:blip>
+          <a:stretch>
+            <a:fillRect/>
+          </a:stretch>
+        </p:blipFill>
+        <p:spPr>
+          <a:xfrm>
+            <a:off x="480338" y="845910"/>
+            <a:ext cx="8161724" cy="4211233"/>
+          </a:xfrm>
+          <a:prstGeom prst="rect">
+            <a:avLst/>
+          </a:prstGeom>
+        </p:spPr>
+      </p:pic>
+      <p:pic>
+        <p:nvPicPr>
+          <p:cNvPr id="9" name="그림 8"/>
+          <p:cNvPicPr>
+            <a:picLocks noChangeAspect="1"/>
+          </p:cNvPicPr>
+          <p:nvPr/>
+        </p:nvPicPr>
+        <p:blipFill>
+          <a:blip r:embed="rId3">
+            <a:extLst>
+              <a:ext uri="{28A0092B-C50C-407E-A947-70E740481C1C}">
+                <a14:useLocalDpi xmlns:a14="http://schemas.microsoft.com/office/drawing/2010/main" val="0"/>
+              </a:ext>
+            </a:extLst>
+          </a:blip>
+          <a:stretch>
+            <a:fillRect/>
+          </a:stretch>
+        </p:blipFill>
+        <p:spPr>
+          <a:xfrm>
+            <a:off x="2517688" y="4511323"/>
+            <a:ext cx="5979641" cy="963431"/>
+          </a:xfrm>
+          <a:prstGeom prst="rect">
+            <a:avLst/>
+          </a:prstGeom>
+          <a:ln w="19050">
+            <a:solidFill>
+              <a:srgbClr val="FF0000"/>
+            </a:solidFill>
+          </a:ln>
+        </p:spPr>
+      </p:pic>
+      <p:pic>
+        <p:nvPicPr>
+          <p:cNvPr id="11" name="그림 10"/>
+          <p:cNvPicPr>
+            <a:picLocks noChangeAspect="1"/>
+          </p:cNvPicPr>
+          <p:nvPr/>
+        </p:nvPicPr>
+        <p:blipFill>
+          <a:blip r:embed="rId4">
+            <a:extLst>
+              <a:ext uri="{28A0092B-C50C-407E-A947-70E740481C1C}">
+                <a14:useLocalDpi xmlns:a14="http://schemas.microsoft.com/office/drawing/2010/main" val="0"/>
+              </a:ext>
+            </a:extLst>
+          </a:blip>
+          <a:stretch>
+            <a:fillRect/>
+          </a:stretch>
+        </p:blipFill>
+        <p:spPr>
+          <a:xfrm>
+            <a:off x="3348117" y="1573258"/>
+            <a:ext cx="5149212" cy="1025656"/>
+          </a:xfrm>
+          <a:prstGeom prst="rect">
+            <a:avLst/>
+          </a:prstGeom>
+          <a:ln w="19050">
+            <a:solidFill>
+              <a:srgbClr val="FF0000"/>
+            </a:solidFill>
+          </a:ln>
+        </p:spPr>
+      </p:pic>
+      <p:pic>
+        <p:nvPicPr>
+          <p:cNvPr id="12" name="그림 11"/>
+          <p:cNvPicPr>
+            <a:picLocks noChangeAspect="1"/>
+          </p:cNvPicPr>
+          <p:nvPr/>
+        </p:nvPicPr>
+        <p:blipFill>
+          <a:blip r:embed="rId5">
+            <a:extLst>
+              <a:ext uri="{28A0092B-C50C-407E-A947-70E740481C1C}">
+                <a14:useLocalDpi xmlns:a14="http://schemas.microsoft.com/office/drawing/2010/main" val="0"/>
+              </a:ext>
+            </a:extLst>
+          </a:blip>
+          <a:stretch>
+            <a:fillRect/>
+          </a:stretch>
+        </p:blipFill>
+        <p:spPr>
+          <a:xfrm>
+            <a:off x="2517688" y="5651336"/>
+            <a:ext cx="4435675" cy="612991"/>
+          </a:xfrm>
+          <a:prstGeom prst="rect">
+            <a:avLst/>
+          </a:prstGeom>
+          <a:ln w="19050">
+            <a:solidFill>
+              <a:srgbClr val="FF0000"/>
+            </a:solidFill>
+          </a:ln>
+        </p:spPr>
+      </p:pic>
+      <p:cxnSp>
+        <p:nvCxnSpPr>
+          <p:cNvPr id="13" name="직선 화살표 연결선 12"/>
+          <p:cNvCxnSpPr/>
+          <p:nvPr/>
+        </p:nvCxnSpPr>
+        <p:spPr>
+          <a:xfrm flipH="1" flipV="1">
+            <a:off x="4561878" y="1263521"/>
+            <a:ext cx="12007" cy="293953"/>
+          </a:xfrm>
+          <a:prstGeom prst="straightConnector1">
+            <a:avLst/>
+          </a:prstGeom>
+          <a:ln w="19050">
+            <a:solidFill>
+              <a:srgbClr val="FF0000"/>
+            </a:solidFill>
+            <a:tailEnd type="triangle"/>
+          </a:ln>
+        </p:spPr>
+        <p:style>
+          <a:lnRef idx="1">
+            <a:schemeClr val="accent1"/>
+          </a:lnRef>
+          <a:fillRef idx="0">
+            <a:schemeClr val="accent1"/>
+          </a:fillRef>
+          <a:effectRef idx="0">
+            <a:schemeClr val="accent1"/>
+          </a:effectRef>
+          <a:fontRef idx="minor">
+            <a:schemeClr val="tx1"/>
+          </a:fontRef>
+        </p:style>
+      </p:cxnSp>
+      <p:cxnSp>
+        <p:nvCxnSpPr>
+          <p:cNvPr id="5" name="직선 연결선 4"/>
+          <p:cNvCxnSpPr>
+            <a:stCxn id="9" idx="2"/>
+          </p:cNvCxnSpPr>
+          <p:nvPr/>
+        </p:nvCxnSpPr>
+        <p:spPr>
+          <a:xfrm>
+            <a:off x="5507509" y="5474754"/>
+            <a:ext cx="0" cy="176582"/>
+          </a:xfrm>
+          <a:prstGeom prst="line">
+            <a:avLst/>
+          </a:prstGeom>
+          <a:ln w="19050">
+            <a:solidFill>
+              <a:srgbClr val="FF0000"/>
+            </a:solidFill>
+          </a:ln>
+        </p:spPr>
+        <p:style>
+          <a:lnRef idx="1">
+            <a:schemeClr val="accent1"/>
+          </a:lnRef>
+          <a:fillRef idx="0">
+            <a:schemeClr val="accent1"/>
+          </a:fillRef>
+          <a:effectRef idx="0">
+            <a:schemeClr val="accent1"/>
+          </a:effectRef>
+          <a:fontRef idx="minor">
+            <a:schemeClr val="tx1"/>
+          </a:fontRef>
+        </p:style>
+      </p:cxnSp>
+      <p:cxnSp>
+        <p:nvCxnSpPr>
+          <p:cNvPr id="17" name="직선 화살표 연결선 16"/>
+          <p:cNvCxnSpPr/>
+          <p:nvPr/>
+        </p:nvCxnSpPr>
+        <p:spPr>
+          <a:xfrm flipH="1" flipV="1">
+            <a:off x="5507508" y="4024434"/>
+            <a:ext cx="1" cy="492655"/>
+          </a:xfrm>
+          <a:prstGeom prst="straightConnector1">
+            <a:avLst/>
+          </a:prstGeom>
+          <a:ln w="19050">
+            <a:solidFill>
+              <a:srgbClr val="FF0000"/>
+            </a:solidFill>
+            <a:tailEnd type="triangle"/>
+          </a:ln>
+        </p:spPr>
+        <p:style>
+          <a:lnRef idx="1">
+            <a:schemeClr val="accent1"/>
+          </a:lnRef>
+          <a:fillRef idx="0">
+            <a:schemeClr val="accent1"/>
+          </a:fillRef>
+          <a:effectRef idx="0">
+            <a:schemeClr val="accent1"/>
+          </a:effectRef>
+          <a:fontRef idx="minor">
+            <a:schemeClr val="tx1"/>
+          </a:fontRef>
+        </p:style>
+      </p:cxnSp>
+    </p:spTree>
+    <p:extLst>
+      <p:ext uri="{BB962C8B-B14F-4D97-AF65-F5344CB8AC3E}">
+        <p14:creationId xmlns:p14="http://schemas.microsoft.com/office/powerpoint/2010/main" val="2070373518"/>
+      </p:ext>
+    </p:extLst>
+  </p:cSld>
+  <p:clrMapOvr>
+    <a:masterClrMapping/>
+  </p:clrMapOvr>
+  <p:timing>
+    <p:tnLst>
+      <p:par>
+        <p:cTn id="1" dur="indefinite" restart="never" nodeType="tmRoot"/>
+      </p:par>
+    </p:tnLst>
+  </p:timing>
+</p:sld>
+</file>
+
+<file path=ppt/slides/slide15.xml><?xml version="1.0" encoding="utf-8"?>
+<p:sld xmlns:a="http://schemas.openxmlformats.org/drawingml/2006/main" xmlns:r="http://schemas.openxmlformats.org/officeDocument/2006/relationships" xmlns:p="http://schemas.openxmlformats.org/presentationml/2006/main">
+  <p:cSld>
+    <p:spTree>
+      <p:nvGrpSpPr>
+        <p:cNvPr id="1" name=""/>
+        <p:cNvGrpSpPr/>
+        <p:nvPr/>
+      </p:nvGrpSpPr>
+      <p:grpSpPr>
+        <a:xfrm>
+          <a:off x="0" y="0"/>
+          <a:ext cx="0" cy="0"/>
+          <a:chOff x="0" y="0"/>
+          <a:chExt cx="0" cy="0"/>
+        </a:xfrm>
+      </p:grpSpPr>
+      <p:grpSp>
+        <p:nvGrpSpPr>
+          <p:cNvPr id="35" name="그룹 34"/>
+          <p:cNvGrpSpPr/>
+          <p:nvPr/>
+        </p:nvGrpSpPr>
+        <p:grpSpPr>
+          <a:xfrm>
+            <a:off x="0" y="441033"/>
+            <a:ext cx="9144000" cy="6380205"/>
+            <a:chOff x="0" y="477795"/>
+            <a:chExt cx="9144000" cy="6380205"/>
+          </a:xfrm>
+        </p:grpSpPr>
+        <p:sp>
+          <p:nvSpPr>
+            <p:cNvPr id="3" name="직사각형 2"/>
+            <p:cNvSpPr/>
+            <p:nvPr/>
+          </p:nvSpPr>
+          <p:spPr>
+            <a:xfrm>
+              <a:off x="0" y="477795"/>
+              <a:ext cx="9144000" cy="6380205"/>
+            </a:xfrm>
+            <a:prstGeom prst="rect">
+              <a:avLst/>
+            </a:prstGeom>
+            <a:solidFill>
+              <a:srgbClr val="94C3BB"/>
+            </a:solidFill>
+            <a:ln>
+              <a:noFill/>
+            </a:ln>
+          </p:spPr>
+          <p:style>
+            <a:lnRef idx="2">
+              <a:schemeClr val="accent1">
+                <a:shade val="50000"/>
+              </a:schemeClr>
+            </a:lnRef>
+            <a:fillRef idx="1">
+              <a:schemeClr val="accent1"/>
+            </a:fillRef>
+            <a:effectRef idx="0">
+              <a:schemeClr val="accent1"/>
+            </a:effectRef>
+            <a:fontRef idx="minor">
+              <a:schemeClr val="lt1"/>
+            </a:fontRef>
+          </p:style>
+          <p:txBody>
+            <a:bodyPr rtlCol="0" anchor="ctr"/>
+            <a:lstStyle/>
+            <a:p>
+              <a:pPr algn="ctr"/>
+              <a:endParaRPr lang="ko-KR" altLang="en-US">
+                <a:solidFill>
+                  <a:prstClr val="white"/>
+                </a:solidFill>
+              </a:endParaRPr>
+            </a:p>
+          </p:txBody>
+        </p:sp>
+        <p:sp>
+          <p:nvSpPr>
+            <p:cNvPr id="6" name="직사각형 5"/>
+            <p:cNvSpPr/>
+            <p:nvPr/>
+          </p:nvSpPr>
+          <p:spPr>
+            <a:xfrm>
+              <a:off x="57666" y="557150"/>
+              <a:ext cx="9020432" cy="6230828"/>
+            </a:xfrm>
+            <a:prstGeom prst="rect">
+              <a:avLst/>
+            </a:prstGeom>
+            <a:solidFill>
+              <a:schemeClr val="bg1"/>
+            </a:solidFill>
+            <a:ln>
+              <a:noFill/>
+            </a:ln>
+          </p:spPr>
+          <p:style>
+            <a:lnRef idx="2">
+              <a:schemeClr val="accent1">
+                <a:shade val="50000"/>
+              </a:schemeClr>
+            </a:lnRef>
+            <a:fillRef idx="1">
+              <a:schemeClr val="accent1"/>
+            </a:fillRef>
+            <a:effectRef idx="0">
+              <a:schemeClr val="accent1"/>
+            </a:effectRef>
+            <a:fontRef idx="minor">
+              <a:schemeClr val="lt1"/>
+            </a:fontRef>
+          </p:style>
+          <p:txBody>
+            <a:bodyPr rtlCol="0" anchor="ctr"/>
+            <a:lstStyle/>
+            <a:p>
+              <a:pPr algn="ctr"/>
+              <a:endParaRPr lang="ko-KR" altLang="en-US" dirty="0">
+                <a:solidFill>
+                  <a:schemeClr val="bg2">
+                    <a:lumMod val="50000"/>
+                  </a:schemeClr>
+                </a:solidFill>
+              </a:endParaRPr>
+            </a:p>
+          </p:txBody>
+        </p:sp>
+      </p:grpSp>
+      <p:sp>
+        <p:nvSpPr>
+          <p:cNvPr id="36" name="직사각형 35"/>
+          <p:cNvSpPr/>
+          <p:nvPr/>
+        </p:nvSpPr>
+        <p:spPr>
+          <a:xfrm>
+            <a:off x="7850659" y="65903"/>
+            <a:ext cx="1293341" cy="341870"/>
+          </a:xfrm>
+          <a:prstGeom prst="rect">
+            <a:avLst/>
+          </a:prstGeom>
+          <a:solidFill>
+            <a:srgbClr val="FDBBC1"/>
+          </a:solidFill>
+          <a:ln>
+            <a:noFill/>
+          </a:ln>
+        </p:spPr>
+        <p:style>
+          <a:lnRef idx="2">
+            <a:schemeClr val="accent1">
+              <a:shade val="50000"/>
+            </a:schemeClr>
+          </a:lnRef>
+          <a:fillRef idx="1">
+            <a:schemeClr val="accent1"/>
+          </a:fillRef>
+          <a:effectRef idx="0">
+            <a:schemeClr val="accent1"/>
+          </a:effectRef>
+          <a:fontRef idx="minor">
+            <a:schemeClr val="lt1"/>
+          </a:fontRef>
+        </p:style>
+        <p:txBody>
+          <a:bodyPr rtlCol="0" anchor="ctr"/>
+          <a:lstStyle/>
+          <a:p>
+            <a:pPr algn="ctr"/>
+            <a:r>
+              <a:rPr lang="en-US" altLang="ko-KR" sz="2400" dirty="0">
+                <a:solidFill>
+                  <a:prstClr val="white"/>
+                </a:solidFill>
+                <a:latin typeface="타이포_스톰 B" panose="02020503020101020101" pitchFamily="18" charset="-127"/>
+                <a:ea typeface="타이포_스톰 B" panose="02020503020101020101" pitchFamily="18" charset="-127"/>
+              </a:rPr>
+              <a:t>WEB</a:t>
+            </a:r>
+            <a:endParaRPr lang="ko-KR" altLang="en-US" sz="2400" dirty="0">
+              <a:solidFill>
+                <a:prstClr val="white"/>
+              </a:solidFill>
+              <a:latin typeface="타이포_스톰 B" panose="02020503020101020101" pitchFamily="18" charset="-127"/>
+              <a:ea typeface="타이포_스톰 B" panose="02020503020101020101" pitchFamily="18" charset="-127"/>
+            </a:endParaRPr>
+          </a:p>
+        </p:txBody>
+      </p:sp>
+      <p:sp>
+        <p:nvSpPr>
+          <p:cNvPr id="10" name="직사각형 9"/>
+          <p:cNvSpPr/>
+          <p:nvPr/>
+        </p:nvSpPr>
+        <p:spPr>
+          <a:xfrm>
+            <a:off x="0" y="65903"/>
+            <a:ext cx="6260758" cy="339258"/>
+          </a:xfrm>
+          <a:prstGeom prst="rect">
+            <a:avLst/>
+          </a:prstGeom>
+          <a:solidFill>
+            <a:srgbClr val="FDBBC1"/>
+          </a:solidFill>
+          <a:ln>
+            <a:noFill/>
+          </a:ln>
+        </p:spPr>
+        <p:style>
+          <a:lnRef idx="2">
+            <a:schemeClr val="accent1">
+              <a:shade val="50000"/>
+            </a:schemeClr>
+          </a:lnRef>
+          <a:fillRef idx="1">
+            <a:schemeClr val="accent1"/>
+          </a:fillRef>
+          <a:effectRef idx="0">
+            <a:schemeClr val="accent1"/>
+          </a:effectRef>
+          <a:fontRef idx="minor">
+            <a:schemeClr val="lt1"/>
+          </a:fontRef>
+        </p:style>
+        <p:txBody>
+          <a:bodyPr rtlCol="0" anchor="ctr"/>
+          <a:lstStyle/>
+          <a:p>
+            <a:r>
+              <a:rPr lang="en-US" altLang="ko-KR" sz="2000">
+                <a:solidFill>
+                  <a:prstClr val="black">
+                    <a:lumMod val="75000"/>
+                    <a:lumOff val="25000"/>
+                  </a:prstClr>
+                </a:solidFill>
+                <a:latin typeface="타이포_스톰 B" panose="02020503020101020101" pitchFamily="18" charset="-127"/>
+                <a:ea typeface="타이포_스톰 B" panose="02020503020101020101" pitchFamily="18" charset="-127"/>
+              </a:rPr>
+              <a:t>[</a:t>
+            </a:r>
+            <a:r>
+              <a:rPr lang="ko-KR" altLang="en-US" sz="2000">
+                <a:solidFill>
+                  <a:prstClr val="black">
+                    <a:lumMod val="75000"/>
+                    <a:lumOff val="25000"/>
+                  </a:prstClr>
+                </a:solidFill>
+                <a:latin typeface="타이포_스톰 B" panose="02020503020101020101" pitchFamily="18" charset="-127"/>
+                <a:ea typeface="타이포_스톰 B" panose="02020503020101020101" pitchFamily="18" charset="-127"/>
+              </a:rPr>
+              <a:t>화면구현</a:t>
+            </a:r>
+            <a:r>
+              <a:rPr lang="en-US" altLang="ko-KR" sz="2000">
+                <a:solidFill>
+                  <a:prstClr val="black">
+                    <a:lumMod val="75000"/>
+                    <a:lumOff val="25000"/>
+                  </a:prstClr>
+                </a:solidFill>
+                <a:latin typeface="타이포_스톰 B" panose="02020503020101020101" pitchFamily="18" charset="-127"/>
+                <a:ea typeface="타이포_스톰 B" panose="02020503020101020101" pitchFamily="18" charset="-127"/>
+              </a:rPr>
+              <a:t>]  </a:t>
+            </a:r>
+            <a:r>
+              <a:rPr lang="ko-KR" altLang="en-US" sz="2000">
+                <a:solidFill>
+                  <a:prstClr val="black">
+                    <a:lumMod val="75000"/>
+                    <a:lumOff val="25000"/>
+                  </a:prstClr>
+                </a:solidFill>
+                <a:latin typeface="타이포_스톰 B" panose="02020503020101020101" pitchFamily="18" charset="-127"/>
+                <a:ea typeface="타이포_스톰 B" panose="02020503020101020101" pitchFamily="18" charset="-127"/>
+              </a:rPr>
+              <a:t>간트차트</a:t>
+            </a:r>
+            <a:r>
+              <a:rPr lang="en-US" altLang="ko-KR" sz="2000" smtClean="0">
+                <a:solidFill>
+                  <a:prstClr val="black">
+                    <a:lumMod val="75000"/>
+                    <a:lumOff val="25000"/>
+                  </a:prstClr>
+                </a:solidFill>
+                <a:latin typeface="타이포_스톰 B" panose="02020503020101020101" pitchFamily="18" charset="-127"/>
+                <a:ea typeface="타이포_스톰 B" panose="02020503020101020101" pitchFamily="18" charset="-127"/>
+              </a:rPr>
+              <a:t>(PM)</a:t>
+            </a:r>
+            <a:endParaRPr lang="ko-KR" altLang="en-US" sz="2000" dirty="0">
+              <a:solidFill>
+                <a:prstClr val="black">
+                  <a:lumMod val="75000"/>
+                  <a:lumOff val="25000"/>
+                </a:prstClr>
+              </a:solidFill>
+              <a:latin typeface="타이포_스톰 B" panose="02020503020101020101" pitchFamily="18" charset="-127"/>
+              <a:ea typeface="타이포_스톰 B" panose="02020503020101020101" pitchFamily="18" charset="-127"/>
+            </a:endParaRPr>
+          </a:p>
+        </p:txBody>
+      </p:sp>
+      <p:pic>
+        <p:nvPicPr>
+          <p:cNvPr id="8" name="그림 7"/>
+          <p:cNvPicPr>
+            <a:picLocks noChangeAspect="1"/>
+          </p:cNvPicPr>
+          <p:nvPr/>
+        </p:nvPicPr>
+        <p:blipFill>
+          <a:blip r:embed="rId2">
+            <a:extLst>
+              <a:ext uri="{28A0092B-C50C-407E-A947-70E740481C1C}">
+                <a14:useLocalDpi xmlns:a14="http://schemas.microsoft.com/office/drawing/2010/main" val="0"/>
+              </a:ext>
+            </a:extLst>
+          </a:blip>
+          <a:stretch>
+            <a:fillRect/>
+          </a:stretch>
+        </p:blipFill>
+        <p:spPr>
+          <a:xfrm>
+            <a:off x="480338" y="845910"/>
+            <a:ext cx="8161724" cy="4211233"/>
+          </a:xfrm>
+          <a:prstGeom prst="rect">
+            <a:avLst/>
+          </a:prstGeom>
+        </p:spPr>
+      </p:pic>
+      <p:pic>
+        <p:nvPicPr>
+          <p:cNvPr id="9" name="그림 8"/>
+          <p:cNvPicPr>
+            <a:picLocks noChangeAspect="1"/>
+          </p:cNvPicPr>
+          <p:nvPr/>
+        </p:nvPicPr>
+        <p:blipFill>
+          <a:blip r:embed="rId3">
+            <a:extLst>
+              <a:ext uri="{28A0092B-C50C-407E-A947-70E740481C1C}">
+                <a14:useLocalDpi xmlns:a14="http://schemas.microsoft.com/office/drawing/2010/main" val="0"/>
+              </a:ext>
+            </a:extLst>
+          </a:blip>
+          <a:stretch>
+            <a:fillRect/>
+          </a:stretch>
+        </p:blipFill>
+        <p:spPr>
+          <a:xfrm>
+            <a:off x="561105" y="1320193"/>
+            <a:ext cx="6513949" cy="1501414"/>
+          </a:xfrm>
+          <a:prstGeom prst="rect">
+            <a:avLst/>
+          </a:prstGeom>
+          <a:ln w="19050">
+            <a:solidFill>
+              <a:srgbClr val="FF0000"/>
+            </a:solidFill>
+          </a:ln>
+        </p:spPr>
+      </p:pic>
+      <p:pic>
+        <p:nvPicPr>
+          <p:cNvPr id="11" name="그림 10"/>
+          <p:cNvPicPr>
+            <a:picLocks noChangeAspect="1"/>
+          </p:cNvPicPr>
+          <p:nvPr/>
+        </p:nvPicPr>
+        <p:blipFill>
+          <a:blip r:embed="rId4">
+            <a:extLst>
+              <a:ext uri="{28A0092B-C50C-407E-A947-70E740481C1C}">
+                <a14:useLocalDpi xmlns:a14="http://schemas.microsoft.com/office/drawing/2010/main" val="0"/>
+              </a:ext>
+            </a:extLst>
+          </a:blip>
+          <a:stretch>
+            <a:fillRect/>
+          </a:stretch>
+        </p:blipFill>
+        <p:spPr>
+          <a:xfrm>
+            <a:off x="1829665" y="3552612"/>
+            <a:ext cx="6870063" cy="2862005"/>
+          </a:xfrm>
+          <a:prstGeom prst="rect">
+            <a:avLst/>
+          </a:prstGeom>
+          <a:ln w="19050">
+            <a:solidFill>
+              <a:srgbClr val="FF0000"/>
+            </a:solidFill>
+          </a:ln>
+        </p:spPr>
+      </p:pic>
+      <p:sp>
+        <p:nvSpPr>
+          <p:cNvPr id="12" name="직사각형 11"/>
+          <p:cNvSpPr/>
+          <p:nvPr/>
+        </p:nvSpPr>
+        <p:spPr>
+          <a:xfrm>
+            <a:off x="4713445" y="5938198"/>
+            <a:ext cx="2854425" cy="339258"/>
+          </a:xfrm>
+          <a:prstGeom prst="rect">
+            <a:avLst/>
+          </a:prstGeom>
+          <a:noFill/>
+          <a:ln>
+            <a:noFill/>
+          </a:ln>
+        </p:spPr>
+        <p:style>
+          <a:lnRef idx="2">
+            <a:schemeClr val="accent1">
+              <a:shade val="50000"/>
+            </a:schemeClr>
+          </a:lnRef>
+          <a:fillRef idx="1">
+            <a:schemeClr val="accent1"/>
+          </a:fillRef>
+          <a:effectRef idx="0">
+            <a:schemeClr val="accent1"/>
+          </a:effectRef>
+          <a:fontRef idx="minor">
+            <a:schemeClr val="lt1"/>
+          </a:fontRef>
+        </p:style>
+        <p:txBody>
+          <a:bodyPr rtlCol="0" anchor="ctr"/>
+          <a:lstStyle/>
+          <a:p>
+            <a:r>
+              <a:rPr lang="en-US" altLang="ko-KR" sz="1400" smtClean="0">
+                <a:solidFill>
+                  <a:prstClr val="black">
+                    <a:lumMod val="75000"/>
+                    <a:lumOff val="25000"/>
+                  </a:prstClr>
+                </a:solidFill>
+                <a:latin typeface="타이포_스톰 B" panose="02020503020101020101" pitchFamily="18" charset="-127"/>
+                <a:ea typeface="타이포_스톰 B" panose="02020503020101020101" pitchFamily="18" charset="-127"/>
+              </a:rPr>
+              <a:t>refno </a:t>
+            </a:r>
+            <a:r>
+              <a:rPr lang="ko-KR" altLang="en-US" sz="1400" smtClean="0">
+                <a:solidFill>
+                  <a:prstClr val="black">
+                    <a:lumMod val="75000"/>
+                    <a:lumOff val="25000"/>
+                  </a:prstClr>
+                </a:solidFill>
+                <a:latin typeface="타이포_스톰 B" panose="02020503020101020101" pitchFamily="18" charset="-127"/>
+                <a:ea typeface="타이포_스톰 B" panose="02020503020101020101" pitchFamily="18" charset="-127"/>
+              </a:rPr>
+              <a:t>기준으로 계층형 구조 호출</a:t>
+            </a:r>
+            <a:endParaRPr lang="ko-KR" altLang="en-US" sz="1400" dirty="0">
+              <a:solidFill>
+                <a:prstClr val="black">
+                  <a:lumMod val="75000"/>
+                  <a:lumOff val="25000"/>
+                </a:prstClr>
+              </a:solidFill>
+              <a:latin typeface="타이포_스톰 B" panose="02020503020101020101" pitchFamily="18" charset="-127"/>
+              <a:ea typeface="타이포_스톰 B" panose="02020503020101020101" pitchFamily="18" charset="-127"/>
+            </a:endParaRPr>
+          </a:p>
+        </p:txBody>
+      </p:sp>
+      <p:sp>
+        <p:nvSpPr>
+          <p:cNvPr id="13" name="직사각형 12"/>
+          <p:cNvSpPr/>
+          <p:nvPr/>
+        </p:nvSpPr>
+        <p:spPr>
+          <a:xfrm>
+            <a:off x="2114460" y="5962637"/>
+            <a:ext cx="2598985" cy="290381"/>
+          </a:xfrm>
+          <a:prstGeom prst="rect">
+            <a:avLst/>
+          </a:prstGeom>
+          <a:noFill/>
+          <a:ln w="19050">
+            <a:solidFill>
+              <a:srgbClr val="FF0000"/>
+            </a:solidFill>
+          </a:ln>
+        </p:spPr>
+        <p:style>
+          <a:lnRef idx="2">
+            <a:schemeClr val="accent1">
+              <a:shade val="50000"/>
+            </a:schemeClr>
+          </a:lnRef>
+          <a:fillRef idx="1">
+            <a:schemeClr val="accent1"/>
+          </a:fillRef>
+          <a:effectRef idx="0">
+            <a:schemeClr val="accent1"/>
+          </a:effectRef>
+          <a:fontRef idx="minor">
+            <a:schemeClr val="lt1"/>
+          </a:fontRef>
+        </p:style>
+        <p:txBody>
+          <a:bodyPr rtlCol="0" anchor="ctr"/>
+          <a:lstStyle/>
+          <a:p>
+            <a:pPr algn="ctr"/>
+            <a:endParaRPr lang="ko-KR" altLang="en-US"/>
+          </a:p>
+        </p:txBody>
+      </p:sp>
+      <p:sp>
+        <p:nvSpPr>
+          <p:cNvPr id="14" name="직사각형 13"/>
+          <p:cNvSpPr/>
+          <p:nvPr/>
+        </p:nvSpPr>
+        <p:spPr>
+          <a:xfrm>
+            <a:off x="2114460" y="4614534"/>
+            <a:ext cx="5388366" cy="768131"/>
+          </a:xfrm>
+          <a:prstGeom prst="rect">
+            <a:avLst/>
+          </a:prstGeom>
+          <a:noFill/>
+          <a:ln w="19050">
+            <a:solidFill>
+              <a:srgbClr val="FF0000"/>
+            </a:solidFill>
+          </a:ln>
+        </p:spPr>
+        <p:style>
+          <a:lnRef idx="2">
+            <a:schemeClr val="accent1">
+              <a:shade val="50000"/>
+            </a:schemeClr>
+          </a:lnRef>
+          <a:fillRef idx="1">
+            <a:schemeClr val="accent1"/>
+          </a:fillRef>
+          <a:effectRef idx="0">
+            <a:schemeClr val="accent1"/>
+          </a:effectRef>
+          <a:fontRef idx="minor">
+            <a:schemeClr val="lt1"/>
+          </a:fontRef>
+        </p:style>
+        <p:txBody>
+          <a:bodyPr rtlCol="0" anchor="ctr"/>
+          <a:lstStyle/>
+          <a:p>
+            <a:pPr algn="ctr"/>
+            <a:endParaRPr lang="ko-KR" altLang="en-US"/>
+          </a:p>
+        </p:txBody>
+      </p:sp>
+      <p:sp>
+        <p:nvSpPr>
+          <p:cNvPr id="15" name="직사각형 14"/>
+          <p:cNvSpPr/>
+          <p:nvPr/>
+        </p:nvSpPr>
+        <p:spPr>
+          <a:xfrm>
+            <a:off x="3863699" y="5381336"/>
+            <a:ext cx="3639127" cy="339258"/>
+          </a:xfrm>
+          <a:prstGeom prst="rect">
+            <a:avLst/>
+          </a:prstGeom>
+          <a:noFill/>
+          <a:ln>
+            <a:noFill/>
+          </a:ln>
+        </p:spPr>
+        <p:style>
+          <a:lnRef idx="2">
+            <a:schemeClr val="accent1">
+              <a:shade val="50000"/>
+            </a:schemeClr>
+          </a:lnRef>
+          <a:fillRef idx="1">
+            <a:schemeClr val="accent1"/>
+          </a:fillRef>
+          <a:effectRef idx="0">
+            <a:schemeClr val="accent1"/>
+          </a:effectRef>
+          <a:fontRef idx="minor">
+            <a:schemeClr val="lt1"/>
+          </a:fontRef>
+        </p:style>
+        <p:txBody>
+          <a:bodyPr rtlCol="0" anchor="ctr"/>
+          <a:lstStyle/>
+          <a:p>
+            <a:r>
+              <a:rPr lang="ko-KR" altLang="en-US" sz="1400" smtClean="0">
+                <a:solidFill>
+                  <a:prstClr val="black">
+                    <a:lumMod val="75000"/>
+                    <a:lumOff val="25000"/>
+                  </a:prstClr>
+                </a:solidFill>
+                <a:latin typeface="타이포_스톰 B" panose="02020503020101020101" pitchFamily="18" charset="-127"/>
+                <a:ea typeface="타이포_스톰 B" panose="02020503020101020101" pitchFamily="18" charset="-127"/>
+              </a:rPr>
+              <a:t>계층형 구조에 </a:t>
+            </a:r>
+            <a:r>
+              <a:rPr lang="en-US" altLang="ko-KR" sz="1400" smtClean="0">
+                <a:solidFill>
+                  <a:prstClr val="black">
+                    <a:lumMod val="75000"/>
+                    <a:lumOff val="25000"/>
+                  </a:prstClr>
+                </a:solidFill>
+                <a:latin typeface="타이포_스톰 B" panose="02020503020101020101" pitchFamily="18" charset="-127"/>
+                <a:ea typeface="타이포_스톰 B" panose="02020503020101020101" pitchFamily="18" charset="-127"/>
+              </a:rPr>
+              <a:t>Rank</a:t>
+            </a:r>
+            <a:r>
+              <a:rPr lang="ko-KR" altLang="en-US" sz="1400" smtClean="0">
+                <a:solidFill>
+                  <a:prstClr val="black">
+                    <a:lumMod val="75000"/>
+                    <a:lumOff val="25000"/>
+                  </a:prstClr>
+                </a:solidFill>
+                <a:latin typeface="타이포_스톰 B" panose="02020503020101020101" pitchFamily="18" charset="-127"/>
+                <a:ea typeface="타이포_스톰 B" panose="02020503020101020101" pitchFamily="18" charset="-127"/>
+              </a:rPr>
+              <a:t>를 매겨서 순번 표시</a:t>
+            </a:r>
+            <a:endParaRPr lang="ko-KR" altLang="en-US" sz="1400" dirty="0">
+              <a:solidFill>
+                <a:prstClr val="black">
+                  <a:lumMod val="75000"/>
+                  <a:lumOff val="25000"/>
+                </a:prstClr>
+              </a:solidFill>
+              <a:latin typeface="타이포_스톰 B" panose="02020503020101020101" pitchFamily="18" charset="-127"/>
+              <a:ea typeface="타이포_스톰 B" panose="02020503020101020101" pitchFamily="18" charset="-127"/>
             </a:endParaRPr>
           </a:p>
         </p:txBody>
@@ -5666,7 +8417,2171 @@
     </p:spTree>
     <p:extLst>
       <p:ext uri="{BB962C8B-B14F-4D97-AF65-F5344CB8AC3E}">
-        <p14:creationId xmlns:p14="http://schemas.microsoft.com/office/powerpoint/2010/main" val="4267893592"/>
+        <p14:creationId xmlns:p14="http://schemas.microsoft.com/office/powerpoint/2010/main" val="2873439812"/>
+      </p:ext>
+    </p:extLst>
+  </p:cSld>
+  <p:clrMapOvr>
+    <a:masterClrMapping/>
+  </p:clrMapOvr>
+  <p:timing>
+    <p:tnLst>
+      <p:par>
+        <p:cTn id="1" dur="indefinite" restart="never" nodeType="tmRoot"/>
+      </p:par>
+    </p:tnLst>
+  </p:timing>
+</p:sld>
+</file>
+
+<file path=ppt/slides/slide16.xml><?xml version="1.0" encoding="utf-8"?>
+<p:sld xmlns:a="http://schemas.openxmlformats.org/drawingml/2006/main" xmlns:r="http://schemas.openxmlformats.org/officeDocument/2006/relationships" xmlns:p="http://schemas.openxmlformats.org/presentationml/2006/main">
+  <p:cSld>
+    <p:spTree>
+      <p:nvGrpSpPr>
+        <p:cNvPr id="1" name=""/>
+        <p:cNvGrpSpPr/>
+        <p:nvPr/>
+      </p:nvGrpSpPr>
+      <p:grpSpPr>
+        <a:xfrm>
+          <a:off x="0" y="0"/>
+          <a:ext cx="0" cy="0"/>
+          <a:chOff x="0" y="0"/>
+          <a:chExt cx="0" cy="0"/>
+        </a:xfrm>
+      </p:grpSpPr>
+      <p:grpSp>
+        <p:nvGrpSpPr>
+          <p:cNvPr id="35" name="그룹 34"/>
+          <p:cNvGrpSpPr/>
+          <p:nvPr/>
+        </p:nvGrpSpPr>
+        <p:grpSpPr>
+          <a:xfrm>
+            <a:off x="0" y="441033"/>
+            <a:ext cx="9144000" cy="6380205"/>
+            <a:chOff x="0" y="477795"/>
+            <a:chExt cx="9144000" cy="6380205"/>
+          </a:xfrm>
+        </p:grpSpPr>
+        <p:sp>
+          <p:nvSpPr>
+            <p:cNvPr id="3" name="직사각형 2"/>
+            <p:cNvSpPr/>
+            <p:nvPr/>
+          </p:nvSpPr>
+          <p:spPr>
+            <a:xfrm>
+              <a:off x="0" y="477795"/>
+              <a:ext cx="9144000" cy="6380205"/>
+            </a:xfrm>
+            <a:prstGeom prst="rect">
+              <a:avLst/>
+            </a:prstGeom>
+            <a:solidFill>
+              <a:srgbClr val="94C3BB"/>
+            </a:solidFill>
+            <a:ln>
+              <a:noFill/>
+            </a:ln>
+          </p:spPr>
+          <p:style>
+            <a:lnRef idx="2">
+              <a:schemeClr val="accent1">
+                <a:shade val="50000"/>
+              </a:schemeClr>
+            </a:lnRef>
+            <a:fillRef idx="1">
+              <a:schemeClr val="accent1"/>
+            </a:fillRef>
+            <a:effectRef idx="0">
+              <a:schemeClr val="accent1"/>
+            </a:effectRef>
+            <a:fontRef idx="minor">
+              <a:schemeClr val="lt1"/>
+            </a:fontRef>
+          </p:style>
+          <p:txBody>
+            <a:bodyPr rtlCol="0" anchor="ctr"/>
+            <a:lstStyle/>
+            <a:p>
+              <a:pPr algn="ctr"/>
+              <a:endParaRPr lang="ko-KR" altLang="en-US">
+                <a:solidFill>
+                  <a:prstClr val="white"/>
+                </a:solidFill>
+              </a:endParaRPr>
+            </a:p>
+          </p:txBody>
+        </p:sp>
+        <p:sp>
+          <p:nvSpPr>
+            <p:cNvPr id="6" name="직사각형 5"/>
+            <p:cNvSpPr/>
+            <p:nvPr/>
+          </p:nvSpPr>
+          <p:spPr>
+            <a:xfrm>
+              <a:off x="57666" y="557150"/>
+              <a:ext cx="9020432" cy="6230828"/>
+            </a:xfrm>
+            <a:prstGeom prst="rect">
+              <a:avLst/>
+            </a:prstGeom>
+            <a:solidFill>
+              <a:schemeClr val="bg1"/>
+            </a:solidFill>
+            <a:ln>
+              <a:noFill/>
+            </a:ln>
+          </p:spPr>
+          <p:style>
+            <a:lnRef idx="2">
+              <a:schemeClr val="accent1">
+                <a:shade val="50000"/>
+              </a:schemeClr>
+            </a:lnRef>
+            <a:fillRef idx="1">
+              <a:schemeClr val="accent1"/>
+            </a:fillRef>
+            <a:effectRef idx="0">
+              <a:schemeClr val="accent1"/>
+            </a:effectRef>
+            <a:fontRef idx="minor">
+              <a:schemeClr val="lt1"/>
+            </a:fontRef>
+          </p:style>
+          <p:txBody>
+            <a:bodyPr rtlCol="0" anchor="ctr"/>
+            <a:lstStyle/>
+            <a:p>
+              <a:pPr algn="ctr"/>
+              <a:endParaRPr lang="ko-KR" altLang="en-US" dirty="0">
+                <a:solidFill>
+                  <a:schemeClr val="bg2">
+                    <a:lumMod val="50000"/>
+                  </a:schemeClr>
+                </a:solidFill>
+              </a:endParaRPr>
+            </a:p>
+          </p:txBody>
+        </p:sp>
+      </p:grpSp>
+      <p:sp>
+        <p:nvSpPr>
+          <p:cNvPr id="36" name="직사각형 35"/>
+          <p:cNvSpPr/>
+          <p:nvPr/>
+        </p:nvSpPr>
+        <p:spPr>
+          <a:xfrm>
+            <a:off x="7850659" y="65903"/>
+            <a:ext cx="1293341" cy="341870"/>
+          </a:xfrm>
+          <a:prstGeom prst="rect">
+            <a:avLst/>
+          </a:prstGeom>
+          <a:solidFill>
+            <a:srgbClr val="FDBBC1"/>
+          </a:solidFill>
+          <a:ln>
+            <a:noFill/>
+          </a:ln>
+        </p:spPr>
+        <p:style>
+          <a:lnRef idx="2">
+            <a:schemeClr val="accent1">
+              <a:shade val="50000"/>
+            </a:schemeClr>
+          </a:lnRef>
+          <a:fillRef idx="1">
+            <a:schemeClr val="accent1"/>
+          </a:fillRef>
+          <a:effectRef idx="0">
+            <a:schemeClr val="accent1"/>
+          </a:effectRef>
+          <a:fontRef idx="minor">
+            <a:schemeClr val="lt1"/>
+          </a:fontRef>
+        </p:style>
+        <p:txBody>
+          <a:bodyPr rtlCol="0" anchor="ctr"/>
+          <a:lstStyle/>
+          <a:p>
+            <a:pPr algn="ctr"/>
+            <a:r>
+              <a:rPr lang="en-US" altLang="ko-KR" sz="2400" dirty="0">
+                <a:solidFill>
+                  <a:prstClr val="white"/>
+                </a:solidFill>
+                <a:latin typeface="타이포_스톰 B" panose="02020503020101020101" pitchFamily="18" charset="-127"/>
+                <a:ea typeface="타이포_스톰 B" panose="02020503020101020101" pitchFamily="18" charset="-127"/>
+              </a:rPr>
+              <a:t>WEB</a:t>
+            </a:r>
+            <a:endParaRPr lang="ko-KR" altLang="en-US" sz="2400" dirty="0">
+              <a:solidFill>
+                <a:prstClr val="white"/>
+              </a:solidFill>
+              <a:latin typeface="타이포_스톰 B" panose="02020503020101020101" pitchFamily="18" charset="-127"/>
+              <a:ea typeface="타이포_스톰 B" panose="02020503020101020101" pitchFamily="18" charset="-127"/>
+            </a:endParaRPr>
+          </a:p>
+        </p:txBody>
+      </p:sp>
+      <p:sp>
+        <p:nvSpPr>
+          <p:cNvPr id="10" name="직사각형 9"/>
+          <p:cNvSpPr/>
+          <p:nvPr/>
+        </p:nvSpPr>
+        <p:spPr>
+          <a:xfrm>
+            <a:off x="0" y="65903"/>
+            <a:ext cx="6260758" cy="339258"/>
+          </a:xfrm>
+          <a:prstGeom prst="rect">
+            <a:avLst/>
+          </a:prstGeom>
+          <a:solidFill>
+            <a:srgbClr val="FDBBC1"/>
+          </a:solidFill>
+          <a:ln>
+            <a:noFill/>
+          </a:ln>
+        </p:spPr>
+        <p:style>
+          <a:lnRef idx="2">
+            <a:schemeClr val="accent1">
+              <a:shade val="50000"/>
+            </a:schemeClr>
+          </a:lnRef>
+          <a:fillRef idx="1">
+            <a:schemeClr val="accent1"/>
+          </a:fillRef>
+          <a:effectRef idx="0">
+            <a:schemeClr val="accent1"/>
+          </a:effectRef>
+          <a:fontRef idx="minor">
+            <a:schemeClr val="lt1"/>
+          </a:fontRef>
+        </p:style>
+        <p:txBody>
+          <a:bodyPr rtlCol="0" anchor="ctr"/>
+          <a:lstStyle/>
+          <a:p>
+            <a:r>
+              <a:rPr lang="en-US" altLang="ko-KR" sz="2000">
+                <a:solidFill>
+                  <a:prstClr val="black">
+                    <a:lumMod val="75000"/>
+                    <a:lumOff val="25000"/>
+                  </a:prstClr>
+                </a:solidFill>
+                <a:latin typeface="타이포_스톰 B" panose="02020503020101020101" pitchFamily="18" charset="-127"/>
+                <a:ea typeface="타이포_스톰 B" panose="02020503020101020101" pitchFamily="18" charset="-127"/>
+              </a:rPr>
+              <a:t>[</a:t>
+            </a:r>
+            <a:r>
+              <a:rPr lang="ko-KR" altLang="en-US" sz="2000">
+                <a:solidFill>
+                  <a:prstClr val="black">
+                    <a:lumMod val="75000"/>
+                    <a:lumOff val="25000"/>
+                  </a:prstClr>
+                </a:solidFill>
+                <a:latin typeface="타이포_스톰 B" panose="02020503020101020101" pitchFamily="18" charset="-127"/>
+                <a:ea typeface="타이포_스톰 B" panose="02020503020101020101" pitchFamily="18" charset="-127"/>
+              </a:rPr>
+              <a:t>화면구현</a:t>
+            </a:r>
+            <a:r>
+              <a:rPr lang="en-US" altLang="ko-KR" sz="2000">
+                <a:solidFill>
+                  <a:prstClr val="black">
+                    <a:lumMod val="75000"/>
+                    <a:lumOff val="25000"/>
+                  </a:prstClr>
+                </a:solidFill>
+                <a:latin typeface="타이포_스톰 B" panose="02020503020101020101" pitchFamily="18" charset="-127"/>
+                <a:ea typeface="타이포_스톰 B" panose="02020503020101020101" pitchFamily="18" charset="-127"/>
+              </a:rPr>
+              <a:t>]  </a:t>
+            </a:r>
+            <a:r>
+              <a:rPr lang="ko-KR" altLang="en-US" sz="2000">
+                <a:solidFill>
+                  <a:prstClr val="black">
+                    <a:lumMod val="75000"/>
+                    <a:lumOff val="25000"/>
+                  </a:prstClr>
+                </a:solidFill>
+                <a:latin typeface="타이포_스톰 B" panose="02020503020101020101" pitchFamily="18" charset="-127"/>
+                <a:ea typeface="타이포_스톰 B" panose="02020503020101020101" pitchFamily="18" charset="-127"/>
+              </a:rPr>
+              <a:t>간트차트</a:t>
+            </a:r>
+            <a:r>
+              <a:rPr lang="en-US" altLang="ko-KR" sz="2000" smtClean="0">
+                <a:solidFill>
+                  <a:prstClr val="black">
+                    <a:lumMod val="75000"/>
+                    <a:lumOff val="25000"/>
+                  </a:prstClr>
+                </a:solidFill>
+                <a:latin typeface="타이포_스톰 B" panose="02020503020101020101" pitchFamily="18" charset="-127"/>
+                <a:ea typeface="타이포_스톰 B" panose="02020503020101020101" pitchFamily="18" charset="-127"/>
+              </a:rPr>
+              <a:t>(PM)</a:t>
+            </a:r>
+            <a:endParaRPr lang="ko-KR" altLang="en-US" sz="2000" dirty="0">
+              <a:solidFill>
+                <a:prstClr val="black">
+                  <a:lumMod val="75000"/>
+                  <a:lumOff val="25000"/>
+                </a:prstClr>
+              </a:solidFill>
+              <a:latin typeface="타이포_스톰 B" panose="02020503020101020101" pitchFamily="18" charset="-127"/>
+              <a:ea typeface="타이포_스톰 B" panose="02020503020101020101" pitchFamily="18" charset="-127"/>
+            </a:endParaRPr>
+          </a:p>
+        </p:txBody>
+      </p:sp>
+      <p:pic>
+        <p:nvPicPr>
+          <p:cNvPr id="8" name="그림 7"/>
+          <p:cNvPicPr>
+            <a:picLocks noChangeAspect="1"/>
+          </p:cNvPicPr>
+          <p:nvPr/>
+        </p:nvPicPr>
+        <p:blipFill>
+          <a:blip r:embed="rId2">
+            <a:extLst>
+              <a:ext uri="{28A0092B-C50C-407E-A947-70E740481C1C}">
+                <a14:useLocalDpi xmlns:a14="http://schemas.microsoft.com/office/drawing/2010/main" val="0"/>
+              </a:ext>
+            </a:extLst>
+          </a:blip>
+          <a:stretch>
+            <a:fillRect/>
+          </a:stretch>
+        </p:blipFill>
+        <p:spPr>
+          <a:xfrm>
+            <a:off x="480338" y="845910"/>
+            <a:ext cx="8161724" cy="4211233"/>
+          </a:xfrm>
+          <a:prstGeom prst="rect">
+            <a:avLst/>
+          </a:prstGeom>
+        </p:spPr>
+      </p:pic>
+      <p:pic>
+        <p:nvPicPr>
+          <p:cNvPr id="11" name="그림 10"/>
+          <p:cNvPicPr>
+            <a:picLocks noChangeAspect="1"/>
+          </p:cNvPicPr>
+          <p:nvPr/>
+        </p:nvPicPr>
+        <p:blipFill>
+          <a:blip r:embed="rId3">
+            <a:extLst>
+              <a:ext uri="{28A0092B-C50C-407E-A947-70E740481C1C}">
+                <a14:useLocalDpi xmlns:a14="http://schemas.microsoft.com/office/drawing/2010/main" val="0"/>
+              </a:ext>
+            </a:extLst>
+          </a:blip>
+          <a:stretch>
+            <a:fillRect/>
+          </a:stretch>
+        </p:blipFill>
+        <p:spPr>
+          <a:xfrm>
+            <a:off x="715651" y="3469493"/>
+            <a:ext cx="3619318" cy="2717982"/>
+          </a:xfrm>
+          <a:prstGeom prst="rect">
+            <a:avLst/>
+          </a:prstGeom>
+          <a:ln w="19050">
+            <a:solidFill>
+              <a:srgbClr val="FF0000"/>
+            </a:solidFill>
+          </a:ln>
+        </p:spPr>
+      </p:pic>
+      <p:pic>
+        <p:nvPicPr>
+          <p:cNvPr id="9" name="그림 8"/>
+          <p:cNvPicPr>
+            <a:picLocks noChangeAspect="1"/>
+          </p:cNvPicPr>
+          <p:nvPr/>
+        </p:nvPicPr>
+        <p:blipFill>
+          <a:blip r:embed="rId4">
+            <a:extLst>
+              <a:ext uri="{28A0092B-C50C-407E-A947-70E740481C1C}">
+                <a14:useLocalDpi xmlns:a14="http://schemas.microsoft.com/office/drawing/2010/main" val="0"/>
+              </a:ext>
+            </a:extLst>
+          </a:blip>
+          <a:stretch>
+            <a:fillRect/>
+          </a:stretch>
+        </p:blipFill>
+        <p:spPr>
+          <a:xfrm>
+            <a:off x="715651" y="2369569"/>
+            <a:ext cx="3761543" cy="1081988"/>
+          </a:xfrm>
+          <a:prstGeom prst="rect">
+            <a:avLst/>
+          </a:prstGeom>
+          <a:ln w="19050">
+            <a:solidFill>
+              <a:srgbClr val="FF0000"/>
+            </a:solidFill>
+          </a:ln>
+        </p:spPr>
+      </p:pic>
+      <p:pic>
+        <p:nvPicPr>
+          <p:cNvPr id="12" name="그림 11"/>
+          <p:cNvPicPr>
+            <a:picLocks noChangeAspect="1"/>
+          </p:cNvPicPr>
+          <p:nvPr/>
+        </p:nvPicPr>
+        <p:blipFill>
+          <a:blip r:embed="rId5">
+            <a:extLst>
+              <a:ext uri="{28A0092B-C50C-407E-A947-70E740481C1C}">
+                <a14:useLocalDpi xmlns:a14="http://schemas.microsoft.com/office/drawing/2010/main" val="0"/>
+              </a:ext>
+            </a:extLst>
+          </a:blip>
+          <a:stretch>
+            <a:fillRect/>
+          </a:stretch>
+        </p:blipFill>
+        <p:spPr>
+          <a:xfrm>
+            <a:off x="710198" y="6191100"/>
+            <a:ext cx="4203336" cy="234000"/>
+          </a:xfrm>
+          <a:prstGeom prst="rect">
+            <a:avLst/>
+          </a:prstGeom>
+          <a:ln w="19050">
+            <a:solidFill>
+              <a:srgbClr val="FF0000"/>
+            </a:solidFill>
+          </a:ln>
+        </p:spPr>
+      </p:pic>
+    </p:spTree>
+    <p:extLst>
+      <p:ext uri="{BB962C8B-B14F-4D97-AF65-F5344CB8AC3E}">
+        <p14:creationId xmlns:p14="http://schemas.microsoft.com/office/powerpoint/2010/main" val="2730027495"/>
+      </p:ext>
+    </p:extLst>
+  </p:cSld>
+  <p:clrMapOvr>
+    <a:masterClrMapping/>
+  </p:clrMapOvr>
+  <p:timing>
+    <p:tnLst>
+      <p:par>
+        <p:cTn id="1" dur="indefinite" restart="never" nodeType="tmRoot"/>
+      </p:par>
+    </p:tnLst>
+  </p:timing>
+</p:sld>
+</file>
+
+<file path=ppt/slides/slide17.xml><?xml version="1.0" encoding="utf-8"?>
+<p:sld xmlns:a="http://schemas.openxmlformats.org/drawingml/2006/main" xmlns:r="http://schemas.openxmlformats.org/officeDocument/2006/relationships" xmlns:p="http://schemas.openxmlformats.org/presentationml/2006/main">
+  <p:cSld>
+    <p:spTree>
+      <p:nvGrpSpPr>
+        <p:cNvPr id="1" name=""/>
+        <p:cNvGrpSpPr/>
+        <p:nvPr/>
+      </p:nvGrpSpPr>
+      <p:grpSpPr>
+        <a:xfrm>
+          <a:off x="0" y="0"/>
+          <a:ext cx="0" cy="0"/>
+          <a:chOff x="0" y="0"/>
+          <a:chExt cx="0" cy="0"/>
+        </a:xfrm>
+      </p:grpSpPr>
+      <p:grpSp>
+        <p:nvGrpSpPr>
+          <p:cNvPr id="35" name="그룹 34"/>
+          <p:cNvGrpSpPr/>
+          <p:nvPr/>
+        </p:nvGrpSpPr>
+        <p:grpSpPr>
+          <a:xfrm>
+            <a:off x="0" y="441033"/>
+            <a:ext cx="9144000" cy="6380205"/>
+            <a:chOff x="0" y="477795"/>
+            <a:chExt cx="9144000" cy="6380205"/>
+          </a:xfrm>
+        </p:grpSpPr>
+        <p:sp>
+          <p:nvSpPr>
+            <p:cNvPr id="3" name="직사각형 2"/>
+            <p:cNvSpPr/>
+            <p:nvPr/>
+          </p:nvSpPr>
+          <p:spPr>
+            <a:xfrm>
+              <a:off x="0" y="477795"/>
+              <a:ext cx="9144000" cy="6380205"/>
+            </a:xfrm>
+            <a:prstGeom prst="rect">
+              <a:avLst/>
+            </a:prstGeom>
+            <a:solidFill>
+              <a:srgbClr val="94C3BB"/>
+            </a:solidFill>
+            <a:ln>
+              <a:noFill/>
+            </a:ln>
+          </p:spPr>
+          <p:style>
+            <a:lnRef idx="2">
+              <a:schemeClr val="accent1">
+                <a:shade val="50000"/>
+              </a:schemeClr>
+            </a:lnRef>
+            <a:fillRef idx="1">
+              <a:schemeClr val="accent1"/>
+            </a:fillRef>
+            <a:effectRef idx="0">
+              <a:schemeClr val="accent1"/>
+            </a:effectRef>
+            <a:fontRef idx="minor">
+              <a:schemeClr val="lt1"/>
+            </a:fontRef>
+          </p:style>
+          <p:txBody>
+            <a:bodyPr rtlCol="0" anchor="ctr"/>
+            <a:lstStyle/>
+            <a:p>
+              <a:pPr algn="ctr"/>
+              <a:endParaRPr lang="ko-KR" altLang="en-US">
+                <a:solidFill>
+                  <a:prstClr val="white"/>
+                </a:solidFill>
+              </a:endParaRPr>
+            </a:p>
+          </p:txBody>
+        </p:sp>
+        <p:sp>
+          <p:nvSpPr>
+            <p:cNvPr id="6" name="직사각형 5"/>
+            <p:cNvSpPr/>
+            <p:nvPr/>
+          </p:nvSpPr>
+          <p:spPr>
+            <a:xfrm>
+              <a:off x="57666" y="557150"/>
+              <a:ext cx="9020432" cy="6230828"/>
+            </a:xfrm>
+            <a:prstGeom prst="rect">
+              <a:avLst/>
+            </a:prstGeom>
+            <a:solidFill>
+              <a:schemeClr val="bg1"/>
+            </a:solidFill>
+            <a:ln>
+              <a:noFill/>
+            </a:ln>
+          </p:spPr>
+          <p:style>
+            <a:lnRef idx="2">
+              <a:schemeClr val="accent1">
+                <a:shade val="50000"/>
+              </a:schemeClr>
+            </a:lnRef>
+            <a:fillRef idx="1">
+              <a:schemeClr val="accent1"/>
+            </a:fillRef>
+            <a:effectRef idx="0">
+              <a:schemeClr val="accent1"/>
+            </a:effectRef>
+            <a:fontRef idx="minor">
+              <a:schemeClr val="lt1"/>
+            </a:fontRef>
+          </p:style>
+          <p:txBody>
+            <a:bodyPr rtlCol="0" anchor="ctr"/>
+            <a:lstStyle/>
+            <a:p>
+              <a:pPr algn="ctr"/>
+              <a:r>
+                <a:rPr lang="ko-KR" altLang="en-US" dirty="0" smtClean="0">
+                  <a:solidFill>
+                    <a:schemeClr val="bg2">
+                      <a:lumMod val="50000"/>
+                    </a:schemeClr>
+                  </a:solidFill>
+                </a:rPr>
+                <a:t>웹 화면</a:t>
+              </a:r>
+              <a:r>
+                <a:rPr lang="en-US" altLang="ko-KR" dirty="0" smtClean="0">
+                  <a:solidFill>
+                    <a:schemeClr val="bg2">
+                      <a:lumMod val="50000"/>
+                    </a:schemeClr>
+                  </a:solidFill>
+                </a:rPr>
+                <a:t>/</a:t>
+              </a:r>
+              <a:r>
+                <a:rPr lang="ko-KR" altLang="en-US" dirty="0" smtClean="0">
+                  <a:solidFill>
+                    <a:schemeClr val="bg2">
+                      <a:lumMod val="50000"/>
+                    </a:schemeClr>
+                  </a:solidFill>
+                </a:rPr>
+                <a:t>핵심코드</a:t>
+              </a:r>
+              <a:endParaRPr lang="ko-KR" altLang="en-US" dirty="0">
+                <a:solidFill>
+                  <a:schemeClr val="bg2">
+                    <a:lumMod val="50000"/>
+                  </a:schemeClr>
+                </a:solidFill>
+              </a:endParaRPr>
+            </a:p>
+          </p:txBody>
+        </p:sp>
+      </p:grpSp>
+      <p:sp>
+        <p:nvSpPr>
+          <p:cNvPr id="36" name="직사각형 35"/>
+          <p:cNvSpPr/>
+          <p:nvPr/>
+        </p:nvSpPr>
+        <p:spPr>
+          <a:xfrm>
+            <a:off x="7850659" y="65903"/>
+            <a:ext cx="1293341" cy="341870"/>
+          </a:xfrm>
+          <a:prstGeom prst="rect">
+            <a:avLst/>
+          </a:prstGeom>
+          <a:solidFill>
+            <a:srgbClr val="FDBBC1"/>
+          </a:solidFill>
+          <a:ln>
+            <a:noFill/>
+          </a:ln>
+        </p:spPr>
+        <p:style>
+          <a:lnRef idx="2">
+            <a:schemeClr val="accent1">
+              <a:shade val="50000"/>
+            </a:schemeClr>
+          </a:lnRef>
+          <a:fillRef idx="1">
+            <a:schemeClr val="accent1"/>
+          </a:fillRef>
+          <a:effectRef idx="0">
+            <a:schemeClr val="accent1"/>
+          </a:effectRef>
+          <a:fontRef idx="minor">
+            <a:schemeClr val="lt1"/>
+          </a:fontRef>
+        </p:style>
+        <p:txBody>
+          <a:bodyPr rtlCol="0" anchor="ctr"/>
+          <a:lstStyle/>
+          <a:p>
+            <a:pPr algn="ctr"/>
+            <a:r>
+              <a:rPr lang="en-US" altLang="ko-KR" sz="2400" dirty="0">
+                <a:solidFill>
+                  <a:prstClr val="white"/>
+                </a:solidFill>
+                <a:latin typeface="타이포_스톰 B" panose="02020503020101020101" pitchFamily="18" charset="-127"/>
+                <a:ea typeface="타이포_스톰 B" panose="02020503020101020101" pitchFamily="18" charset="-127"/>
+              </a:rPr>
+              <a:t>WEB</a:t>
+            </a:r>
+            <a:endParaRPr lang="ko-KR" altLang="en-US" sz="2400" dirty="0">
+              <a:solidFill>
+                <a:prstClr val="white"/>
+              </a:solidFill>
+              <a:latin typeface="타이포_스톰 B" panose="02020503020101020101" pitchFamily="18" charset="-127"/>
+              <a:ea typeface="타이포_스톰 B" panose="02020503020101020101" pitchFamily="18" charset="-127"/>
+            </a:endParaRPr>
+          </a:p>
+        </p:txBody>
+      </p:sp>
+      <p:sp>
+        <p:nvSpPr>
+          <p:cNvPr id="10" name="직사각형 9"/>
+          <p:cNvSpPr/>
+          <p:nvPr/>
+        </p:nvSpPr>
+        <p:spPr>
+          <a:xfrm>
+            <a:off x="0" y="65903"/>
+            <a:ext cx="6260758" cy="339258"/>
+          </a:xfrm>
+          <a:prstGeom prst="rect">
+            <a:avLst/>
+          </a:prstGeom>
+          <a:solidFill>
+            <a:srgbClr val="FDBBC1"/>
+          </a:solidFill>
+          <a:ln>
+            <a:noFill/>
+          </a:ln>
+        </p:spPr>
+        <p:style>
+          <a:lnRef idx="2">
+            <a:schemeClr val="accent1">
+              <a:shade val="50000"/>
+            </a:schemeClr>
+          </a:lnRef>
+          <a:fillRef idx="1">
+            <a:schemeClr val="accent1"/>
+          </a:fillRef>
+          <a:effectRef idx="0">
+            <a:schemeClr val="accent1"/>
+          </a:effectRef>
+          <a:fontRef idx="minor">
+            <a:schemeClr val="lt1"/>
+          </a:fontRef>
+        </p:style>
+        <p:txBody>
+          <a:bodyPr rtlCol="0" anchor="ctr"/>
+          <a:lstStyle/>
+          <a:p>
+            <a:r>
+              <a:rPr lang="en-US" altLang="ko-KR" sz="2000">
+                <a:solidFill>
+                  <a:prstClr val="black">
+                    <a:lumMod val="75000"/>
+                    <a:lumOff val="25000"/>
+                  </a:prstClr>
+                </a:solidFill>
+                <a:latin typeface="타이포_스톰 B" panose="02020503020101020101" pitchFamily="18" charset="-127"/>
+                <a:ea typeface="타이포_스톰 B" panose="02020503020101020101" pitchFamily="18" charset="-127"/>
+              </a:rPr>
+              <a:t>[</a:t>
+            </a:r>
+            <a:r>
+              <a:rPr lang="ko-KR" altLang="en-US" sz="2000">
+                <a:solidFill>
+                  <a:prstClr val="black">
+                    <a:lumMod val="75000"/>
+                    <a:lumOff val="25000"/>
+                  </a:prstClr>
+                </a:solidFill>
+                <a:latin typeface="타이포_스톰 B" panose="02020503020101020101" pitchFamily="18" charset="-127"/>
+                <a:ea typeface="타이포_스톰 B" panose="02020503020101020101" pitchFamily="18" charset="-127"/>
+              </a:rPr>
+              <a:t>화면구현</a:t>
+            </a:r>
+            <a:r>
+              <a:rPr lang="en-US" altLang="ko-KR" sz="2000">
+                <a:solidFill>
+                  <a:prstClr val="black">
+                    <a:lumMod val="75000"/>
+                    <a:lumOff val="25000"/>
+                  </a:prstClr>
+                </a:solidFill>
+                <a:latin typeface="타이포_스톰 B" panose="02020503020101020101" pitchFamily="18" charset="-127"/>
+                <a:ea typeface="타이포_스톰 B" panose="02020503020101020101" pitchFamily="18" charset="-127"/>
+              </a:rPr>
+              <a:t>]  </a:t>
+            </a:r>
+            <a:r>
+              <a:rPr lang="ko-KR" altLang="en-US" sz="2000">
+                <a:solidFill>
+                  <a:prstClr val="black">
+                    <a:lumMod val="75000"/>
+                    <a:lumOff val="25000"/>
+                  </a:prstClr>
+                </a:solidFill>
+                <a:latin typeface="타이포_스톰 B" panose="02020503020101020101" pitchFamily="18" charset="-127"/>
+                <a:ea typeface="타이포_스톰 B" panose="02020503020101020101" pitchFamily="18" charset="-127"/>
+              </a:rPr>
+              <a:t>간트차트</a:t>
+            </a:r>
+            <a:r>
+              <a:rPr lang="en-US" altLang="ko-KR" sz="2000">
+                <a:solidFill>
+                  <a:prstClr val="black">
+                    <a:lumMod val="75000"/>
+                    <a:lumOff val="25000"/>
+                  </a:prstClr>
+                </a:solidFill>
+                <a:latin typeface="타이포_스톰 B" panose="02020503020101020101" pitchFamily="18" charset="-127"/>
+                <a:ea typeface="타이포_스톰 B" panose="02020503020101020101" pitchFamily="18" charset="-127"/>
+              </a:rPr>
+              <a:t>(</a:t>
+            </a:r>
+            <a:r>
+              <a:rPr lang="ko-KR" altLang="en-US" sz="2000">
+                <a:solidFill>
+                  <a:prstClr val="black">
+                    <a:lumMod val="75000"/>
+                    <a:lumOff val="25000"/>
+                  </a:prstClr>
+                </a:solidFill>
+                <a:latin typeface="타이포_스톰 B" panose="02020503020101020101" pitchFamily="18" charset="-127"/>
+                <a:ea typeface="타이포_스톰 B" panose="02020503020101020101" pitchFamily="18" charset="-127"/>
+              </a:rPr>
+              <a:t>팀원</a:t>
+            </a:r>
+            <a:r>
+              <a:rPr lang="en-US" altLang="ko-KR" sz="2000">
+                <a:solidFill>
+                  <a:prstClr val="black">
+                    <a:lumMod val="75000"/>
+                    <a:lumOff val="25000"/>
+                  </a:prstClr>
+                </a:solidFill>
+                <a:latin typeface="타이포_스톰 B" panose="02020503020101020101" pitchFamily="18" charset="-127"/>
+                <a:ea typeface="타이포_스톰 B" panose="02020503020101020101" pitchFamily="18" charset="-127"/>
+              </a:rPr>
+              <a:t>)</a:t>
+            </a:r>
+            <a:endParaRPr lang="ko-KR" altLang="en-US" sz="2000" dirty="0">
+              <a:solidFill>
+                <a:prstClr val="black">
+                  <a:lumMod val="75000"/>
+                  <a:lumOff val="25000"/>
+                </a:prstClr>
+              </a:solidFill>
+              <a:latin typeface="타이포_스톰 B" panose="02020503020101020101" pitchFamily="18" charset="-127"/>
+              <a:ea typeface="타이포_스톰 B" panose="02020503020101020101" pitchFamily="18" charset="-127"/>
+            </a:endParaRPr>
+          </a:p>
+        </p:txBody>
+      </p:sp>
+      <p:pic>
+        <p:nvPicPr>
+          <p:cNvPr id="7" name="그림 6"/>
+          <p:cNvPicPr>
+            <a:picLocks noChangeAspect="1"/>
+          </p:cNvPicPr>
+          <p:nvPr/>
+        </p:nvPicPr>
+        <p:blipFill>
+          <a:blip r:embed="rId2">
+            <a:extLst>
+              <a:ext uri="{28A0092B-C50C-407E-A947-70E740481C1C}">
+                <a14:useLocalDpi xmlns:a14="http://schemas.microsoft.com/office/drawing/2010/main" val="0"/>
+              </a:ext>
+            </a:extLst>
+          </a:blip>
+          <a:stretch>
+            <a:fillRect/>
+          </a:stretch>
+        </p:blipFill>
+        <p:spPr>
+          <a:xfrm>
+            <a:off x="241200" y="1057525"/>
+            <a:ext cx="8640000" cy="3824945"/>
+          </a:xfrm>
+          <a:prstGeom prst="rect">
+            <a:avLst/>
+          </a:prstGeom>
+          <a:noFill/>
+          <a:ln>
+            <a:noFill/>
+          </a:ln>
+        </p:spPr>
+      </p:pic>
+    </p:spTree>
+    <p:extLst>
+      <p:ext uri="{BB962C8B-B14F-4D97-AF65-F5344CB8AC3E}">
+        <p14:creationId xmlns:p14="http://schemas.microsoft.com/office/powerpoint/2010/main" val="2468010069"/>
+      </p:ext>
+    </p:extLst>
+  </p:cSld>
+  <p:clrMapOvr>
+    <a:masterClrMapping/>
+  </p:clrMapOvr>
+  <p:timing>
+    <p:tnLst>
+      <p:par>
+        <p:cTn id="1" dur="indefinite" restart="never" nodeType="tmRoot"/>
+      </p:par>
+    </p:tnLst>
+  </p:timing>
+</p:sld>
+</file>
+
+<file path=ppt/slides/slide18.xml><?xml version="1.0" encoding="utf-8"?>
+<p:sld xmlns:a="http://schemas.openxmlformats.org/drawingml/2006/main" xmlns:r="http://schemas.openxmlformats.org/officeDocument/2006/relationships" xmlns:p="http://schemas.openxmlformats.org/presentationml/2006/main">
+  <p:cSld>
+    <p:spTree>
+      <p:nvGrpSpPr>
+        <p:cNvPr id="1" name=""/>
+        <p:cNvGrpSpPr/>
+        <p:nvPr/>
+      </p:nvGrpSpPr>
+      <p:grpSpPr>
+        <a:xfrm>
+          <a:off x="0" y="0"/>
+          <a:ext cx="0" cy="0"/>
+          <a:chOff x="0" y="0"/>
+          <a:chExt cx="0" cy="0"/>
+        </a:xfrm>
+      </p:grpSpPr>
+      <p:grpSp>
+        <p:nvGrpSpPr>
+          <p:cNvPr id="35" name="그룹 34"/>
+          <p:cNvGrpSpPr/>
+          <p:nvPr/>
+        </p:nvGrpSpPr>
+        <p:grpSpPr>
+          <a:xfrm>
+            <a:off x="0" y="441033"/>
+            <a:ext cx="9144000" cy="6380205"/>
+            <a:chOff x="0" y="477795"/>
+            <a:chExt cx="9144000" cy="6380205"/>
+          </a:xfrm>
+        </p:grpSpPr>
+        <p:sp>
+          <p:nvSpPr>
+            <p:cNvPr id="3" name="직사각형 2"/>
+            <p:cNvSpPr/>
+            <p:nvPr/>
+          </p:nvSpPr>
+          <p:spPr>
+            <a:xfrm>
+              <a:off x="0" y="477795"/>
+              <a:ext cx="9144000" cy="6380205"/>
+            </a:xfrm>
+            <a:prstGeom prst="rect">
+              <a:avLst/>
+            </a:prstGeom>
+            <a:solidFill>
+              <a:srgbClr val="94C3BB"/>
+            </a:solidFill>
+            <a:ln>
+              <a:noFill/>
+            </a:ln>
+          </p:spPr>
+          <p:style>
+            <a:lnRef idx="2">
+              <a:schemeClr val="accent1">
+                <a:shade val="50000"/>
+              </a:schemeClr>
+            </a:lnRef>
+            <a:fillRef idx="1">
+              <a:schemeClr val="accent1"/>
+            </a:fillRef>
+            <a:effectRef idx="0">
+              <a:schemeClr val="accent1"/>
+            </a:effectRef>
+            <a:fontRef idx="minor">
+              <a:schemeClr val="lt1"/>
+            </a:fontRef>
+          </p:style>
+          <p:txBody>
+            <a:bodyPr rtlCol="0" anchor="ctr"/>
+            <a:lstStyle/>
+            <a:p>
+              <a:pPr algn="ctr"/>
+              <a:endParaRPr lang="ko-KR" altLang="en-US">
+                <a:solidFill>
+                  <a:prstClr val="white"/>
+                </a:solidFill>
+              </a:endParaRPr>
+            </a:p>
+          </p:txBody>
+        </p:sp>
+        <p:sp>
+          <p:nvSpPr>
+            <p:cNvPr id="6" name="직사각형 5"/>
+            <p:cNvSpPr/>
+            <p:nvPr/>
+          </p:nvSpPr>
+          <p:spPr>
+            <a:xfrm>
+              <a:off x="57666" y="557150"/>
+              <a:ext cx="9020432" cy="6230828"/>
+            </a:xfrm>
+            <a:prstGeom prst="rect">
+              <a:avLst/>
+            </a:prstGeom>
+            <a:solidFill>
+              <a:schemeClr val="bg1"/>
+            </a:solidFill>
+            <a:ln>
+              <a:noFill/>
+            </a:ln>
+          </p:spPr>
+          <p:style>
+            <a:lnRef idx="2">
+              <a:schemeClr val="accent1">
+                <a:shade val="50000"/>
+              </a:schemeClr>
+            </a:lnRef>
+            <a:fillRef idx="1">
+              <a:schemeClr val="accent1"/>
+            </a:fillRef>
+            <a:effectRef idx="0">
+              <a:schemeClr val="accent1"/>
+            </a:effectRef>
+            <a:fontRef idx="minor">
+              <a:schemeClr val="lt1"/>
+            </a:fontRef>
+          </p:style>
+          <p:txBody>
+            <a:bodyPr rtlCol="0" anchor="ctr"/>
+            <a:lstStyle/>
+            <a:p>
+              <a:pPr algn="ctr"/>
+              <a:r>
+                <a:rPr lang="ko-KR" altLang="en-US" dirty="0" smtClean="0">
+                  <a:solidFill>
+                    <a:schemeClr val="bg2">
+                      <a:lumMod val="50000"/>
+                    </a:schemeClr>
+                  </a:solidFill>
+                </a:rPr>
+                <a:t>웹 화면</a:t>
+              </a:r>
+              <a:r>
+                <a:rPr lang="en-US" altLang="ko-KR" dirty="0" smtClean="0">
+                  <a:solidFill>
+                    <a:schemeClr val="bg2">
+                      <a:lumMod val="50000"/>
+                    </a:schemeClr>
+                  </a:solidFill>
+                </a:rPr>
+                <a:t>/</a:t>
+              </a:r>
+              <a:r>
+                <a:rPr lang="ko-KR" altLang="en-US" dirty="0" smtClean="0">
+                  <a:solidFill>
+                    <a:schemeClr val="bg2">
+                      <a:lumMod val="50000"/>
+                    </a:schemeClr>
+                  </a:solidFill>
+                </a:rPr>
+                <a:t>핵심코드</a:t>
+              </a:r>
+              <a:endParaRPr lang="ko-KR" altLang="en-US" dirty="0">
+                <a:solidFill>
+                  <a:schemeClr val="bg2">
+                    <a:lumMod val="50000"/>
+                  </a:schemeClr>
+                </a:solidFill>
+              </a:endParaRPr>
+            </a:p>
+          </p:txBody>
+        </p:sp>
+      </p:grpSp>
+      <p:sp>
+        <p:nvSpPr>
+          <p:cNvPr id="36" name="직사각형 35"/>
+          <p:cNvSpPr/>
+          <p:nvPr/>
+        </p:nvSpPr>
+        <p:spPr>
+          <a:xfrm>
+            <a:off x="7850659" y="65903"/>
+            <a:ext cx="1293341" cy="341870"/>
+          </a:xfrm>
+          <a:prstGeom prst="rect">
+            <a:avLst/>
+          </a:prstGeom>
+          <a:solidFill>
+            <a:srgbClr val="FDBBC1"/>
+          </a:solidFill>
+          <a:ln>
+            <a:noFill/>
+          </a:ln>
+        </p:spPr>
+        <p:style>
+          <a:lnRef idx="2">
+            <a:schemeClr val="accent1">
+              <a:shade val="50000"/>
+            </a:schemeClr>
+          </a:lnRef>
+          <a:fillRef idx="1">
+            <a:schemeClr val="accent1"/>
+          </a:fillRef>
+          <a:effectRef idx="0">
+            <a:schemeClr val="accent1"/>
+          </a:effectRef>
+          <a:fontRef idx="minor">
+            <a:schemeClr val="lt1"/>
+          </a:fontRef>
+        </p:style>
+        <p:txBody>
+          <a:bodyPr rtlCol="0" anchor="ctr"/>
+          <a:lstStyle/>
+          <a:p>
+            <a:pPr algn="ctr"/>
+            <a:r>
+              <a:rPr lang="en-US" altLang="ko-KR" sz="2400" dirty="0">
+                <a:solidFill>
+                  <a:prstClr val="white"/>
+                </a:solidFill>
+                <a:latin typeface="타이포_스톰 B" panose="02020503020101020101" pitchFamily="18" charset="-127"/>
+                <a:ea typeface="타이포_스톰 B" panose="02020503020101020101" pitchFamily="18" charset="-127"/>
+              </a:rPr>
+              <a:t>WEB</a:t>
+            </a:r>
+            <a:endParaRPr lang="ko-KR" altLang="en-US" sz="2400" dirty="0">
+              <a:solidFill>
+                <a:prstClr val="white"/>
+              </a:solidFill>
+              <a:latin typeface="타이포_스톰 B" panose="02020503020101020101" pitchFamily="18" charset="-127"/>
+              <a:ea typeface="타이포_스톰 B" panose="02020503020101020101" pitchFamily="18" charset="-127"/>
+            </a:endParaRPr>
+          </a:p>
+        </p:txBody>
+      </p:sp>
+      <p:sp>
+        <p:nvSpPr>
+          <p:cNvPr id="10" name="직사각형 9"/>
+          <p:cNvSpPr/>
+          <p:nvPr/>
+        </p:nvSpPr>
+        <p:spPr>
+          <a:xfrm>
+            <a:off x="0" y="65903"/>
+            <a:ext cx="6260758" cy="339258"/>
+          </a:xfrm>
+          <a:prstGeom prst="rect">
+            <a:avLst/>
+          </a:prstGeom>
+          <a:solidFill>
+            <a:srgbClr val="FDBBC1"/>
+          </a:solidFill>
+          <a:ln>
+            <a:noFill/>
+          </a:ln>
+        </p:spPr>
+        <p:style>
+          <a:lnRef idx="2">
+            <a:schemeClr val="accent1">
+              <a:shade val="50000"/>
+            </a:schemeClr>
+          </a:lnRef>
+          <a:fillRef idx="1">
+            <a:schemeClr val="accent1"/>
+          </a:fillRef>
+          <a:effectRef idx="0">
+            <a:schemeClr val="accent1"/>
+          </a:effectRef>
+          <a:fontRef idx="minor">
+            <a:schemeClr val="lt1"/>
+          </a:fontRef>
+        </p:style>
+        <p:txBody>
+          <a:bodyPr rtlCol="0" anchor="ctr"/>
+          <a:lstStyle/>
+          <a:p>
+            <a:r>
+              <a:rPr lang="en-US" altLang="ko-KR" sz="2000">
+                <a:solidFill>
+                  <a:prstClr val="black">
+                    <a:lumMod val="75000"/>
+                    <a:lumOff val="25000"/>
+                  </a:prstClr>
+                </a:solidFill>
+                <a:latin typeface="타이포_스톰 B" panose="02020503020101020101" pitchFamily="18" charset="-127"/>
+                <a:ea typeface="타이포_스톰 B" panose="02020503020101020101" pitchFamily="18" charset="-127"/>
+              </a:rPr>
+              <a:t>[</a:t>
+            </a:r>
+            <a:r>
+              <a:rPr lang="ko-KR" altLang="en-US" sz="2000">
+                <a:solidFill>
+                  <a:prstClr val="black">
+                    <a:lumMod val="75000"/>
+                    <a:lumOff val="25000"/>
+                  </a:prstClr>
+                </a:solidFill>
+                <a:latin typeface="타이포_스톰 B" panose="02020503020101020101" pitchFamily="18" charset="-127"/>
+                <a:ea typeface="타이포_스톰 B" panose="02020503020101020101" pitchFamily="18" charset="-127"/>
+              </a:rPr>
+              <a:t>화면구현</a:t>
+            </a:r>
+            <a:r>
+              <a:rPr lang="en-US" altLang="ko-KR" sz="2000">
+                <a:solidFill>
+                  <a:prstClr val="black">
+                    <a:lumMod val="75000"/>
+                    <a:lumOff val="25000"/>
+                  </a:prstClr>
+                </a:solidFill>
+                <a:latin typeface="타이포_스톰 B" panose="02020503020101020101" pitchFamily="18" charset="-127"/>
+                <a:ea typeface="타이포_스톰 B" panose="02020503020101020101" pitchFamily="18" charset="-127"/>
+              </a:rPr>
+              <a:t>]  </a:t>
+            </a:r>
+            <a:r>
+              <a:rPr lang="ko-KR" altLang="en-US" sz="2000">
+                <a:solidFill>
+                  <a:prstClr val="black">
+                    <a:lumMod val="75000"/>
+                    <a:lumOff val="25000"/>
+                  </a:prstClr>
+                </a:solidFill>
+                <a:latin typeface="타이포_스톰 B" panose="02020503020101020101" pitchFamily="18" charset="-127"/>
+                <a:ea typeface="타이포_스톰 B" panose="02020503020101020101" pitchFamily="18" charset="-127"/>
+              </a:rPr>
+              <a:t>간트차트</a:t>
+            </a:r>
+            <a:r>
+              <a:rPr lang="en-US" altLang="ko-KR" sz="2000">
+                <a:solidFill>
+                  <a:prstClr val="black">
+                    <a:lumMod val="75000"/>
+                    <a:lumOff val="25000"/>
+                  </a:prstClr>
+                </a:solidFill>
+                <a:latin typeface="타이포_스톰 B" panose="02020503020101020101" pitchFamily="18" charset="-127"/>
+                <a:ea typeface="타이포_스톰 B" panose="02020503020101020101" pitchFamily="18" charset="-127"/>
+              </a:rPr>
+              <a:t>(</a:t>
+            </a:r>
+            <a:r>
+              <a:rPr lang="ko-KR" altLang="en-US" sz="2000">
+                <a:solidFill>
+                  <a:prstClr val="black">
+                    <a:lumMod val="75000"/>
+                    <a:lumOff val="25000"/>
+                  </a:prstClr>
+                </a:solidFill>
+                <a:latin typeface="타이포_스톰 B" panose="02020503020101020101" pitchFamily="18" charset="-127"/>
+                <a:ea typeface="타이포_스톰 B" panose="02020503020101020101" pitchFamily="18" charset="-127"/>
+              </a:rPr>
+              <a:t>팀원</a:t>
+            </a:r>
+            <a:r>
+              <a:rPr lang="en-US" altLang="ko-KR" sz="2000">
+                <a:solidFill>
+                  <a:prstClr val="black">
+                    <a:lumMod val="75000"/>
+                    <a:lumOff val="25000"/>
+                  </a:prstClr>
+                </a:solidFill>
+                <a:latin typeface="타이포_스톰 B" panose="02020503020101020101" pitchFamily="18" charset="-127"/>
+                <a:ea typeface="타이포_스톰 B" panose="02020503020101020101" pitchFamily="18" charset="-127"/>
+              </a:rPr>
+              <a:t>)</a:t>
+            </a:r>
+            <a:endParaRPr lang="ko-KR" altLang="en-US" sz="2000" dirty="0">
+              <a:solidFill>
+                <a:prstClr val="black">
+                  <a:lumMod val="75000"/>
+                  <a:lumOff val="25000"/>
+                </a:prstClr>
+              </a:solidFill>
+              <a:latin typeface="타이포_스톰 B" panose="02020503020101020101" pitchFamily="18" charset="-127"/>
+              <a:ea typeface="타이포_스톰 B" panose="02020503020101020101" pitchFamily="18" charset="-127"/>
+            </a:endParaRPr>
+          </a:p>
+        </p:txBody>
+      </p:sp>
+      <p:pic>
+        <p:nvPicPr>
+          <p:cNvPr id="7" name="그림 6"/>
+          <p:cNvPicPr>
+            <a:picLocks noChangeAspect="1"/>
+          </p:cNvPicPr>
+          <p:nvPr/>
+        </p:nvPicPr>
+        <p:blipFill>
+          <a:blip r:embed="rId2">
+            <a:extLst>
+              <a:ext uri="{28A0092B-C50C-407E-A947-70E740481C1C}">
+                <a14:useLocalDpi xmlns:a14="http://schemas.microsoft.com/office/drawing/2010/main" val="0"/>
+              </a:ext>
+            </a:extLst>
+          </a:blip>
+          <a:stretch>
+            <a:fillRect/>
+          </a:stretch>
+        </p:blipFill>
+        <p:spPr>
+          <a:xfrm>
+            <a:off x="241200" y="1057525"/>
+            <a:ext cx="8640000" cy="3824945"/>
+          </a:xfrm>
+          <a:prstGeom prst="rect">
+            <a:avLst/>
+          </a:prstGeom>
+          <a:noFill/>
+          <a:ln>
+            <a:noFill/>
+          </a:ln>
+        </p:spPr>
+      </p:pic>
+      <p:pic>
+        <p:nvPicPr>
+          <p:cNvPr id="9" name="그림 8"/>
+          <p:cNvPicPr>
+            <a:picLocks noChangeAspect="1"/>
+          </p:cNvPicPr>
+          <p:nvPr/>
+        </p:nvPicPr>
+        <p:blipFill>
+          <a:blip r:embed="rId3">
+            <a:extLst>
+              <a:ext uri="{28A0092B-C50C-407E-A947-70E740481C1C}">
+                <a14:useLocalDpi xmlns:a14="http://schemas.microsoft.com/office/drawing/2010/main" val="0"/>
+              </a:ext>
+            </a:extLst>
+          </a:blip>
+          <a:stretch>
+            <a:fillRect/>
+          </a:stretch>
+        </p:blipFill>
+        <p:spPr>
+          <a:xfrm>
+            <a:off x="306604" y="2495617"/>
+            <a:ext cx="6754044" cy="875656"/>
+          </a:xfrm>
+          <a:prstGeom prst="rect">
+            <a:avLst/>
+          </a:prstGeom>
+          <a:ln w="19050">
+            <a:solidFill>
+              <a:srgbClr val="FF0000"/>
+            </a:solidFill>
+          </a:ln>
+        </p:spPr>
+      </p:pic>
+      <p:pic>
+        <p:nvPicPr>
+          <p:cNvPr id="11" name="그림 10"/>
+          <p:cNvPicPr>
+            <a:picLocks noChangeAspect="1"/>
+          </p:cNvPicPr>
+          <p:nvPr/>
+        </p:nvPicPr>
+        <p:blipFill>
+          <a:blip r:embed="rId4">
+            <a:extLst>
+              <a:ext uri="{28A0092B-C50C-407E-A947-70E740481C1C}">
+                <a14:useLocalDpi xmlns:a14="http://schemas.microsoft.com/office/drawing/2010/main" val="0"/>
+              </a:ext>
+            </a:extLst>
+          </a:blip>
+          <a:stretch>
+            <a:fillRect/>
+          </a:stretch>
+        </p:blipFill>
+        <p:spPr>
+          <a:xfrm>
+            <a:off x="306604" y="3470582"/>
+            <a:ext cx="6754044" cy="3025496"/>
+          </a:xfrm>
+          <a:prstGeom prst="rect">
+            <a:avLst/>
+          </a:prstGeom>
+          <a:ln w="19050">
+            <a:solidFill>
+              <a:srgbClr val="FF0000"/>
+            </a:solidFill>
+          </a:ln>
+        </p:spPr>
+      </p:pic>
+    </p:spTree>
+    <p:extLst>
+      <p:ext uri="{BB962C8B-B14F-4D97-AF65-F5344CB8AC3E}">
+        <p14:creationId xmlns:p14="http://schemas.microsoft.com/office/powerpoint/2010/main" val="2786265570"/>
+      </p:ext>
+    </p:extLst>
+  </p:cSld>
+  <p:clrMapOvr>
+    <a:masterClrMapping/>
+  </p:clrMapOvr>
+  <p:timing>
+    <p:tnLst>
+      <p:par>
+        <p:cTn id="1" dur="indefinite" restart="never" nodeType="tmRoot"/>
+      </p:par>
+    </p:tnLst>
+  </p:timing>
+</p:sld>
+</file>
+
+<file path=ppt/slides/slide19.xml><?xml version="1.0" encoding="utf-8"?>
+<p:sld xmlns:a="http://schemas.openxmlformats.org/drawingml/2006/main" xmlns:r="http://schemas.openxmlformats.org/officeDocument/2006/relationships" xmlns:p="http://schemas.openxmlformats.org/presentationml/2006/main">
+  <p:cSld>
+    <p:spTree>
+      <p:nvGrpSpPr>
+        <p:cNvPr id="1" name=""/>
+        <p:cNvGrpSpPr/>
+        <p:nvPr/>
+      </p:nvGrpSpPr>
+      <p:grpSpPr>
+        <a:xfrm>
+          <a:off x="0" y="0"/>
+          <a:ext cx="0" cy="0"/>
+          <a:chOff x="0" y="0"/>
+          <a:chExt cx="0" cy="0"/>
+        </a:xfrm>
+      </p:grpSpPr>
+      <p:grpSp>
+        <p:nvGrpSpPr>
+          <p:cNvPr id="35" name="그룹 34"/>
+          <p:cNvGrpSpPr/>
+          <p:nvPr/>
+        </p:nvGrpSpPr>
+        <p:grpSpPr>
+          <a:xfrm>
+            <a:off x="0" y="441033"/>
+            <a:ext cx="9144000" cy="6380205"/>
+            <a:chOff x="0" y="477795"/>
+            <a:chExt cx="9144000" cy="6380205"/>
+          </a:xfrm>
+        </p:grpSpPr>
+        <p:sp>
+          <p:nvSpPr>
+            <p:cNvPr id="3" name="직사각형 2"/>
+            <p:cNvSpPr/>
+            <p:nvPr/>
+          </p:nvSpPr>
+          <p:spPr>
+            <a:xfrm>
+              <a:off x="0" y="477795"/>
+              <a:ext cx="9144000" cy="6380205"/>
+            </a:xfrm>
+            <a:prstGeom prst="rect">
+              <a:avLst/>
+            </a:prstGeom>
+            <a:solidFill>
+              <a:srgbClr val="94C3BB"/>
+            </a:solidFill>
+            <a:ln>
+              <a:noFill/>
+            </a:ln>
+          </p:spPr>
+          <p:style>
+            <a:lnRef idx="2">
+              <a:schemeClr val="accent1">
+                <a:shade val="50000"/>
+              </a:schemeClr>
+            </a:lnRef>
+            <a:fillRef idx="1">
+              <a:schemeClr val="accent1"/>
+            </a:fillRef>
+            <a:effectRef idx="0">
+              <a:schemeClr val="accent1"/>
+            </a:effectRef>
+            <a:fontRef idx="minor">
+              <a:schemeClr val="lt1"/>
+            </a:fontRef>
+          </p:style>
+          <p:txBody>
+            <a:bodyPr rtlCol="0" anchor="ctr"/>
+            <a:lstStyle/>
+            <a:p>
+              <a:pPr algn="ctr"/>
+              <a:endParaRPr lang="ko-KR" altLang="en-US">
+                <a:solidFill>
+                  <a:prstClr val="white"/>
+                </a:solidFill>
+              </a:endParaRPr>
+            </a:p>
+          </p:txBody>
+        </p:sp>
+        <p:sp>
+          <p:nvSpPr>
+            <p:cNvPr id="6" name="직사각형 5"/>
+            <p:cNvSpPr/>
+            <p:nvPr/>
+          </p:nvSpPr>
+          <p:spPr>
+            <a:xfrm>
+              <a:off x="57666" y="557150"/>
+              <a:ext cx="9020432" cy="6230828"/>
+            </a:xfrm>
+            <a:prstGeom prst="rect">
+              <a:avLst/>
+            </a:prstGeom>
+            <a:solidFill>
+              <a:schemeClr val="bg1"/>
+            </a:solidFill>
+            <a:ln>
+              <a:noFill/>
+            </a:ln>
+          </p:spPr>
+          <p:style>
+            <a:lnRef idx="2">
+              <a:schemeClr val="accent1">
+                <a:shade val="50000"/>
+              </a:schemeClr>
+            </a:lnRef>
+            <a:fillRef idx="1">
+              <a:schemeClr val="accent1"/>
+            </a:fillRef>
+            <a:effectRef idx="0">
+              <a:schemeClr val="accent1"/>
+            </a:effectRef>
+            <a:fontRef idx="minor">
+              <a:schemeClr val="lt1"/>
+            </a:fontRef>
+          </p:style>
+          <p:txBody>
+            <a:bodyPr rtlCol="0" anchor="ctr"/>
+            <a:lstStyle/>
+            <a:p>
+              <a:pPr algn="ctr"/>
+              <a:r>
+                <a:rPr lang="ko-KR" altLang="en-US" dirty="0" smtClean="0">
+                  <a:solidFill>
+                    <a:schemeClr val="bg2">
+                      <a:lumMod val="50000"/>
+                    </a:schemeClr>
+                  </a:solidFill>
+                </a:rPr>
+                <a:t>웹 화면</a:t>
+              </a:r>
+              <a:r>
+                <a:rPr lang="en-US" altLang="ko-KR" dirty="0" smtClean="0">
+                  <a:solidFill>
+                    <a:schemeClr val="bg2">
+                      <a:lumMod val="50000"/>
+                    </a:schemeClr>
+                  </a:solidFill>
+                </a:rPr>
+                <a:t>/</a:t>
+              </a:r>
+              <a:r>
+                <a:rPr lang="ko-KR" altLang="en-US" dirty="0" smtClean="0">
+                  <a:solidFill>
+                    <a:schemeClr val="bg2">
+                      <a:lumMod val="50000"/>
+                    </a:schemeClr>
+                  </a:solidFill>
+                </a:rPr>
+                <a:t>핵심코드</a:t>
+              </a:r>
+              <a:endParaRPr lang="ko-KR" altLang="en-US" dirty="0">
+                <a:solidFill>
+                  <a:schemeClr val="bg2">
+                    <a:lumMod val="50000"/>
+                  </a:schemeClr>
+                </a:solidFill>
+              </a:endParaRPr>
+            </a:p>
+          </p:txBody>
+        </p:sp>
+      </p:grpSp>
+      <p:sp>
+        <p:nvSpPr>
+          <p:cNvPr id="36" name="직사각형 35"/>
+          <p:cNvSpPr/>
+          <p:nvPr/>
+        </p:nvSpPr>
+        <p:spPr>
+          <a:xfrm>
+            <a:off x="7850659" y="65903"/>
+            <a:ext cx="1293341" cy="341870"/>
+          </a:xfrm>
+          <a:prstGeom prst="rect">
+            <a:avLst/>
+          </a:prstGeom>
+          <a:solidFill>
+            <a:srgbClr val="FDBBC1"/>
+          </a:solidFill>
+          <a:ln>
+            <a:noFill/>
+          </a:ln>
+        </p:spPr>
+        <p:style>
+          <a:lnRef idx="2">
+            <a:schemeClr val="accent1">
+              <a:shade val="50000"/>
+            </a:schemeClr>
+          </a:lnRef>
+          <a:fillRef idx="1">
+            <a:schemeClr val="accent1"/>
+          </a:fillRef>
+          <a:effectRef idx="0">
+            <a:schemeClr val="accent1"/>
+          </a:effectRef>
+          <a:fontRef idx="minor">
+            <a:schemeClr val="lt1"/>
+          </a:fontRef>
+        </p:style>
+        <p:txBody>
+          <a:bodyPr rtlCol="0" anchor="ctr"/>
+          <a:lstStyle/>
+          <a:p>
+            <a:pPr algn="ctr"/>
+            <a:r>
+              <a:rPr lang="en-US" altLang="ko-KR" sz="2400" dirty="0">
+                <a:solidFill>
+                  <a:prstClr val="white"/>
+                </a:solidFill>
+                <a:latin typeface="타이포_스톰 B" panose="02020503020101020101" pitchFamily="18" charset="-127"/>
+                <a:ea typeface="타이포_스톰 B" panose="02020503020101020101" pitchFamily="18" charset="-127"/>
+              </a:rPr>
+              <a:t>WEB</a:t>
+            </a:r>
+            <a:endParaRPr lang="ko-KR" altLang="en-US" sz="2400" dirty="0">
+              <a:solidFill>
+                <a:prstClr val="white"/>
+              </a:solidFill>
+              <a:latin typeface="타이포_스톰 B" panose="02020503020101020101" pitchFamily="18" charset="-127"/>
+              <a:ea typeface="타이포_스톰 B" panose="02020503020101020101" pitchFamily="18" charset="-127"/>
+            </a:endParaRPr>
+          </a:p>
+        </p:txBody>
+      </p:sp>
+      <p:sp>
+        <p:nvSpPr>
+          <p:cNvPr id="10" name="직사각형 9"/>
+          <p:cNvSpPr/>
+          <p:nvPr/>
+        </p:nvSpPr>
+        <p:spPr>
+          <a:xfrm>
+            <a:off x="0" y="65903"/>
+            <a:ext cx="6260758" cy="339258"/>
+          </a:xfrm>
+          <a:prstGeom prst="rect">
+            <a:avLst/>
+          </a:prstGeom>
+          <a:solidFill>
+            <a:srgbClr val="FDBBC1"/>
+          </a:solidFill>
+          <a:ln>
+            <a:noFill/>
+          </a:ln>
+        </p:spPr>
+        <p:style>
+          <a:lnRef idx="2">
+            <a:schemeClr val="accent1">
+              <a:shade val="50000"/>
+            </a:schemeClr>
+          </a:lnRef>
+          <a:fillRef idx="1">
+            <a:schemeClr val="accent1"/>
+          </a:fillRef>
+          <a:effectRef idx="0">
+            <a:schemeClr val="accent1"/>
+          </a:effectRef>
+          <a:fontRef idx="minor">
+            <a:schemeClr val="lt1"/>
+          </a:fontRef>
+        </p:style>
+        <p:txBody>
+          <a:bodyPr rtlCol="0" anchor="ctr"/>
+          <a:lstStyle/>
+          <a:p>
+            <a:r>
+              <a:rPr lang="en-US" altLang="ko-KR" sz="2000">
+                <a:solidFill>
+                  <a:prstClr val="black">
+                    <a:lumMod val="75000"/>
+                    <a:lumOff val="25000"/>
+                  </a:prstClr>
+                </a:solidFill>
+                <a:latin typeface="타이포_스톰 B" panose="02020503020101020101" pitchFamily="18" charset="-127"/>
+                <a:ea typeface="타이포_스톰 B" panose="02020503020101020101" pitchFamily="18" charset="-127"/>
+              </a:rPr>
+              <a:t>[</a:t>
+            </a:r>
+            <a:r>
+              <a:rPr lang="ko-KR" altLang="en-US" sz="2000">
+                <a:solidFill>
+                  <a:prstClr val="black">
+                    <a:lumMod val="75000"/>
+                    <a:lumOff val="25000"/>
+                  </a:prstClr>
+                </a:solidFill>
+                <a:latin typeface="타이포_스톰 B" panose="02020503020101020101" pitchFamily="18" charset="-127"/>
+                <a:ea typeface="타이포_스톰 B" panose="02020503020101020101" pitchFamily="18" charset="-127"/>
+              </a:rPr>
+              <a:t>화면구현</a:t>
+            </a:r>
+            <a:r>
+              <a:rPr lang="en-US" altLang="ko-KR" sz="2000">
+                <a:solidFill>
+                  <a:prstClr val="black">
+                    <a:lumMod val="75000"/>
+                    <a:lumOff val="25000"/>
+                  </a:prstClr>
+                </a:solidFill>
+                <a:latin typeface="타이포_스톰 B" panose="02020503020101020101" pitchFamily="18" charset="-127"/>
+                <a:ea typeface="타이포_스톰 B" panose="02020503020101020101" pitchFamily="18" charset="-127"/>
+              </a:rPr>
+              <a:t>]  </a:t>
+            </a:r>
+            <a:r>
+              <a:rPr lang="ko-KR" altLang="en-US" sz="2000">
+                <a:solidFill>
+                  <a:prstClr val="black">
+                    <a:lumMod val="75000"/>
+                    <a:lumOff val="25000"/>
+                  </a:prstClr>
+                </a:solidFill>
+                <a:latin typeface="타이포_스톰 B" panose="02020503020101020101" pitchFamily="18" charset="-127"/>
+                <a:ea typeface="타이포_스톰 B" panose="02020503020101020101" pitchFamily="18" charset="-127"/>
+              </a:rPr>
+              <a:t>간트차트</a:t>
+            </a:r>
+            <a:r>
+              <a:rPr lang="en-US" altLang="ko-KR" sz="2000">
+                <a:solidFill>
+                  <a:prstClr val="black">
+                    <a:lumMod val="75000"/>
+                    <a:lumOff val="25000"/>
+                  </a:prstClr>
+                </a:solidFill>
+                <a:latin typeface="타이포_스톰 B" panose="02020503020101020101" pitchFamily="18" charset="-127"/>
+                <a:ea typeface="타이포_스톰 B" panose="02020503020101020101" pitchFamily="18" charset="-127"/>
+              </a:rPr>
+              <a:t>(</a:t>
+            </a:r>
+            <a:r>
+              <a:rPr lang="ko-KR" altLang="en-US" sz="2000">
+                <a:solidFill>
+                  <a:prstClr val="black">
+                    <a:lumMod val="75000"/>
+                    <a:lumOff val="25000"/>
+                  </a:prstClr>
+                </a:solidFill>
+                <a:latin typeface="타이포_스톰 B" panose="02020503020101020101" pitchFamily="18" charset="-127"/>
+                <a:ea typeface="타이포_스톰 B" panose="02020503020101020101" pitchFamily="18" charset="-127"/>
+              </a:rPr>
+              <a:t>팀원</a:t>
+            </a:r>
+            <a:r>
+              <a:rPr lang="en-US" altLang="ko-KR" sz="2000">
+                <a:solidFill>
+                  <a:prstClr val="black">
+                    <a:lumMod val="75000"/>
+                    <a:lumOff val="25000"/>
+                  </a:prstClr>
+                </a:solidFill>
+                <a:latin typeface="타이포_스톰 B" panose="02020503020101020101" pitchFamily="18" charset="-127"/>
+                <a:ea typeface="타이포_스톰 B" panose="02020503020101020101" pitchFamily="18" charset="-127"/>
+              </a:rPr>
+              <a:t>)</a:t>
+            </a:r>
+            <a:endParaRPr lang="ko-KR" altLang="en-US" sz="2000" dirty="0">
+              <a:solidFill>
+                <a:prstClr val="black">
+                  <a:lumMod val="75000"/>
+                  <a:lumOff val="25000"/>
+                </a:prstClr>
+              </a:solidFill>
+              <a:latin typeface="타이포_스톰 B" panose="02020503020101020101" pitchFamily="18" charset="-127"/>
+              <a:ea typeface="타이포_스톰 B" panose="02020503020101020101" pitchFamily="18" charset="-127"/>
+            </a:endParaRPr>
+          </a:p>
+        </p:txBody>
+      </p:sp>
+      <p:pic>
+        <p:nvPicPr>
+          <p:cNvPr id="7" name="그림 6"/>
+          <p:cNvPicPr>
+            <a:picLocks noChangeAspect="1"/>
+          </p:cNvPicPr>
+          <p:nvPr/>
+        </p:nvPicPr>
+        <p:blipFill>
+          <a:blip r:embed="rId2">
+            <a:extLst>
+              <a:ext uri="{28A0092B-C50C-407E-A947-70E740481C1C}">
+                <a14:useLocalDpi xmlns:a14="http://schemas.microsoft.com/office/drawing/2010/main" val="0"/>
+              </a:ext>
+            </a:extLst>
+          </a:blip>
+          <a:stretch>
+            <a:fillRect/>
+          </a:stretch>
+        </p:blipFill>
+        <p:spPr>
+          <a:xfrm>
+            <a:off x="241200" y="1057525"/>
+            <a:ext cx="8640000" cy="3824945"/>
+          </a:xfrm>
+          <a:prstGeom prst="rect">
+            <a:avLst/>
+          </a:prstGeom>
+          <a:noFill/>
+          <a:ln>
+            <a:noFill/>
+          </a:ln>
+        </p:spPr>
+      </p:pic>
+      <p:pic>
+        <p:nvPicPr>
+          <p:cNvPr id="8" name="그림 7"/>
+          <p:cNvPicPr>
+            <a:picLocks noChangeAspect="1"/>
+          </p:cNvPicPr>
+          <p:nvPr/>
+        </p:nvPicPr>
+        <p:blipFill>
+          <a:blip r:embed="rId3">
+            <a:extLst>
+              <a:ext uri="{28A0092B-C50C-407E-A947-70E740481C1C}">
+                <a14:useLocalDpi xmlns:a14="http://schemas.microsoft.com/office/drawing/2010/main" val="0"/>
+              </a:ext>
+            </a:extLst>
+          </a:blip>
+          <a:stretch>
+            <a:fillRect/>
+          </a:stretch>
+        </p:blipFill>
+        <p:spPr>
+          <a:xfrm>
+            <a:off x="4589508" y="5603084"/>
+            <a:ext cx="4217904" cy="911241"/>
+          </a:xfrm>
+          <a:prstGeom prst="rect">
+            <a:avLst/>
+          </a:prstGeom>
+          <a:ln w="19050">
+            <a:solidFill>
+              <a:srgbClr val="FF0000"/>
+            </a:solidFill>
+          </a:ln>
+        </p:spPr>
+      </p:pic>
+      <p:pic>
+        <p:nvPicPr>
+          <p:cNvPr id="9" name="그림 8"/>
+          <p:cNvPicPr>
+            <a:picLocks noChangeAspect="1"/>
+          </p:cNvPicPr>
+          <p:nvPr/>
+        </p:nvPicPr>
+        <p:blipFill>
+          <a:blip r:embed="rId4">
+            <a:extLst>
+              <a:ext uri="{28A0092B-C50C-407E-A947-70E740481C1C}">
+                <a14:useLocalDpi xmlns:a14="http://schemas.microsoft.com/office/drawing/2010/main" val="0"/>
+              </a:ext>
+            </a:extLst>
+          </a:blip>
+          <a:stretch>
+            <a:fillRect/>
+          </a:stretch>
+        </p:blipFill>
+        <p:spPr>
+          <a:xfrm>
+            <a:off x="3418510" y="874825"/>
+            <a:ext cx="5379491" cy="2215941"/>
+          </a:xfrm>
+          <a:prstGeom prst="rect">
+            <a:avLst/>
+          </a:prstGeom>
+          <a:ln w="19050">
+            <a:solidFill>
+              <a:srgbClr val="FF0000"/>
+            </a:solidFill>
+          </a:ln>
+        </p:spPr>
+      </p:pic>
+      <p:pic>
+        <p:nvPicPr>
+          <p:cNvPr id="12" name="그림 11"/>
+          <p:cNvPicPr>
+            <a:picLocks noChangeAspect="1"/>
+          </p:cNvPicPr>
+          <p:nvPr/>
+        </p:nvPicPr>
+        <p:blipFill>
+          <a:blip r:embed="rId5">
+            <a:extLst>
+              <a:ext uri="{28A0092B-C50C-407E-A947-70E740481C1C}">
+                <a14:useLocalDpi xmlns:a14="http://schemas.microsoft.com/office/drawing/2010/main" val="0"/>
+              </a:ext>
+            </a:extLst>
+          </a:blip>
+          <a:stretch>
+            <a:fillRect/>
+          </a:stretch>
+        </p:blipFill>
+        <p:spPr>
+          <a:xfrm>
+            <a:off x="3418510" y="3225426"/>
+            <a:ext cx="5388902" cy="2325629"/>
+          </a:xfrm>
+          <a:prstGeom prst="rect">
+            <a:avLst/>
+          </a:prstGeom>
+          <a:ln w="19050">
+            <a:solidFill>
+              <a:srgbClr val="FF0000"/>
+            </a:solidFill>
+          </a:ln>
+        </p:spPr>
+      </p:pic>
+      <p:sp>
+        <p:nvSpPr>
+          <p:cNvPr id="13" name="직사각형 12"/>
+          <p:cNvSpPr/>
+          <p:nvPr/>
+        </p:nvSpPr>
+        <p:spPr>
+          <a:xfrm>
+            <a:off x="5263374" y="2194127"/>
+            <a:ext cx="3534627" cy="725428"/>
+          </a:xfrm>
+          <a:prstGeom prst="rect">
+            <a:avLst/>
+          </a:prstGeom>
+          <a:noFill/>
+          <a:ln>
+            <a:noFill/>
+          </a:ln>
+        </p:spPr>
+        <p:style>
+          <a:lnRef idx="2">
+            <a:schemeClr val="accent1">
+              <a:shade val="50000"/>
+            </a:schemeClr>
+          </a:lnRef>
+          <a:fillRef idx="1">
+            <a:schemeClr val="accent1"/>
+          </a:fillRef>
+          <a:effectRef idx="0">
+            <a:schemeClr val="accent1"/>
+          </a:effectRef>
+          <a:fontRef idx="minor">
+            <a:schemeClr val="lt1"/>
+          </a:fontRef>
+        </p:style>
+        <p:txBody>
+          <a:bodyPr rtlCol="0" anchor="ctr"/>
+          <a:lstStyle/>
+          <a:p>
+            <a:r>
+              <a:rPr lang="ko-KR" altLang="en-US" sz="1400" smtClean="0">
+                <a:solidFill>
+                  <a:prstClr val="black">
+                    <a:lumMod val="75000"/>
+                    <a:lumOff val="25000"/>
+                  </a:prstClr>
+                </a:solidFill>
+                <a:latin typeface="타이포_스톰 B" panose="02020503020101020101" pitchFamily="18" charset="-127"/>
+                <a:ea typeface="타이포_스톰 B" panose="02020503020101020101" pitchFamily="18" charset="-127"/>
+              </a:rPr>
+              <a:t>위쪽은 할당된 업무의 상위업무</a:t>
+            </a:r>
+            <a:endParaRPr lang="en-US" altLang="ko-KR" sz="1400" smtClean="0">
+              <a:solidFill>
+                <a:prstClr val="black">
+                  <a:lumMod val="75000"/>
+                  <a:lumOff val="25000"/>
+                </a:prstClr>
+              </a:solidFill>
+              <a:latin typeface="타이포_스톰 B" panose="02020503020101020101" pitchFamily="18" charset="-127"/>
+              <a:ea typeface="타이포_스톰 B" panose="02020503020101020101" pitchFamily="18" charset="-127"/>
+            </a:endParaRPr>
+          </a:p>
+          <a:p>
+            <a:r>
+              <a:rPr lang="ko-KR" altLang="en-US" sz="1400" smtClean="0">
+                <a:solidFill>
+                  <a:prstClr val="black">
+                    <a:lumMod val="75000"/>
+                    <a:lumOff val="25000"/>
+                  </a:prstClr>
+                </a:solidFill>
+                <a:latin typeface="타이포_스톰 B" panose="02020503020101020101" pitchFamily="18" charset="-127"/>
+                <a:ea typeface="타이포_스톰 B" panose="02020503020101020101" pitchFamily="18" charset="-127"/>
+              </a:rPr>
+              <a:t>아래쪽은 본인에게 할당된 업무</a:t>
+            </a:r>
+            <a:endParaRPr lang="en-US" altLang="ko-KR" sz="1400" smtClean="0">
+              <a:solidFill>
+                <a:prstClr val="black">
+                  <a:lumMod val="75000"/>
+                  <a:lumOff val="25000"/>
+                </a:prstClr>
+              </a:solidFill>
+              <a:latin typeface="타이포_스톰 B" panose="02020503020101020101" pitchFamily="18" charset="-127"/>
+              <a:ea typeface="타이포_스톰 B" panose="02020503020101020101" pitchFamily="18" charset="-127"/>
+            </a:endParaRPr>
+          </a:p>
+          <a:p>
+            <a:r>
+              <a:rPr lang="ko-KR" altLang="en-US" sz="1400" smtClean="0">
+                <a:solidFill>
+                  <a:prstClr val="black">
+                    <a:lumMod val="75000"/>
+                    <a:lumOff val="25000"/>
+                  </a:prstClr>
+                </a:solidFill>
+                <a:latin typeface="타이포_스톰 B" panose="02020503020101020101" pitchFamily="18" charset="-127"/>
+                <a:ea typeface="타이포_스톰 B" panose="02020503020101020101" pitchFamily="18" charset="-127"/>
+              </a:rPr>
+              <a:t>두 </a:t>
+            </a:r>
+            <a:r>
+              <a:rPr lang="en-US" altLang="ko-KR" sz="1400" smtClean="0">
+                <a:solidFill>
+                  <a:prstClr val="black">
+                    <a:lumMod val="75000"/>
+                    <a:lumOff val="25000"/>
+                  </a:prstClr>
+                </a:solidFill>
+                <a:latin typeface="타이포_스톰 B" panose="02020503020101020101" pitchFamily="18" charset="-127"/>
+                <a:ea typeface="타이포_스톰 B" panose="02020503020101020101" pitchFamily="18" charset="-127"/>
+              </a:rPr>
+              <a:t>SQL</a:t>
+            </a:r>
+            <a:r>
+              <a:rPr lang="ko-KR" altLang="en-US" sz="1400" smtClean="0">
+                <a:solidFill>
+                  <a:prstClr val="black">
+                    <a:lumMod val="75000"/>
+                    <a:lumOff val="25000"/>
+                  </a:prstClr>
+                </a:solidFill>
+                <a:latin typeface="타이포_스톰 B" panose="02020503020101020101" pitchFamily="18" charset="-127"/>
+                <a:ea typeface="타이포_스톰 B" panose="02020503020101020101" pitchFamily="18" charset="-127"/>
+              </a:rPr>
+              <a:t>문을 </a:t>
+            </a:r>
+            <a:r>
+              <a:rPr lang="en-US" altLang="ko-KR" sz="1400" smtClean="0">
+                <a:solidFill>
+                  <a:prstClr val="black">
+                    <a:lumMod val="75000"/>
+                    <a:lumOff val="25000"/>
+                  </a:prstClr>
+                </a:solidFill>
+                <a:latin typeface="타이포_스톰 B" panose="02020503020101020101" pitchFamily="18" charset="-127"/>
+                <a:ea typeface="타이포_스톰 B" panose="02020503020101020101" pitchFamily="18" charset="-127"/>
+              </a:rPr>
+              <a:t>UNION ALL</a:t>
+            </a:r>
+            <a:endParaRPr lang="ko-KR" altLang="en-US" sz="1400" dirty="0">
+              <a:solidFill>
+                <a:prstClr val="black">
+                  <a:lumMod val="75000"/>
+                  <a:lumOff val="25000"/>
+                </a:prstClr>
+              </a:solidFill>
+              <a:latin typeface="타이포_스톰 B" panose="02020503020101020101" pitchFamily="18" charset="-127"/>
+              <a:ea typeface="타이포_스톰 B" panose="02020503020101020101" pitchFamily="18" charset="-127"/>
+            </a:endParaRPr>
+          </a:p>
+        </p:txBody>
+      </p:sp>
+      <p:sp>
+        <p:nvSpPr>
+          <p:cNvPr id="14" name="직사각형 13"/>
+          <p:cNvSpPr/>
+          <p:nvPr/>
+        </p:nvSpPr>
+        <p:spPr>
+          <a:xfrm>
+            <a:off x="6713693" y="5898477"/>
+            <a:ext cx="2151385" cy="505316"/>
+          </a:xfrm>
+          <a:prstGeom prst="rect">
+            <a:avLst/>
+          </a:prstGeom>
+          <a:noFill/>
+          <a:ln>
+            <a:noFill/>
+          </a:ln>
+        </p:spPr>
+        <p:style>
+          <a:lnRef idx="2">
+            <a:schemeClr val="accent1">
+              <a:shade val="50000"/>
+            </a:schemeClr>
+          </a:lnRef>
+          <a:fillRef idx="1">
+            <a:schemeClr val="accent1"/>
+          </a:fillRef>
+          <a:effectRef idx="0">
+            <a:schemeClr val="accent1"/>
+          </a:effectRef>
+          <a:fontRef idx="minor">
+            <a:schemeClr val="lt1"/>
+          </a:fontRef>
+        </p:style>
+        <p:txBody>
+          <a:bodyPr rtlCol="0" anchor="ctr"/>
+          <a:lstStyle/>
+          <a:p>
+            <a:r>
+              <a:rPr lang="ko-KR" altLang="en-US" sz="1400" smtClean="0">
+                <a:solidFill>
+                  <a:prstClr val="black">
+                    <a:lumMod val="75000"/>
+                    <a:lumOff val="25000"/>
+                  </a:prstClr>
+                </a:solidFill>
+                <a:latin typeface="타이포_스톰 B" panose="02020503020101020101" pitchFamily="18" charset="-127"/>
+                <a:ea typeface="타이포_스톰 B" panose="02020503020101020101" pitchFamily="18" charset="-127"/>
+              </a:rPr>
+              <a:t>자신에게 할당된 업무의 </a:t>
+            </a:r>
+            <a:endParaRPr lang="en-US" altLang="ko-KR" sz="1400" smtClean="0">
+              <a:solidFill>
+                <a:prstClr val="black">
+                  <a:lumMod val="75000"/>
+                  <a:lumOff val="25000"/>
+                </a:prstClr>
+              </a:solidFill>
+              <a:latin typeface="타이포_스톰 B" panose="02020503020101020101" pitchFamily="18" charset="-127"/>
+              <a:ea typeface="타이포_스톰 B" panose="02020503020101020101" pitchFamily="18" charset="-127"/>
+            </a:endParaRPr>
+          </a:p>
+          <a:p>
+            <a:r>
+              <a:rPr lang="ko-KR" altLang="en-US" sz="1400" smtClean="0">
+                <a:solidFill>
+                  <a:prstClr val="black">
+                    <a:lumMod val="75000"/>
+                    <a:lumOff val="25000"/>
+                  </a:prstClr>
+                </a:solidFill>
+                <a:latin typeface="타이포_스톰 B" panose="02020503020101020101" pitchFamily="18" charset="-127"/>
+                <a:ea typeface="타이포_스톰 B" panose="02020503020101020101" pitchFamily="18" charset="-127"/>
+              </a:rPr>
+              <a:t>상위업무번호 리스트 호출</a:t>
+            </a:r>
+            <a:endParaRPr lang="ko-KR" altLang="en-US" sz="1400" dirty="0">
+              <a:solidFill>
+                <a:prstClr val="black">
+                  <a:lumMod val="75000"/>
+                  <a:lumOff val="25000"/>
+                </a:prstClr>
+              </a:solidFill>
+              <a:latin typeface="타이포_스톰 B" panose="02020503020101020101" pitchFamily="18" charset="-127"/>
+              <a:ea typeface="타이포_스톰 B" panose="02020503020101020101" pitchFamily="18" charset="-127"/>
+            </a:endParaRPr>
+          </a:p>
+        </p:txBody>
+      </p:sp>
+    </p:spTree>
+    <p:extLst>
+      <p:ext uri="{BB962C8B-B14F-4D97-AF65-F5344CB8AC3E}">
+        <p14:creationId xmlns:p14="http://schemas.microsoft.com/office/powerpoint/2010/main" val="646818903"/>
       </p:ext>
     </p:extLst>
   </p:cSld>
@@ -5780,6 +10695,2030 @@
   <p:clrMapOvr>
     <a:masterClrMapping/>
   </p:clrMapOvr>
+</p:sld>
+</file>
+
+<file path=ppt/slides/slide20.xml><?xml version="1.0" encoding="utf-8"?>
+<p:sld xmlns:a="http://schemas.openxmlformats.org/drawingml/2006/main" xmlns:r="http://schemas.openxmlformats.org/officeDocument/2006/relationships" xmlns:p="http://schemas.openxmlformats.org/presentationml/2006/main">
+  <p:cSld>
+    <p:spTree>
+      <p:nvGrpSpPr>
+        <p:cNvPr id="1" name=""/>
+        <p:cNvGrpSpPr/>
+        <p:nvPr/>
+      </p:nvGrpSpPr>
+      <p:grpSpPr>
+        <a:xfrm>
+          <a:off x="0" y="0"/>
+          <a:ext cx="0" cy="0"/>
+          <a:chOff x="0" y="0"/>
+          <a:chExt cx="0" cy="0"/>
+        </a:xfrm>
+      </p:grpSpPr>
+      <p:grpSp>
+        <p:nvGrpSpPr>
+          <p:cNvPr id="35" name="그룹 34"/>
+          <p:cNvGrpSpPr/>
+          <p:nvPr/>
+        </p:nvGrpSpPr>
+        <p:grpSpPr>
+          <a:xfrm>
+            <a:off x="0" y="441033"/>
+            <a:ext cx="9144000" cy="6380205"/>
+            <a:chOff x="0" y="477795"/>
+            <a:chExt cx="9144000" cy="6380205"/>
+          </a:xfrm>
+        </p:grpSpPr>
+        <p:sp>
+          <p:nvSpPr>
+            <p:cNvPr id="3" name="직사각형 2"/>
+            <p:cNvSpPr/>
+            <p:nvPr/>
+          </p:nvSpPr>
+          <p:spPr>
+            <a:xfrm>
+              <a:off x="0" y="477795"/>
+              <a:ext cx="9144000" cy="6380205"/>
+            </a:xfrm>
+            <a:prstGeom prst="rect">
+              <a:avLst/>
+            </a:prstGeom>
+            <a:solidFill>
+              <a:srgbClr val="94C3BB"/>
+            </a:solidFill>
+            <a:ln>
+              <a:noFill/>
+            </a:ln>
+          </p:spPr>
+          <p:style>
+            <a:lnRef idx="2">
+              <a:schemeClr val="accent1">
+                <a:shade val="50000"/>
+              </a:schemeClr>
+            </a:lnRef>
+            <a:fillRef idx="1">
+              <a:schemeClr val="accent1"/>
+            </a:fillRef>
+            <a:effectRef idx="0">
+              <a:schemeClr val="accent1"/>
+            </a:effectRef>
+            <a:fontRef idx="minor">
+              <a:schemeClr val="lt1"/>
+            </a:fontRef>
+          </p:style>
+          <p:txBody>
+            <a:bodyPr rtlCol="0" anchor="ctr"/>
+            <a:lstStyle/>
+            <a:p>
+              <a:pPr algn="ctr"/>
+              <a:endParaRPr lang="ko-KR" altLang="en-US">
+                <a:solidFill>
+                  <a:prstClr val="white"/>
+                </a:solidFill>
+              </a:endParaRPr>
+            </a:p>
+          </p:txBody>
+        </p:sp>
+        <p:sp>
+          <p:nvSpPr>
+            <p:cNvPr id="6" name="직사각형 5"/>
+            <p:cNvSpPr/>
+            <p:nvPr/>
+          </p:nvSpPr>
+          <p:spPr>
+            <a:xfrm>
+              <a:off x="57666" y="557150"/>
+              <a:ext cx="9020432" cy="6230828"/>
+            </a:xfrm>
+            <a:prstGeom prst="rect">
+              <a:avLst/>
+            </a:prstGeom>
+            <a:solidFill>
+              <a:schemeClr val="bg1"/>
+            </a:solidFill>
+            <a:ln>
+              <a:noFill/>
+            </a:ln>
+          </p:spPr>
+          <p:style>
+            <a:lnRef idx="2">
+              <a:schemeClr val="accent1">
+                <a:shade val="50000"/>
+              </a:schemeClr>
+            </a:lnRef>
+            <a:fillRef idx="1">
+              <a:schemeClr val="accent1"/>
+            </a:fillRef>
+            <a:effectRef idx="0">
+              <a:schemeClr val="accent1"/>
+            </a:effectRef>
+            <a:fontRef idx="minor">
+              <a:schemeClr val="lt1"/>
+            </a:fontRef>
+          </p:style>
+          <p:txBody>
+            <a:bodyPr rtlCol="0" anchor="ctr"/>
+            <a:lstStyle/>
+            <a:p>
+              <a:pPr algn="ctr"/>
+              <a:r>
+                <a:rPr lang="ko-KR" altLang="en-US" dirty="0" smtClean="0">
+                  <a:solidFill>
+                    <a:schemeClr val="bg2">
+                      <a:lumMod val="50000"/>
+                    </a:schemeClr>
+                  </a:solidFill>
+                </a:rPr>
+                <a:t>웹 화면</a:t>
+              </a:r>
+              <a:r>
+                <a:rPr lang="en-US" altLang="ko-KR" dirty="0" smtClean="0">
+                  <a:solidFill>
+                    <a:schemeClr val="bg2">
+                      <a:lumMod val="50000"/>
+                    </a:schemeClr>
+                  </a:solidFill>
+                </a:rPr>
+                <a:t>/</a:t>
+              </a:r>
+              <a:r>
+                <a:rPr lang="ko-KR" altLang="en-US" dirty="0" smtClean="0">
+                  <a:solidFill>
+                    <a:schemeClr val="bg2">
+                      <a:lumMod val="50000"/>
+                    </a:schemeClr>
+                  </a:solidFill>
+                </a:rPr>
+                <a:t>핵심코드</a:t>
+              </a:r>
+              <a:endParaRPr lang="ko-KR" altLang="en-US" dirty="0">
+                <a:solidFill>
+                  <a:schemeClr val="bg2">
+                    <a:lumMod val="50000"/>
+                  </a:schemeClr>
+                </a:solidFill>
+              </a:endParaRPr>
+            </a:p>
+          </p:txBody>
+        </p:sp>
+      </p:grpSp>
+      <p:sp>
+        <p:nvSpPr>
+          <p:cNvPr id="36" name="직사각형 35"/>
+          <p:cNvSpPr/>
+          <p:nvPr/>
+        </p:nvSpPr>
+        <p:spPr>
+          <a:xfrm>
+            <a:off x="7850659" y="65903"/>
+            <a:ext cx="1293341" cy="341870"/>
+          </a:xfrm>
+          <a:prstGeom prst="rect">
+            <a:avLst/>
+          </a:prstGeom>
+          <a:solidFill>
+            <a:srgbClr val="FDBBC1"/>
+          </a:solidFill>
+          <a:ln>
+            <a:noFill/>
+          </a:ln>
+        </p:spPr>
+        <p:style>
+          <a:lnRef idx="2">
+            <a:schemeClr val="accent1">
+              <a:shade val="50000"/>
+            </a:schemeClr>
+          </a:lnRef>
+          <a:fillRef idx="1">
+            <a:schemeClr val="accent1"/>
+          </a:fillRef>
+          <a:effectRef idx="0">
+            <a:schemeClr val="accent1"/>
+          </a:effectRef>
+          <a:fontRef idx="minor">
+            <a:schemeClr val="lt1"/>
+          </a:fontRef>
+        </p:style>
+        <p:txBody>
+          <a:bodyPr rtlCol="0" anchor="ctr"/>
+          <a:lstStyle/>
+          <a:p>
+            <a:pPr algn="ctr"/>
+            <a:r>
+              <a:rPr lang="en-US" altLang="ko-KR" sz="2400" dirty="0">
+                <a:solidFill>
+                  <a:prstClr val="white"/>
+                </a:solidFill>
+                <a:latin typeface="타이포_스톰 B" panose="02020503020101020101" pitchFamily="18" charset="-127"/>
+                <a:ea typeface="타이포_스톰 B" panose="02020503020101020101" pitchFamily="18" charset="-127"/>
+              </a:rPr>
+              <a:t>WEB</a:t>
+            </a:r>
+            <a:endParaRPr lang="ko-KR" altLang="en-US" sz="2400" dirty="0">
+              <a:solidFill>
+                <a:prstClr val="white"/>
+              </a:solidFill>
+              <a:latin typeface="타이포_스톰 B" panose="02020503020101020101" pitchFamily="18" charset="-127"/>
+              <a:ea typeface="타이포_스톰 B" panose="02020503020101020101" pitchFamily="18" charset="-127"/>
+            </a:endParaRPr>
+          </a:p>
+        </p:txBody>
+      </p:sp>
+      <p:sp>
+        <p:nvSpPr>
+          <p:cNvPr id="10" name="직사각형 9"/>
+          <p:cNvSpPr/>
+          <p:nvPr/>
+        </p:nvSpPr>
+        <p:spPr>
+          <a:xfrm>
+            <a:off x="0" y="65903"/>
+            <a:ext cx="6260758" cy="339258"/>
+          </a:xfrm>
+          <a:prstGeom prst="rect">
+            <a:avLst/>
+          </a:prstGeom>
+          <a:solidFill>
+            <a:srgbClr val="FDBBC1"/>
+          </a:solidFill>
+          <a:ln>
+            <a:noFill/>
+          </a:ln>
+        </p:spPr>
+        <p:style>
+          <a:lnRef idx="2">
+            <a:schemeClr val="accent1">
+              <a:shade val="50000"/>
+            </a:schemeClr>
+          </a:lnRef>
+          <a:fillRef idx="1">
+            <a:schemeClr val="accent1"/>
+          </a:fillRef>
+          <a:effectRef idx="0">
+            <a:schemeClr val="accent1"/>
+          </a:effectRef>
+          <a:fontRef idx="minor">
+            <a:schemeClr val="lt1"/>
+          </a:fontRef>
+        </p:style>
+        <p:txBody>
+          <a:bodyPr rtlCol="0" anchor="ctr"/>
+          <a:lstStyle/>
+          <a:p>
+            <a:r>
+              <a:rPr lang="en-US" altLang="ko-KR" sz="2000">
+                <a:solidFill>
+                  <a:prstClr val="black">
+                    <a:lumMod val="75000"/>
+                    <a:lumOff val="25000"/>
+                  </a:prstClr>
+                </a:solidFill>
+                <a:latin typeface="타이포_스톰 B" panose="02020503020101020101" pitchFamily="18" charset="-127"/>
+                <a:ea typeface="타이포_스톰 B" panose="02020503020101020101" pitchFamily="18" charset="-127"/>
+              </a:rPr>
+              <a:t>[</a:t>
+            </a:r>
+            <a:r>
+              <a:rPr lang="ko-KR" altLang="en-US" sz="2000">
+                <a:solidFill>
+                  <a:prstClr val="black">
+                    <a:lumMod val="75000"/>
+                    <a:lumOff val="25000"/>
+                  </a:prstClr>
+                </a:solidFill>
+                <a:latin typeface="타이포_스톰 B" panose="02020503020101020101" pitchFamily="18" charset="-127"/>
+                <a:ea typeface="타이포_스톰 B" panose="02020503020101020101" pitchFamily="18" charset="-127"/>
+              </a:rPr>
+              <a:t>화면구현</a:t>
+            </a:r>
+            <a:r>
+              <a:rPr lang="en-US" altLang="ko-KR" sz="2000">
+                <a:solidFill>
+                  <a:prstClr val="black">
+                    <a:lumMod val="75000"/>
+                    <a:lumOff val="25000"/>
+                  </a:prstClr>
+                </a:solidFill>
+                <a:latin typeface="타이포_스톰 B" panose="02020503020101020101" pitchFamily="18" charset="-127"/>
+                <a:ea typeface="타이포_스톰 B" panose="02020503020101020101" pitchFamily="18" charset="-127"/>
+              </a:rPr>
+              <a:t>]  </a:t>
+            </a:r>
+            <a:r>
+              <a:rPr lang="ko-KR" altLang="en-US" sz="2000">
+                <a:solidFill>
+                  <a:prstClr val="black">
+                    <a:lumMod val="75000"/>
+                    <a:lumOff val="25000"/>
+                  </a:prstClr>
+                </a:solidFill>
+                <a:latin typeface="타이포_스톰 B" panose="02020503020101020101" pitchFamily="18" charset="-127"/>
+                <a:ea typeface="타이포_스톰 B" panose="02020503020101020101" pitchFamily="18" charset="-127"/>
+              </a:rPr>
+              <a:t>간트차트</a:t>
+            </a:r>
+            <a:r>
+              <a:rPr lang="en-US" altLang="ko-KR" sz="2000">
+                <a:solidFill>
+                  <a:prstClr val="black">
+                    <a:lumMod val="75000"/>
+                    <a:lumOff val="25000"/>
+                  </a:prstClr>
+                </a:solidFill>
+                <a:latin typeface="타이포_스톰 B" panose="02020503020101020101" pitchFamily="18" charset="-127"/>
+                <a:ea typeface="타이포_스톰 B" panose="02020503020101020101" pitchFamily="18" charset="-127"/>
+              </a:rPr>
+              <a:t>(</a:t>
+            </a:r>
+            <a:r>
+              <a:rPr lang="ko-KR" altLang="en-US" sz="2000">
+                <a:solidFill>
+                  <a:prstClr val="black">
+                    <a:lumMod val="75000"/>
+                    <a:lumOff val="25000"/>
+                  </a:prstClr>
+                </a:solidFill>
+                <a:latin typeface="타이포_스톰 B" panose="02020503020101020101" pitchFamily="18" charset="-127"/>
+                <a:ea typeface="타이포_스톰 B" panose="02020503020101020101" pitchFamily="18" charset="-127"/>
+              </a:rPr>
+              <a:t>팀원</a:t>
+            </a:r>
+            <a:r>
+              <a:rPr lang="en-US" altLang="ko-KR" sz="2000">
+                <a:solidFill>
+                  <a:prstClr val="black">
+                    <a:lumMod val="75000"/>
+                    <a:lumOff val="25000"/>
+                  </a:prstClr>
+                </a:solidFill>
+                <a:latin typeface="타이포_스톰 B" panose="02020503020101020101" pitchFamily="18" charset="-127"/>
+                <a:ea typeface="타이포_스톰 B" panose="02020503020101020101" pitchFamily="18" charset="-127"/>
+              </a:rPr>
+              <a:t>)</a:t>
+            </a:r>
+            <a:endParaRPr lang="ko-KR" altLang="en-US" sz="2000" dirty="0">
+              <a:solidFill>
+                <a:prstClr val="black">
+                  <a:lumMod val="75000"/>
+                  <a:lumOff val="25000"/>
+                </a:prstClr>
+              </a:solidFill>
+              <a:latin typeface="타이포_스톰 B" panose="02020503020101020101" pitchFamily="18" charset="-127"/>
+              <a:ea typeface="타이포_스톰 B" panose="02020503020101020101" pitchFamily="18" charset="-127"/>
+            </a:endParaRPr>
+          </a:p>
+        </p:txBody>
+      </p:sp>
+      <p:pic>
+        <p:nvPicPr>
+          <p:cNvPr id="7" name="그림 6"/>
+          <p:cNvPicPr>
+            <a:picLocks noChangeAspect="1"/>
+          </p:cNvPicPr>
+          <p:nvPr/>
+        </p:nvPicPr>
+        <p:blipFill>
+          <a:blip r:embed="rId2">
+            <a:extLst>
+              <a:ext uri="{28A0092B-C50C-407E-A947-70E740481C1C}">
+                <a14:useLocalDpi xmlns:a14="http://schemas.microsoft.com/office/drawing/2010/main" val="0"/>
+              </a:ext>
+            </a:extLst>
+          </a:blip>
+          <a:stretch>
+            <a:fillRect/>
+          </a:stretch>
+        </p:blipFill>
+        <p:spPr>
+          <a:xfrm>
+            <a:off x="241200" y="1057525"/>
+            <a:ext cx="8640000" cy="3824945"/>
+          </a:xfrm>
+          <a:prstGeom prst="rect">
+            <a:avLst/>
+          </a:prstGeom>
+          <a:noFill/>
+          <a:ln>
+            <a:noFill/>
+          </a:ln>
+        </p:spPr>
+      </p:pic>
+      <p:pic>
+        <p:nvPicPr>
+          <p:cNvPr id="5" name="그림 4"/>
+          <p:cNvPicPr>
+            <a:picLocks noChangeAspect="1"/>
+          </p:cNvPicPr>
+          <p:nvPr/>
+        </p:nvPicPr>
+        <p:blipFill>
+          <a:blip r:embed="rId3">
+            <a:extLst>
+              <a:ext uri="{28A0092B-C50C-407E-A947-70E740481C1C}">
+                <a14:useLocalDpi xmlns:a14="http://schemas.microsoft.com/office/drawing/2010/main" val="0"/>
+              </a:ext>
+            </a:extLst>
+          </a:blip>
+          <a:stretch>
+            <a:fillRect/>
+          </a:stretch>
+        </p:blipFill>
+        <p:spPr>
+          <a:xfrm>
+            <a:off x="5239914" y="2415193"/>
+            <a:ext cx="3619318" cy="974945"/>
+          </a:xfrm>
+          <a:prstGeom prst="rect">
+            <a:avLst/>
+          </a:prstGeom>
+          <a:ln w="19050">
+            <a:solidFill>
+              <a:srgbClr val="FF0000"/>
+            </a:solidFill>
+          </a:ln>
+        </p:spPr>
+      </p:pic>
+      <p:pic>
+        <p:nvPicPr>
+          <p:cNvPr id="9" name="그림 8"/>
+          <p:cNvPicPr>
+            <a:picLocks noChangeAspect="1"/>
+          </p:cNvPicPr>
+          <p:nvPr/>
+        </p:nvPicPr>
+        <p:blipFill>
+          <a:blip r:embed="rId4">
+            <a:extLst>
+              <a:ext uri="{28A0092B-C50C-407E-A947-70E740481C1C}">
+                <a14:useLocalDpi xmlns:a14="http://schemas.microsoft.com/office/drawing/2010/main" val="0"/>
+              </a:ext>
+            </a:extLst>
+          </a:blip>
+          <a:stretch>
+            <a:fillRect/>
+          </a:stretch>
+        </p:blipFill>
+        <p:spPr>
+          <a:xfrm>
+            <a:off x="5217946" y="6266830"/>
+            <a:ext cx="3663254" cy="225200"/>
+          </a:xfrm>
+          <a:prstGeom prst="rect">
+            <a:avLst/>
+          </a:prstGeom>
+          <a:ln w="19050">
+            <a:solidFill>
+              <a:srgbClr val="FF0000"/>
+            </a:solidFill>
+          </a:ln>
+        </p:spPr>
+      </p:pic>
+      <p:pic>
+        <p:nvPicPr>
+          <p:cNvPr id="21" name="그림 20"/>
+          <p:cNvPicPr>
+            <a:picLocks noChangeAspect="1"/>
+          </p:cNvPicPr>
+          <p:nvPr/>
+        </p:nvPicPr>
+        <p:blipFill>
+          <a:blip r:embed="rId5">
+            <a:extLst>
+              <a:ext uri="{28A0092B-C50C-407E-A947-70E740481C1C}">
+                <a14:useLocalDpi xmlns:a14="http://schemas.microsoft.com/office/drawing/2010/main" val="0"/>
+              </a:ext>
+            </a:extLst>
+          </a:blip>
+          <a:stretch>
+            <a:fillRect/>
+          </a:stretch>
+        </p:blipFill>
+        <p:spPr>
+          <a:xfrm>
+            <a:off x="5239914" y="3469493"/>
+            <a:ext cx="3619318" cy="2717982"/>
+          </a:xfrm>
+          <a:prstGeom prst="rect">
+            <a:avLst/>
+          </a:prstGeom>
+          <a:ln w="19050">
+            <a:solidFill>
+              <a:srgbClr val="FF0000"/>
+            </a:solidFill>
+          </a:ln>
+        </p:spPr>
+      </p:pic>
+    </p:spTree>
+    <p:extLst>
+      <p:ext uri="{BB962C8B-B14F-4D97-AF65-F5344CB8AC3E}">
+        <p14:creationId xmlns:p14="http://schemas.microsoft.com/office/powerpoint/2010/main" val="2170743590"/>
+      </p:ext>
+    </p:extLst>
+  </p:cSld>
+  <p:clrMapOvr>
+    <a:masterClrMapping/>
+  </p:clrMapOvr>
+  <p:timing>
+    <p:tnLst>
+      <p:par>
+        <p:cTn id="1" dur="indefinite" restart="never" nodeType="tmRoot"/>
+      </p:par>
+    </p:tnLst>
+  </p:timing>
+</p:sld>
+</file>
+
+<file path=ppt/slides/slide21.xml><?xml version="1.0" encoding="utf-8"?>
+<p:sld xmlns:a="http://schemas.openxmlformats.org/drawingml/2006/main" xmlns:r="http://schemas.openxmlformats.org/officeDocument/2006/relationships" xmlns:p="http://schemas.openxmlformats.org/presentationml/2006/main">
+  <p:cSld>
+    <p:spTree>
+      <p:nvGrpSpPr>
+        <p:cNvPr id="1" name=""/>
+        <p:cNvGrpSpPr/>
+        <p:nvPr/>
+      </p:nvGrpSpPr>
+      <p:grpSpPr>
+        <a:xfrm>
+          <a:off x="0" y="0"/>
+          <a:ext cx="0" cy="0"/>
+          <a:chOff x="0" y="0"/>
+          <a:chExt cx="0" cy="0"/>
+        </a:xfrm>
+      </p:grpSpPr>
+      <p:grpSp>
+        <p:nvGrpSpPr>
+          <p:cNvPr id="35" name="그룹 34"/>
+          <p:cNvGrpSpPr/>
+          <p:nvPr/>
+        </p:nvGrpSpPr>
+        <p:grpSpPr>
+          <a:xfrm>
+            <a:off x="0" y="441033"/>
+            <a:ext cx="9144000" cy="6380205"/>
+            <a:chOff x="0" y="477795"/>
+            <a:chExt cx="9144000" cy="6380205"/>
+          </a:xfrm>
+        </p:grpSpPr>
+        <p:sp>
+          <p:nvSpPr>
+            <p:cNvPr id="3" name="직사각형 2"/>
+            <p:cNvSpPr/>
+            <p:nvPr/>
+          </p:nvSpPr>
+          <p:spPr>
+            <a:xfrm>
+              <a:off x="0" y="477795"/>
+              <a:ext cx="9144000" cy="6380205"/>
+            </a:xfrm>
+            <a:prstGeom prst="rect">
+              <a:avLst/>
+            </a:prstGeom>
+            <a:solidFill>
+              <a:srgbClr val="94C3BB"/>
+            </a:solidFill>
+            <a:ln>
+              <a:noFill/>
+            </a:ln>
+          </p:spPr>
+          <p:style>
+            <a:lnRef idx="2">
+              <a:schemeClr val="accent1">
+                <a:shade val="50000"/>
+              </a:schemeClr>
+            </a:lnRef>
+            <a:fillRef idx="1">
+              <a:schemeClr val="accent1"/>
+            </a:fillRef>
+            <a:effectRef idx="0">
+              <a:schemeClr val="accent1"/>
+            </a:effectRef>
+            <a:fontRef idx="minor">
+              <a:schemeClr val="lt1"/>
+            </a:fontRef>
+          </p:style>
+          <p:txBody>
+            <a:bodyPr rtlCol="0" anchor="ctr"/>
+            <a:lstStyle/>
+            <a:p>
+              <a:pPr algn="ctr"/>
+              <a:endParaRPr lang="ko-KR" altLang="en-US">
+                <a:solidFill>
+                  <a:prstClr val="white"/>
+                </a:solidFill>
+              </a:endParaRPr>
+            </a:p>
+          </p:txBody>
+        </p:sp>
+        <p:sp>
+          <p:nvSpPr>
+            <p:cNvPr id="6" name="직사각형 5"/>
+            <p:cNvSpPr/>
+            <p:nvPr/>
+          </p:nvSpPr>
+          <p:spPr>
+            <a:xfrm>
+              <a:off x="57666" y="557150"/>
+              <a:ext cx="9020432" cy="6230828"/>
+            </a:xfrm>
+            <a:prstGeom prst="rect">
+              <a:avLst/>
+            </a:prstGeom>
+            <a:solidFill>
+              <a:schemeClr val="bg1"/>
+            </a:solidFill>
+            <a:ln>
+              <a:noFill/>
+            </a:ln>
+          </p:spPr>
+          <p:style>
+            <a:lnRef idx="2">
+              <a:schemeClr val="accent1">
+                <a:shade val="50000"/>
+              </a:schemeClr>
+            </a:lnRef>
+            <a:fillRef idx="1">
+              <a:schemeClr val="accent1"/>
+            </a:fillRef>
+            <a:effectRef idx="0">
+              <a:schemeClr val="accent1"/>
+            </a:effectRef>
+            <a:fontRef idx="minor">
+              <a:schemeClr val="lt1"/>
+            </a:fontRef>
+          </p:style>
+          <p:txBody>
+            <a:bodyPr rtlCol="0" anchor="ctr"/>
+            <a:lstStyle/>
+            <a:p>
+              <a:pPr algn="ctr"/>
+              <a:endParaRPr lang="ko-KR" altLang="en-US" dirty="0">
+                <a:solidFill>
+                  <a:srgbClr val="EEECE1">
+                    <a:lumMod val="50000"/>
+                  </a:srgbClr>
+                </a:solidFill>
+              </a:endParaRPr>
+            </a:p>
+          </p:txBody>
+        </p:sp>
+      </p:grpSp>
+      <p:sp>
+        <p:nvSpPr>
+          <p:cNvPr id="36" name="직사각형 35"/>
+          <p:cNvSpPr/>
+          <p:nvPr/>
+        </p:nvSpPr>
+        <p:spPr>
+          <a:xfrm>
+            <a:off x="7850659" y="65903"/>
+            <a:ext cx="1293341" cy="341870"/>
+          </a:xfrm>
+          <a:prstGeom prst="rect">
+            <a:avLst/>
+          </a:prstGeom>
+          <a:solidFill>
+            <a:srgbClr val="FDBBC1"/>
+          </a:solidFill>
+          <a:ln>
+            <a:noFill/>
+          </a:ln>
+        </p:spPr>
+        <p:style>
+          <a:lnRef idx="2">
+            <a:schemeClr val="accent1">
+              <a:shade val="50000"/>
+            </a:schemeClr>
+          </a:lnRef>
+          <a:fillRef idx="1">
+            <a:schemeClr val="accent1"/>
+          </a:fillRef>
+          <a:effectRef idx="0">
+            <a:schemeClr val="accent1"/>
+          </a:effectRef>
+          <a:fontRef idx="minor">
+            <a:schemeClr val="lt1"/>
+          </a:fontRef>
+        </p:style>
+        <p:txBody>
+          <a:bodyPr rtlCol="0" anchor="ctr"/>
+          <a:lstStyle/>
+          <a:p>
+            <a:pPr algn="ctr"/>
+            <a:r>
+              <a:rPr lang="en-US" altLang="ko-KR" sz="2400" dirty="0">
+                <a:solidFill>
+                  <a:prstClr val="white"/>
+                </a:solidFill>
+                <a:latin typeface="타이포_스톰 B" panose="02020503020101020101" pitchFamily="18" charset="-127"/>
+                <a:ea typeface="타이포_스톰 B" panose="02020503020101020101" pitchFamily="18" charset="-127"/>
+              </a:rPr>
+              <a:t>WEB</a:t>
+            </a:r>
+            <a:endParaRPr lang="ko-KR" altLang="en-US" sz="2400" dirty="0">
+              <a:solidFill>
+                <a:prstClr val="white"/>
+              </a:solidFill>
+              <a:latin typeface="타이포_스톰 B" panose="02020503020101020101" pitchFamily="18" charset="-127"/>
+              <a:ea typeface="타이포_스톰 B" panose="02020503020101020101" pitchFamily="18" charset="-127"/>
+            </a:endParaRPr>
+          </a:p>
+        </p:txBody>
+      </p:sp>
+      <p:sp>
+        <p:nvSpPr>
+          <p:cNvPr id="10" name="직사각형 9"/>
+          <p:cNvSpPr/>
+          <p:nvPr/>
+        </p:nvSpPr>
+        <p:spPr>
+          <a:xfrm>
+            <a:off x="0" y="65903"/>
+            <a:ext cx="6260758" cy="339258"/>
+          </a:xfrm>
+          <a:prstGeom prst="rect">
+            <a:avLst/>
+          </a:prstGeom>
+          <a:solidFill>
+            <a:srgbClr val="FDBBC1"/>
+          </a:solidFill>
+          <a:ln>
+            <a:noFill/>
+          </a:ln>
+        </p:spPr>
+        <p:style>
+          <a:lnRef idx="2">
+            <a:schemeClr val="accent1">
+              <a:shade val="50000"/>
+            </a:schemeClr>
+          </a:lnRef>
+          <a:fillRef idx="1">
+            <a:schemeClr val="accent1"/>
+          </a:fillRef>
+          <a:effectRef idx="0">
+            <a:schemeClr val="accent1"/>
+          </a:effectRef>
+          <a:fontRef idx="minor">
+            <a:schemeClr val="lt1"/>
+          </a:fontRef>
+        </p:style>
+        <p:txBody>
+          <a:bodyPr rtlCol="0" anchor="ctr"/>
+          <a:lstStyle/>
+          <a:p>
+            <a:r>
+              <a:rPr lang="en-US" altLang="ko-KR" sz="2000" dirty="0" smtClean="0">
+                <a:solidFill>
+                  <a:prstClr val="black">
+                    <a:lumMod val="75000"/>
+                    <a:lumOff val="25000"/>
+                  </a:prstClr>
+                </a:solidFill>
+                <a:latin typeface="타이포_스톰 B" panose="02020503020101020101" pitchFamily="18" charset="-127"/>
+                <a:ea typeface="타이포_스톰 B" panose="02020503020101020101" pitchFamily="18" charset="-127"/>
+              </a:rPr>
+              <a:t>[</a:t>
+            </a:r>
+            <a:r>
+              <a:rPr lang="ko-KR" altLang="en-US" sz="2000" dirty="0" smtClean="0">
+                <a:solidFill>
+                  <a:prstClr val="black">
+                    <a:lumMod val="75000"/>
+                    <a:lumOff val="25000"/>
+                  </a:prstClr>
+                </a:solidFill>
+                <a:latin typeface="타이포_스톰 B" panose="02020503020101020101" pitchFamily="18" charset="-127"/>
+                <a:ea typeface="타이포_스톰 B" panose="02020503020101020101" pitchFamily="18" charset="-127"/>
+              </a:rPr>
+              <a:t>화면구현</a:t>
+            </a:r>
+            <a:r>
+              <a:rPr lang="en-US" altLang="ko-KR" sz="2000" dirty="0" smtClean="0">
+                <a:solidFill>
+                  <a:prstClr val="black">
+                    <a:lumMod val="75000"/>
+                    <a:lumOff val="25000"/>
+                  </a:prstClr>
+                </a:solidFill>
+                <a:latin typeface="타이포_스톰 B" panose="02020503020101020101" pitchFamily="18" charset="-127"/>
+                <a:ea typeface="타이포_스톰 B" panose="02020503020101020101" pitchFamily="18" charset="-127"/>
+              </a:rPr>
+              <a:t>]   </a:t>
+            </a:r>
+            <a:endParaRPr lang="ko-KR" altLang="en-US" sz="2000" dirty="0">
+              <a:solidFill>
+                <a:prstClr val="black">
+                  <a:lumMod val="75000"/>
+                  <a:lumOff val="25000"/>
+                </a:prstClr>
+              </a:solidFill>
+              <a:latin typeface="타이포_스톰 B" panose="02020503020101020101" pitchFamily="18" charset="-127"/>
+              <a:ea typeface="타이포_스톰 B" panose="02020503020101020101" pitchFamily="18" charset="-127"/>
+            </a:endParaRPr>
+          </a:p>
+        </p:txBody>
+      </p:sp>
+      <p:sp>
+        <p:nvSpPr>
+          <p:cNvPr id="11" name="직사각형 10"/>
+          <p:cNvSpPr/>
+          <p:nvPr/>
+        </p:nvSpPr>
+        <p:spPr>
+          <a:xfrm>
+            <a:off x="115331" y="3441454"/>
+            <a:ext cx="4600850" cy="3239348"/>
+          </a:xfrm>
+          <a:prstGeom prst="rect">
+            <a:avLst/>
+          </a:prstGeom>
+          <a:noFill/>
+          <a:ln>
+            <a:solidFill>
+              <a:srgbClr val="C00000"/>
+            </a:solidFill>
+          </a:ln>
+        </p:spPr>
+        <p:style>
+          <a:lnRef idx="2">
+            <a:schemeClr val="accent1">
+              <a:shade val="50000"/>
+            </a:schemeClr>
+          </a:lnRef>
+          <a:fillRef idx="1">
+            <a:schemeClr val="accent1"/>
+          </a:fillRef>
+          <a:effectRef idx="0">
+            <a:schemeClr val="accent1"/>
+          </a:effectRef>
+          <a:fontRef idx="minor">
+            <a:schemeClr val="lt1"/>
+          </a:fontRef>
+        </p:style>
+        <p:txBody>
+          <a:bodyPr rtlCol="0" anchor="ctr"/>
+          <a:lstStyle/>
+          <a:p>
+            <a:pPr algn="ctr"/>
+            <a:endParaRPr lang="ko-KR" altLang="en-US">
+              <a:solidFill>
+                <a:prstClr val="white"/>
+              </a:solidFill>
+            </a:endParaRPr>
+          </a:p>
+        </p:txBody>
+      </p:sp>
+      <p:sp>
+        <p:nvSpPr>
+          <p:cNvPr id="15" name="직사각형 14"/>
+          <p:cNvSpPr/>
+          <p:nvPr/>
+        </p:nvSpPr>
+        <p:spPr>
+          <a:xfrm>
+            <a:off x="115331" y="3441454"/>
+            <a:ext cx="741405" cy="267530"/>
+          </a:xfrm>
+          <a:prstGeom prst="rect">
+            <a:avLst/>
+          </a:prstGeom>
+          <a:solidFill>
+            <a:srgbClr val="C00000"/>
+          </a:solidFill>
+          <a:ln>
+            <a:noFill/>
+          </a:ln>
+        </p:spPr>
+        <p:style>
+          <a:lnRef idx="2">
+            <a:schemeClr val="accent1">
+              <a:shade val="50000"/>
+            </a:schemeClr>
+          </a:lnRef>
+          <a:fillRef idx="1">
+            <a:schemeClr val="accent1"/>
+          </a:fillRef>
+          <a:effectRef idx="0">
+            <a:schemeClr val="accent1"/>
+          </a:effectRef>
+          <a:fontRef idx="minor">
+            <a:schemeClr val="lt1"/>
+          </a:fontRef>
+        </p:style>
+        <p:txBody>
+          <a:bodyPr rtlCol="0" anchor="ctr"/>
+          <a:lstStyle/>
+          <a:p>
+            <a:pPr algn="ctr"/>
+            <a:r>
+              <a:rPr lang="en-US" altLang="ko-KR" sz="1600" dirty="0" err="1" smtClean="0">
+                <a:solidFill>
+                  <a:prstClr val="white"/>
+                </a:solidFill>
+                <a:latin typeface="나눔스퀘어_ac ExtraBold" panose="020B0600000101010101" pitchFamily="50" charset="-127"/>
+                <a:ea typeface="나눔스퀘어_ac ExtraBold" panose="020B0600000101010101" pitchFamily="50" charset="-127"/>
+              </a:rPr>
+              <a:t>jsp</a:t>
+            </a:r>
+            <a:endParaRPr lang="ko-KR" altLang="en-US" sz="1600" dirty="0">
+              <a:solidFill>
+                <a:prstClr val="white"/>
+              </a:solidFill>
+              <a:latin typeface="나눔스퀘어_ac ExtraBold" panose="020B0600000101010101" pitchFamily="50" charset="-127"/>
+              <a:ea typeface="나눔스퀘어_ac ExtraBold" panose="020B0600000101010101" pitchFamily="50" charset="-127"/>
+            </a:endParaRPr>
+          </a:p>
+        </p:txBody>
+      </p:sp>
+      <p:sp>
+        <p:nvSpPr>
+          <p:cNvPr id="16" name="직사각형 15"/>
+          <p:cNvSpPr/>
+          <p:nvPr/>
+        </p:nvSpPr>
+        <p:spPr>
+          <a:xfrm>
+            <a:off x="4786185" y="3441454"/>
+            <a:ext cx="4221909" cy="3239348"/>
+          </a:xfrm>
+          <a:prstGeom prst="rect">
+            <a:avLst/>
+          </a:prstGeom>
+          <a:solidFill>
+            <a:schemeClr val="bg1"/>
+          </a:solidFill>
+          <a:ln w="28575">
+            <a:solidFill>
+              <a:schemeClr val="tx2">
+                <a:lumMod val="75000"/>
+              </a:schemeClr>
+            </a:solidFill>
+          </a:ln>
+        </p:spPr>
+        <p:txBody>
+          <a:bodyPr wrap="square">
+            <a:spAutoFit/>
+          </a:bodyPr>
+          <a:lstStyle/>
+          <a:p>
+            <a:endParaRPr lang="en-US" altLang="ko-KR" sz="1200" dirty="0" smtClean="0">
+              <a:solidFill>
+                <a:prstClr val="black"/>
+              </a:solidFill>
+              <a:latin typeface="Consolas" panose="020B0609020204030204" pitchFamily="49" charset="0"/>
+            </a:endParaRPr>
+          </a:p>
+          <a:p>
+            <a:pPr>
+              <a:spcBef>
+                <a:spcPts val="120"/>
+              </a:spcBef>
+            </a:pPr>
+            <a:endParaRPr lang="en-US" altLang="ko-KR" sz="1200" dirty="0">
+              <a:solidFill>
+                <a:prstClr val="black"/>
+              </a:solidFill>
+              <a:latin typeface="Consolas" panose="020B0609020204030204" pitchFamily="49" charset="0"/>
+              <a:ea typeface="나눔스퀘어_ac Bold" panose="020B0600000101010101" pitchFamily="50" charset="-127"/>
+            </a:endParaRPr>
+          </a:p>
+          <a:p>
+            <a:pPr>
+              <a:spcBef>
+                <a:spcPts val="120"/>
+              </a:spcBef>
+            </a:pPr>
+            <a:endParaRPr lang="en-US" altLang="ko-KR" sz="1200" dirty="0" smtClean="0">
+              <a:solidFill>
+                <a:prstClr val="black"/>
+              </a:solidFill>
+              <a:latin typeface="Consolas" panose="020B0609020204030204" pitchFamily="49" charset="0"/>
+              <a:ea typeface="나눔스퀘어_ac Bold" panose="020B0600000101010101" pitchFamily="50" charset="-127"/>
+            </a:endParaRPr>
+          </a:p>
+          <a:p>
+            <a:pPr>
+              <a:spcBef>
+                <a:spcPts val="120"/>
+              </a:spcBef>
+            </a:pPr>
+            <a:endParaRPr lang="en-US" altLang="ko-KR" sz="1200" dirty="0">
+              <a:solidFill>
+                <a:prstClr val="black"/>
+              </a:solidFill>
+              <a:latin typeface="Consolas" panose="020B0609020204030204" pitchFamily="49" charset="0"/>
+              <a:ea typeface="나눔스퀘어_ac Bold" panose="020B0600000101010101" pitchFamily="50" charset="-127"/>
+            </a:endParaRPr>
+          </a:p>
+          <a:p>
+            <a:pPr>
+              <a:spcBef>
+                <a:spcPts val="120"/>
+              </a:spcBef>
+            </a:pPr>
+            <a:endParaRPr lang="en-US" altLang="ko-KR" sz="1200" dirty="0" smtClean="0">
+              <a:solidFill>
+                <a:prstClr val="black"/>
+              </a:solidFill>
+              <a:latin typeface="Consolas" panose="020B0609020204030204" pitchFamily="49" charset="0"/>
+              <a:ea typeface="나눔스퀘어_ac Bold" panose="020B0600000101010101" pitchFamily="50" charset="-127"/>
+            </a:endParaRPr>
+          </a:p>
+          <a:p>
+            <a:pPr>
+              <a:spcBef>
+                <a:spcPts val="120"/>
+              </a:spcBef>
+            </a:pPr>
+            <a:endParaRPr lang="en-US" altLang="ko-KR" sz="1200" dirty="0">
+              <a:solidFill>
+                <a:prstClr val="black"/>
+              </a:solidFill>
+              <a:latin typeface="Consolas" panose="020B0609020204030204" pitchFamily="49" charset="0"/>
+              <a:ea typeface="나눔스퀘어_ac Bold" panose="020B0600000101010101" pitchFamily="50" charset="-127"/>
+            </a:endParaRPr>
+          </a:p>
+          <a:p>
+            <a:pPr>
+              <a:spcBef>
+                <a:spcPts val="120"/>
+              </a:spcBef>
+            </a:pPr>
+            <a:endParaRPr lang="en-US" altLang="ko-KR" sz="1200" dirty="0" smtClean="0">
+              <a:solidFill>
+                <a:prstClr val="black"/>
+              </a:solidFill>
+              <a:latin typeface="Consolas" panose="020B0609020204030204" pitchFamily="49" charset="0"/>
+              <a:ea typeface="나눔스퀘어_ac Bold" panose="020B0600000101010101" pitchFamily="50" charset="-127"/>
+            </a:endParaRPr>
+          </a:p>
+          <a:p>
+            <a:pPr>
+              <a:spcBef>
+                <a:spcPts val="120"/>
+              </a:spcBef>
+            </a:pPr>
+            <a:endParaRPr lang="en-US" altLang="ko-KR" sz="1200" dirty="0">
+              <a:solidFill>
+                <a:prstClr val="black"/>
+              </a:solidFill>
+              <a:latin typeface="Consolas" panose="020B0609020204030204" pitchFamily="49" charset="0"/>
+              <a:ea typeface="나눔스퀘어_ac Bold" panose="020B0600000101010101" pitchFamily="50" charset="-127"/>
+            </a:endParaRPr>
+          </a:p>
+          <a:p>
+            <a:pPr>
+              <a:spcBef>
+                <a:spcPts val="120"/>
+              </a:spcBef>
+            </a:pPr>
+            <a:endParaRPr lang="en-US" altLang="ko-KR" sz="1200" dirty="0" smtClean="0">
+              <a:solidFill>
+                <a:prstClr val="black"/>
+              </a:solidFill>
+              <a:latin typeface="Consolas" panose="020B0609020204030204" pitchFamily="49" charset="0"/>
+              <a:ea typeface="나눔스퀘어_ac Bold" panose="020B0600000101010101" pitchFamily="50" charset="-127"/>
+            </a:endParaRPr>
+          </a:p>
+          <a:p>
+            <a:pPr>
+              <a:spcBef>
+                <a:spcPts val="120"/>
+              </a:spcBef>
+            </a:pPr>
+            <a:endParaRPr lang="en-US" altLang="ko-KR" sz="1200" dirty="0">
+              <a:solidFill>
+                <a:prstClr val="black"/>
+              </a:solidFill>
+              <a:latin typeface="Consolas" panose="020B0609020204030204" pitchFamily="49" charset="0"/>
+              <a:ea typeface="나눔스퀘어_ac Bold" panose="020B0600000101010101" pitchFamily="50" charset="-127"/>
+            </a:endParaRPr>
+          </a:p>
+          <a:p>
+            <a:pPr>
+              <a:spcBef>
+                <a:spcPts val="120"/>
+              </a:spcBef>
+            </a:pPr>
+            <a:endParaRPr lang="en-US" altLang="ko-KR" sz="1200" dirty="0" smtClean="0">
+              <a:solidFill>
+                <a:prstClr val="black"/>
+              </a:solidFill>
+              <a:latin typeface="Consolas" panose="020B0609020204030204" pitchFamily="49" charset="0"/>
+              <a:ea typeface="나눔스퀘어_ac Bold" panose="020B0600000101010101" pitchFamily="50" charset="-127"/>
+            </a:endParaRPr>
+          </a:p>
+          <a:p>
+            <a:pPr>
+              <a:spcBef>
+                <a:spcPts val="120"/>
+              </a:spcBef>
+            </a:pPr>
+            <a:endParaRPr lang="en-US" altLang="ko-KR" sz="1200" dirty="0">
+              <a:solidFill>
+                <a:prstClr val="black"/>
+              </a:solidFill>
+              <a:latin typeface="Consolas" panose="020B0609020204030204" pitchFamily="49" charset="0"/>
+              <a:ea typeface="나눔스퀘어_ac Bold" panose="020B0600000101010101" pitchFamily="50" charset="-127"/>
+            </a:endParaRPr>
+          </a:p>
+          <a:p>
+            <a:pPr>
+              <a:spcBef>
+                <a:spcPts val="120"/>
+              </a:spcBef>
+            </a:pPr>
+            <a:endParaRPr lang="en-US" altLang="ko-KR" sz="1200" dirty="0" smtClean="0">
+              <a:solidFill>
+                <a:prstClr val="black"/>
+              </a:solidFill>
+              <a:latin typeface="Consolas" panose="020B0609020204030204" pitchFamily="49" charset="0"/>
+              <a:ea typeface="나눔스퀘어_ac Bold" panose="020B0600000101010101" pitchFamily="50" charset="-127"/>
+            </a:endParaRPr>
+          </a:p>
+          <a:p>
+            <a:pPr>
+              <a:spcBef>
+                <a:spcPts val="120"/>
+              </a:spcBef>
+            </a:pPr>
+            <a:endParaRPr lang="en-US" altLang="ko-KR" sz="1200" dirty="0">
+              <a:solidFill>
+                <a:prstClr val="black"/>
+              </a:solidFill>
+              <a:latin typeface="Consolas" panose="020B0609020204030204" pitchFamily="49" charset="0"/>
+              <a:ea typeface="나눔스퀘어_ac Bold" panose="020B0600000101010101" pitchFamily="50" charset="-127"/>
+            </a:endParaRPr>
+          </a:p>
+          <a:p>
+            <a:pPr>
+              <a:spcBef>
+                <a:spcPts val="120"/>
+              </a:spcBef>
+            </a:pPr>
+            <a:endParaRPr lang="en-US" altLang="ko-KR" sz="1200" dirty="0" smtClean="0">
+              <a:solidFill>
+                <a:prstClr val="black"/>
+              </a:solidFill>
+              <a:latin typeface="Consolas" panose="020B0609020204030204" pitchFamily="49" charset="0"/>
+              <a:ea typeface="나눔스퀘어_ac Bold" panose="020B0600000101010101" pitchFamily="50" charset="-127"/>
+            </a:endParaRPr>
+          </a:p>
+          <a:p>
+            <a:pPr>
+              <a:spcBef>
+                <a:spcPts val="120"/>
+              </a:spcBef>
+            </a:pPr>
+            <a:endParaRPr lang="en-US" altLang="ko-KR" sz="1200" dirty="0">
+              <a:solidFill>
+                <a:prstClr val="black"/>
+              </a:solidFill>
+              <a:latin typeface="나눔스퀘어_ac Bold" panose="020B0600000101010101" pitchFamily="50" charset="-127"/>
+              <a:ea typeface="나눔스퀘어_ac Bold" panose="020B0600000101010101" pitchFamily="50" charset="-127"/>
+            </a:endParaRPr>
+          </a:p>
+        </p:txBody>
+      </p:sp>
+      <p:sp>
+        <p:nvSpPr>
+          <p:cNvPr id="19" name="직사각형 18"/>
+          <p:cNvSpPr/>
+          <p:nvPr/>
+        </p:nvSpPr>
+        <p:spPr>
+          <a:xfrm>
+            <a:off x="4786185" y="3441454"/>
+            <a:ext cx="1927655" cy="267530"/>
+          </a:xfrm>
+          <a:prstGeom prst="rect">
+            <a:avLst/>
+          </a:prstGeom>
+          <a:solidFill>
+            <a:srgbClr val="17375E"/>
+          </a:solidFill>
+          <a:ln w="28575">
+            <a:solidFill>
+              <a:schemeClr val="tx2">
+                <a:lumMod val="75000"/>
+              </a:schemeClr>
+            </a:solidFill>
+          </a:ln>
+        </p:spPr>
+        <p:style>
+          <a:lnRef idx="2">
+            <a:schemeClr val="accent1">
+              <a:shade val="50000"/>
+            </a:schemeClr>
+          </a:lnRef>
+          <a:fillRef idx="1">
+            <a:schemeClr val="accent1"/>
+          </a:fillRef>
+          <a:effectRef idx="0">
+            <a:schemeClr val="accent1"/>
+          </a:effectRef>
+          <a:fontRef idx="minor">
+            <a:schemeClr val="lt1"/>
+          </a:fontRef>
+        </p:style>
+        <p:txBody>
+          <a:bodyPr rtlCol="0" anchor="ctr"/>
+          <a:lstStyle/>
+          <a:p>
+            <a:pPr algn="ctr"/>
+            <a:r>
+              <a:rPr lang="en-US" altLang="ko-KR" sz="1600" dirty="0" smtClean="0">
+                <a:solidFill>
+                  <a:prstClr val="white"/>
+                </a:solidFill>
+                <a:latin typeface="나눔스퀘어_ac ExtraBold" panose="020B0600000101010101" pitchFamily="50" charset="-127"/>
+                <a:ea typeface="나눔스퀘어_ac ExtraBold" panose="020B0600000101010101" pitchFamily="50" charset="-127"/>
+              </a:rPr>
+              <a:t>Business logic</a:t>
+            </a:r>
+            <a:endParaRPr lang="ko-KR" altLang="en-US" sz="1600" dirty="0">
+              <a:solidFill>
+                <a:prstClr val="white"/>
+              </a:solidFill>
+              <a:latin typeface="나눔스퀘어_ac ExtraBold" panose="020B0600000101010101" pitchFamily="50" charset="-127"/>
+              <a:ea typeface="나눔스퀘어_ac ExtraBold" panose="020B0600000101010101" pitchFamily="50" charset="-127"/>
+            </a:endParaRPr>
+          </a:p>
+        </p:txBody>
+      </p:sp>
+      <p:sp>
+        <p:nvSpPr>
+          <p:cNvPr id="2" name="직사각형 1"/>
+          <p:cNvSpPr/>
+          <p:nvPr/>
+        </p:nvSpPr>
+        <p:spPr>
+          <a:xfrm>
+            <a:off x="3772930" y="1367481"/>
+            <a:ext cx="1268627" cy="642551"/>
+          </a:xfrm>
+          <a:prstGeom prst="rect">
+            <a:avLst/>
+          </a:prstGeom>
+          <a:solidFill>
+            <a:schemeClr val="bg1">
+              <a:lumMod val="95000"/>
+            </a:schemeClr>
+          </a:solidFill>
+          <a:ln>
+            <a:noFill/>
+          </a:ln>
+        </p:spPr>
+        <p:style>
+          <a:lnRef idx="2">
+            <a:schemeClr val="accent1">
+              <a:shade val="50000"/>
+            </a:schemeClr>
+          </a:lnRef>
+          <a:fillRef idx="1">
+            <a:schemeClr val="accent1"/>
+          </a:fillRef>
+          <a:effectRef idx="0">
+            <a:schemeClr val="accent1"/>
+          </a:effectRef>
+          <a:fontRef idx="minor">
+            <a:schemeClr val="lt1"/>
+          </a:fontRef>
+        </p:style>
+        <p:txBody>
+          <a:bodyPr rtlCol="0" anchor="ctr"/>
+          <a:lstStyle/>
+          <a:p>
+            <a:pPr algn="ctr"/>
+            <a:r>
+              <a:rPr lang="ko-KR" altLang="en-US" dirty="0" smtClean="0">
+                <a:solidFill>
+                  <a:schemeClr val="tx1">
+                    <a:lumMod val="85000"/>
+                    <a:lumOff val="15000"/>
+                  </a:schemeClr>
+                </a:solidFill>
+              </a:rPr>
+              <a:t>화면</a:t>
+            </a:r>
+            <a:endParaRPr lang="ko-KR" altLang="en-US" dirty="0">
+              <a:solidFill>
+                <a:schemeClr val="tx1">
+                  <a:lumMod val="85000"/>
+                  <a:lumOff val="15000"/>
+                </a:schemeClr>
+              </a:solidFill>
+            </a:endParaRPr>
+          </a:p>
+        </p:txBody>
+      </p:sp>
+    </p:spTree>
+    <p:extLst>
+      <p:ext uri="{BB962C8B-B14F-4D97-AF65-F5344CB8AC3E}">
+        <p14:creationId xmlns:p14="http://schemas.microsoft.com/office/powerpoint/2010/main" val="4147907730"/>
+      </p:ext>
+    </p:extLst>
+  </p:cSld>
+  <p:clrMapOvr>
+    <a:masterClrMapping/>
+  </p:clrMapOvr>
+  <p:timing>
+    <p:tnLst>
+      <p:par>
+        <p:cTn id="1" dur="indefinite" restart="never" nodeType="tmRoot"/>
+      </p:par>
+    </p:tnLst>
+  </p:timing>
+</p:sld>
+</file>
+
+<file path=ppt/slides/slide22.xml><?xml version="1.0" encoding="utf-8"?>
+<p:sld xmlns:a="http://schemas.openxmlformats.org/drawingml/2006/main" xmlns:r="http://schemas.openxmlformats.org/officeDocument/2006/relationships" xmlns:p="http://schemas.openxmlformats.org/presentationml/2006/main">
+  <p:cSld>
+    <p:spTree>
+      <p:nvGrpSpPr>
+        <p:cNvPr id="1" name=""/>
+        <p:cNvGrpSpPr/>
+        <p:nvPr/>
+      </p:nvGrpSpPr>
+      <p:grpSpPr>
+        <a:xfrm>
+          <a:off x="0" y="0"/>
+          <a:ext cx="0" cy="0"/>
+          <a:chOff x="0" y="0"/>
+          <a:chExt cx="0" cy="0"/>
+        </a:xfrm>
+      </p:grpSpPr>
+      <p:grpSp>
+        <p:nvGrpSpPr>
+          <p:cNvPr id="35" name="그룹 34"/>
+          <p:cNvGrpSpPr/>
+          <p:nvPr/>
+        </p:nvGrpSpPr>
+        <p:grpSpPr>
+          <a:xfrm>
+            <a:off x="0" y="441033"/>
+            <a:ext cx="9144000" cy="6380205"/>
+            <a:chOff x="0" y="477795"/>
+            <a:chExt cx="9144000" cy="6380205"/>
+          </a:xfrm>
+        </p:grpSpPr>
+        <p:sp>
+          <p:nvSpPr>
+            <p:cNvPr id="3" name="직사각형 2"/>
+            <p:cNvSpPr/>
+            <p:nvPr/>
+          </p:nvSpPr>
+          <p:spPr>
+            <a:xfrm>
+              <a:off x="0" y="477795"/>
+              <a:ext cx="9144000" cy="6380205"/>
+            </a:xfrm>
+            <a:prstGeom prst="rect">
+              <a:avLst/>
+            </a:prstGeom>
+            <a:solidFill>
+              <a:srgbClr val="94C3BB"/>
+            </a:solidFill>
+            <a:ln>
+              <a:noFill/>
+            </a:ln>
+          </p:spPr>
+          <p:style>
+            <a:lnRef idx="2">
+              <a:schemeClr val="accent1">
+                <a:shade val="50000"/>
+              </a:schemeClr>
+            </a:lnRef>
+            <a:fillRef idx="1">
+              <a:schemeClr val="accent1"/>
+            </a:fillRef>
+            <a:effectRef idx="0">
+              <a:schemeClr val="accent1"/>
+            </a:effectRef>
+            <a:fontRef idx="minor">
+              <a:schemeClr val="lt1"/>
+            </a:fontRef>
+          </p:style>
+          <p:txBody>
+            <a:bodyPr rtlCol="0" anchor="ctr"/>
+            <a:lstStyle/>
+            <a:p>
+              <a:pPr algn="ctr"/>
+              <a:endParaRPr lang="ko-KR" altLang="en-US">
+                <a:solidFill>
+                  <a:prstClr val="white"/>
+                </a:solidFill>
+              </a:endParaRPr>
+            </a:p>
+          </p:txBody>
+        </p:sp>
+        <p:sp>
+          <p:nvSpPr>
+            <p:cNvPr id="6" name="직사각형 5"/>
+            <p:cNvSpPr/>
+            <p:nvPr/>
+          </p:nvSpPr>
+          <p:spPr>
+            <a:xfrm>
+              <a:off x="57666" y="557150"/>
+              <a:ext cx="9020432" cy="6230828"/>
+            </a:xfrm>
+            <a:prstGeom prst="rect">
+              <a:avLst/>
+            </a:prstGeom>
+            <a:solidFill>
+              <a:schemeClr val="bg1"/>
+            </a:solidFill>
+            <a:ln>
+              <a:noFill/>
+            </a:ln>
+          </p:spPr>
+          <p:style>
+            <a:lnRef idx="2">
+              <a:schemeClr val="accent1">
+                <a:shade val="50000"/>
+              </a:schemeClr>
+            </a:lnRef>
+            <a:fillRef idx="1">
+              <a:schemeClr val="accent1"/>
+            </a:fillRef>
+            <a:effectRef idx="0">
+              <a:schemeClr val="accent1"/>
+            </a:effectRef>
+            <a:fontRef idx="minor">
+              <a:schemeClr val="lt1"/>
+            </a:fontRef>
+          </p:style>
+          <p:txBody>
+            <a:bodyPr rtlCol="0" anchor="ctr"/>
+            <a:lstStyle/>
+            <a:p>
+              <a:pPr algn="ctr"/>
+              <a:endParaRPr lang="ko-KR" altLang="en-US" dirty="0">
+                <a:solidFill>
+                  <a:srgbClr val="EEECE1">
+                    <a:lumMod val="50000"/>
+                  </a:srgbClr>
+                </a:solidFill>
+              </a:endParaRPr>
+            </a:p>
+          </p:txBody>
+        </p:sp>
+      </p:grpSp>
+      <p:sp>
+        <p:nvSpPr>
+          <p:cNvPr id="36" name="직사각형 35"/>
+          <p:cNvSpPr/>
+          <p:nvPr/>
+        </p:nvSpPr>
+        <p:spPr>
+          <a:xfrm>
+            <a:off x="7850659" y="65903"/>
+            <a:ext cx="1293341" cy="341870"/>
+          </a:xfrm>
+          <a:prstGeom prst="rect">
+            <a:avLst/>
+          </a:prstGeom>
+          <a:solidFill>
+            <a:srgbClr val="FDBBC1"/>
+          </a:solidFill>
+          <a:ln>
+            <a:noFill/>
+          </a:ln>
+        </p:spPr>
+        <p:style>
+          <a:lnRef idx="2">
+            <a:schemeClr val="accent1">
+              <a:shade val="50000"/>
+            </a:schemeClr>
+          </a:lnRef>
+          <a:fillRef idx="1">
+            <a:schemeClr val="accent1"/>
+          </a:fillRef>
+          <a:effectRef idx="0">
+            <a:schemeClr val="accent1"/>
+          </a:effectRef>
+          <a:fontRef idx="minor">
+            <a:schemeClr val="lt1"/>
+          </a:fontRef>
+        </p:style>
+        <p:txBody>
+          <a:bodyPr rtlCol="0" anchor="ctr"/>
+          <a:lstStyle/>
+          <a:p>
+            <a:pPr algn="ctr"/>
+            <a:r>
+              <a:rPr lang="en-US" altLang="ko-KR" sz="2400" dirty="0">
+                <a:solidFill>
+                  <a:prstClr val="white"/>
+                </a:solidFill>
+                <a:latin typeface="타이포_스톰 B" panose="02020503020101020101" pitchFamily="18" charset="-127"/>
+                <a:ea typeface="타이포_스톰 B" panose="02020503020101020101" pitchFamily="18" charset="-127"/>
+              </a:rPr>
+              <a:t>WEB</a:t>
+            </a:r>
+            <a:endParaRPr lang="ko-KR" altLang="en-US" sz="2400" dirty="0">
+              <a:solidFill>
+                <a:prstClr val="white"/>
+              </a:solidFill>
+              <a:latin typeface="타이포_스톰 B" panose="02020503020101020101" pitchFamily="18" charset="-127"/>
+              <a:ea typeface="타이포_스톰 B" panose="02020503020101020101" pitchFamily="18" charset="-127"/>
+            </a:endParaRPr>
+          </a:p>
+        </p:txBody>
+      </p:sp>
+      <p:sp>
+        <p:nvSpPr>
+          <p:cNvPr id="10" name="직사각형 9"/>
+          <p:cNvSpPr/>
+          <p:nvPr/>
+        </p:nvSpPr>
+        <p:spPr>
+          <a:xfrm>
+            <a:off x="0" y="65903"/>
+            <a:ext cx="6260758" cy="339258"/>
+          </a:xfrm>
+          <a:prstGeom prst="rect">
+            <a:avLst/>
+          </a:prstGeom>
+          <a:solidFill>
+            <a:srgbClr val="FDBBC1"/>
+          </a:solidFill>
+          <a:ln>
+            <a:noFill/>
+          </a:ln>
+        </p:spPr>
+        <p:style>
+          <a:lnRef idx="2">
+            <a:schemeClr val="accent1">
+              <a:shade val="50000"/>
+            </a:schemeClr>
+          </a:lnRef>
+          <a:fillRef idx="1">
+            <a:schemeClr val="accent1"/>
+          </a:fillRef>
+          <a:effectRef idx="0">
+            <a:schemeClr val="accent1"/>
+          </a:effectRef>
+          <a:fontRef idx="minor">
+            <a:schemeClr val="lt1"/>
+          </a:fontRef>
+        </p:style>
+        <p:txBody>
+          <a:bodyPr rtlCol="0" anchor="ctr"/>
+          <a:lstStyle/>
+          <a:p>
+            <a:r>
+              <a:rPr lang="en-US" altLang="ko-KR" sz="2000" dirty="0" smtClean="0">
+                <a:solidFill>
+                  <a:prstClr val="black">
+                    <a:lumMod val="75000"/>
+                    <a:lumOff val="25000"/>
+                  </a:prstClr>
+                </a:solidFill>
+                <a:latin typeface="타이포_스톰 B" panose="02020503020101020101" pitchFamily="18" charset="-127"/>
+                <a:ea typeface="타이포_스톰 B" panose="02020503020101020101" pitchFamily="18" charset="-127"/>
+              </a:rPr>
+              <a:t>[</a:t>
+            </a:r>
+            <a:r>
+              <a:rPr lang="ko-KR" altLang="en-US" sz="2000" dirty="0" smtClean="0">
+                <a:solidFill>
+                  <a:prstClr val="black">
+                    <a:lumMod val="75000"/>
+                    <a:lumOff val="25000"/>
+                  </a:prstClr>
+                </a:solidFill>
+                <a:latin typeface="타이포_스톰 B" panose="02020503020101020101" pitchFamily="18" charset="-127"/>
+                <a:ea typeface="타이포_스톰 B" panose="02020503020101020101" pitchFamily="18" charset="-127"/>
+              </a:rPr>
+              <a:t>화면구현</a:t>
+            </a:r>
+            <a:r>
+              <a:rPr lang="en-US" altLang="ko-KR" sz="2000" dirty="0" smtClean="0">
+                <a:solidFill>
+                  <a:prstClr val="black">
+                    <a:lumMod val="75000"/>
+                    <a:lumOff val="25000"/>
+                  </a:prstClr>
+                </a:solidFill>
+                <a:latin typeface="타이포_스톰 B" panose="02020503020101020101" pitchFamily="18" charset="-127"/>
+                <a:ea typeface="타이포_스톰 B" panose="02020503020101020101" pitchFamily="18" charset="-127"/>
+              </a:rPr>
+              <a:t>]   </a:t>
+            </a:r>
+            <a:endParaRPr lang="ko-KR" altLang="en-US" sz="2000" dirty="0">
+              <a:solidFill>
+                <a:prstClr val="black">
+                  <a:lumMod val="75000"/>
+                  <a:lumOff val="25000"/>
+                </a:prstClr>
+              </a:solidFill>
+              <a:latin typeface="타이포_스톰 B" panose="02020503020101020101" pitchFamily="18" charset="-127"/>
+              <a:ea typeface="타이포_스톰 B" panose="02020503020101020101" pitchFamily="18" charset="-127"/>
+            </a:endParaRPr>
+          </a:p>
+        </p:txBody>
+      </p:sp>
+      <p:sp>
+        <p:nvSpPr>
+          <p:cNvPr id="11" name="직사각형 10"/>
+          <p:cNvSpPr/>
+          <p:nvPr/>
+        </p:nvSpPr>
+        <p:spPr>
+          <a:xfrm>
+            <a:off x="4782085" y="575271"/>
+            <a:ext cx="4226009" cy="4332621"/>
+          </a:xfrm>
+          <a:prstGeom prst="rect">
+            <a:avLst/>
+          </a:prstGeom>
+          <a:noFill/>
+          <a:ln>
+            <a:solidFill>
+              <a:srgbClr val="C00000"/>
+            </a:solidFill>
+          </a:ln>
+        </p:spPr>
+        <p:style>
+          <a:lnRef idx="2">
+            <a:schemeClr val="accent1">
+              <a:shade val="50000"/>
+            </a:schemeClr>
+          </a:lnRef>
+          <a:fillRef idx="1">
+            <a:schemeClr val="accent1"/>
+          </a:fillRef>
+          <a:effectRef idx="0">
+            <a:schemeClr val="accent1"/>
+          </a:effectRef>
+          <a:fontRef idx="minor">
+            <a:schemeClr val="lt1"/>
+          </a:fontRef>
+        </p:style>
+        <p:txBody>
+          <a:bodyPr rtlCol="0" anchor="ctr"/>
+          <a:lstStyle/>
+          <a:p>
+            <a:pPr algn="ctr"/>
+            <a:endParaRPr lang="ko-KR" altLang="en-US">
+              <a:solidFill>
+                <a:prstClr val="white"/>
+              </a:solidFill>
+            </a:endParaRPr>
+          </a:p>
+        </p:txBody>
+      </p:sp>
+      <p:sp>
+        <p:nvSpPr>
+          <p:cNvPr id="15" name="직사각형 14"/>
+          <p:cNvSpPr/>
+          <p:nvPr/>
+        </p:nvSpPr>
+        <p:spPr>
+          <a:xfrm>
+            <a:off x="4782085" y="575271"/>
+            <a:ext cx="741405" cy="267530"/>
+          </a:xfrm>
+          <a:prstGeom prst="rect">
+            <a:avLst/>
+          </a:prstGeom>
+          <a:solidFill>
+            <a:srgbClr val="C00000"/>
+          </a:solidFill>
+          <a:ln>
+            <a:noFill/>
+          </a:ln>
+        </p:spPr>
+        <p:style>
+          <a:lnRef idx="2">
+            <a:schemeClr val="accent1">
+              <a:shade val="50000"/>
+            </a:schemeClr>
+          </a:lnRef>
+          <a:fillRef idx="1">
+            <a:schemeClr val="accent1"/>
+          </a:fillRef>
+          <a:effectRef idx="0">
+            <a:schemeClr val="accent1"/>
+          </a:effectRef>
+          <a:fontRef idx="minor">
+            <a:schemeClr val="lt1"/>
+          </a:fontRef>
+        </p:style>
+        <p:txBody>
+          <a:bodyPr rtlCol="0" anchor="ctr"/>
+          <a:lstStyle/>
+          <a:p>
+            <a:pPr algn="ctr"/>
+            <a:r>
+              <a:rPr lang="en-US" altLang="ko-KR" sz="1600" dirty="0" err="1" smtClean="0">
+                <a:solidFill>
+                  <a:prstClr val="white"/>
+                </a:solidFill>
+                <a:latin typeface="나눔스퀘어_ac ExtraBold" panose="020B0600000101010101" pitchFamily="50" charset="-127"/>
+                <a:ea typeface="나눔스퀘어_ac ExtraBold" panose="020B0600000101010101" pitchFamily="50" charset="-127"/>
+              </a:rPr>
+              <a:t>jsp</a:t>
+            </a:r>
+            <a:endParaRPr lang="ko-KR" altLang="en-US" sz="1600" dirty="0">
+              <a:solidFill>
+                <a:prstClr val="white"/>
+              </a:solidFill>
+              <a:latin typeface="나눔스퀘어_ac ExtraBold" panose="020B0600000101010101" pitchFamily="50" charset="-127"/>
+              <a:ea typeface="나눔스퀘어_ac ExtraBold" panose="020B0600000101010101" pitchFamily="50" charset="-127"/>
+            </a:endParaRPr>
+          </a:p>
+        </p:txBody>
+      </p:sp>
+      <p:sp>
+        <p:nvSpPr>
+          <p:cNvPr id="16" name="직사각형 15"/>
+          <p:cNvSpPr/>
+          <p:nvPr/>
+        </p:nvSpPr>
+        <p:spPr>
+          <a:xfrm>
+            <a:off x="4782085" y="5023119"/>
+            <a:ext cx="4221909" cy="1659429"/>
+          </a:xfrm>
+          <a:prstGeom prst="rect">
+            <a:avLst/>
+          </a:prstGeom>
+          <a:solidFill>
+            <a:schemeClr val="bg1"/>
+          </a:solidFill>
+          <a:ln w="28575">
+            <a:solidFill>
+              <a:schemeClr val="tx2">
+                <a:lumMod val="75000"/>
+              </a:schemeClr>
+            </a:solidFill>
+          </a:ln>
+        </p:spPr>
+        <p:txBody>
+          <a:bodyPr wrap="square">
+            <a:spAutoFit/>
+          </a:bodyPr>
+          <a:lstStyle/>
+          <a:p>
+            <a:endParaRPr lang="en-US" altLang="ko-KR" sz="1200" dirty="0" smtClean="0">
+              <a:solidFill>
+                <a:prstClr val="black"/>
+              </a:solidFill>
+              <a:latin typeface="Consolas" panose="020B0609020204030204" pitchFamily="49" charset="0"/>
+            </a:endParaRPr>
+          </a:p>
+          <a:p>
+            <a:pPr>
+              <a:spcBef>
+                <a:spcPts val="120"/>
+              </a:spcBef>
+            </a:pPr>
+            <a:endParaRPr lang="en-US" altLang="ko-KR" sz="1200" dirty="0">
+              <a:solidFill>
+                <a:prstClr val="black"/>
+              </a:solidFill>
+              <a:latin typeface="Consolas" panose="020B0609020204030204" pitchFamily="49" charset="0"/>
+              <a:ea typeface="나눔스퀘어_ac Bold" panose="020B0600000101010101" pitchFamily="50" charset="-127"/>
+            </a:endParaRPr>
+          </a:p>
+          <a:p>
+            <a:pPr>
+              <a:spcBef>
+                <a:spcPts val="120"/>
+              </a:spcBef>
+            </a:pPr>
+            <a:endParaRPr lang="en-US" altLang="ko-KR" sz="1200" dirty="0" smtClean="0">
+              <a:solidFill>
+                <a:prstClr val="black"/>
+              </a:solidFill>
+              <a:latin typeface="Consolas" panose="020B0609020204030204" pitchFamily="49" charset="0"/>
+              <a:ea typeface="나눔스퀘어_ac Bold" panose="020B0600000101010101" pitchFamily="50" charset="-127"/>
+            </a:endParaRPr>
+          </a:p>
+          <a:p>
+            <a:pPr>
+              <a:spcBef>
+                <a:spcPts val="120"/>
+              </a:spcBef>
+            </a:pPr>
+            <a:endParaRPr lang="en-US" altLang="ko-KR" sz="1200" dirty="0">
+              <a:solidFill>
+                <a:prstClr val="black"/>
+              </a:solidFill>
+              <a:latin typeface="Consolas" panose="020B0609020204030204" pitchFamily="49" charset="0"/>
+              <a:ea typeface="나눔스퀘어_ac Bold" panose="020B0600000101010101" pitchFamily="50" charset="-127"/>
+            </a:endParaRPr>
+          </a:p>
+          <a:p>
+            <a:pPr>
+              <a:spcBef>
+                <a:spcPts val="120"/>
+              </a:spcBef>
+            </a:pPr>
+            <a:endParaRPr lang="en-US" altLang="ko-KR" sz="1200" dirty="0" smtClean="0">
+              <a:solidFill>
+                <a:prstClr val="black"/>
+              </a:solidFill>
+              <a:latin typeface="Consolas" panose="020B0609020204030204" pitchFamily="49" charset="0"/>
+              <a:ea typeface="나눔스퀘어_ac Bold" panose="020B0600000101010101" pitchFamily="50" charset="-127"/>
+            </a:endParaRPr>
+          </a:p>
+          <a:p>
+            <a:pPr>
+              <a:spcBef>
+                <a:spcPts val="120"/>
+              </a:spcBef>
+            </a:pPr>
+            <a:endParaRPr lang="en-US" altLang="ko-KR" sz="1200" dirty="0">
+              <a:solidFill>
+                <a:prstClr val="black"/>
+              </a:solidFill>
+              <a:latin typeface="Consolas" panose="020B0609020204030204" pitchFamily="49" charset="0"/>
+              <a:ea typeface="나눔스퀘어_ac Bold" panose="020B0600000101010101" pitchFamily="50" charset="-127"/>
+            </a:endParaRPr>
+          </a:p>
+          <a:p>
+            <a:pPr>
+              <a:spcBef>
+                <a:spcPts val="120"/>
+              </a:spcBef>
+            </a:pPr>
+            <a:endParaRPr lang="en-US" altLang="ko-KR" sz="1200" dirty="0" smtClean="0">
+              <a:solidFill>
+                <a:prstClr val="black"/>
+              </a:solidFill>
+              <a:latin typeface="Consolas" panose="020B0609020204030204" pitchFamily="49" charset="0"/>
+              <a:ea typeface="나눔스퀘어_ac Bold" panose="020B0600000101010101" pitchFamily="50" charset="-127"/>
+            </a:endParaRPr>
+          </a:p>
+          <a:p>
+            <a:pPr>
+              <a:spcBef>
+                <a:spcPts val="120"/>
+              </a:spcBef>
+            </a:pPr>
+            <a:endParaRPr lang="en-US" altLang="ko-KR" sz="1200" dirty="0">
+              <a:solidFill>
+                <a:prstClr val="black"/>
+              </a:solidFill>
+              <a:latin typeface="나눔스퀘어_ac Bold" panose="020B0600000101010101" pitchFamily="50" charset="-127"/>
+              <a:ea typeface="나눔스퀘어_ac Bold" panose="020B0600000101010101" pitchFamily="50" charset="-127"/>
+            </a:endParaRPr>
+          </a:p>
+        </p:txBody>
+      </p:sp>
+      <p:sp>
+        <p:nvSpPr>
+          <p:cNvPr id="19" name="직사각형 18"/>
+          <p:cNvSpPr/>
+          <p:nvPr/>
+        </p:nvSpPr>
+        <p:spPr>
+          <a:xfrm>
+            <a:off x="4782085" y="5023119"/>
+            <a:ext cx="1927655" cy="267530"/>
+          </a:xfrm>
+          <a:prstGeom prst="rect">
+            <a:avLst/>
+          </a:prstGeom>
+          <a:solidFill>
+            <a:srgbClr val="17375E"/>
+          </a:solidFill>
+          <a:ln w="28575">
+            <a:solidFill>
+              <a:schemeClr val="tx2">
+                <a:lumMod val="75000"/>
+              </a:schemeClr>
+            </a:solidFill>
+          </a:ln>
+        </p:spPr>
+        <p:style>
+          <a:lnRef idx="2">
+            <a:schemeClr val="accent1">
+              <a:shade val="50000"/>
+            </a:schemeClr>
+          </a:lnRef>
+          <a:fillRef idx="1">
+            <a:schemeClr val="accent1"/>
+          </a:fillRef>
+          <a:effectRef idx="0">
+            <a:schemeClr val="accent1"/>
+          </a:effectRef>
+          <a:fontRef idx="minor">
+            <a:schemeClr val="lt1"/>
+          </a:fontRef>
+        </p:style>
+        <p:txBody>
+          <a:bodyPr rtlCol="0" anchor="ctr"/>
+          <a:lstStyle/>
+          <a:p>
+            <a:pPr algn="ctr"/>
+            <a:r>
+              <a:rPr lang="en-US" altLang="ko-KR" sz="1600" dirty="0" smtClean="0">
+                <a:solidFill>
+                  <a:prstClr val="white"/>
+                </a:solidFill>
+                <a:latin typeface="나눔스퀘어_ac ExtraBold" panose="020B0600000101010101" pitchFamily="50" charset="-127"/>
+                <a:ea typeface="나눔스퀘어_ac ExtraBold" panose="020B0600000101010101" pitchFamily="50" charset="-127"/>
+              </a:rPr>
+              <a:t>Business logic</a:t>
+            </a:r>
+            <a:endParaRPr lang="ko-KR" altLang="en-US" sz="1600" dirty="0">
+              <a:solidFill>
+                <a:prstClr val="white"/>
+              </a:solidFill>
+              <a:latin typeface="나눔스퀘어_ac ExtraBold" panose="020B0600000101010101" pitchFamily="50" charset="-127"/>
+              <a:ea typeface="나눔스퀘어_ac ExtraBold" panose="020B0600000101010101" pitchFamily="50" charset="-127"/>
+            </a:endParaRPr>
+          </a:p>
+        </p:txBody>
+      </p:sp>
+      <p:sp>
+        <p:nvSpPr>
+          <p:cNvPr id="2" name="직사각형 1"/>
+          <p:cNvSpPr/>
+          <p:nvPr/>
+        </p:nvSpPr>
+        <p:spPr>
+          <a:xfrm>
+            <a:off x="1524000" y="3048000"/>
+            <a:ext cx="1268627" cy="642551"/>
+          </a:xfrm>
+          <a:prstGeom prst="rect">
+            <a:avLst/>
+          </a:prstGeom>
+          <a:solidFill>
+            <a:schemeClr val="bg1">
+              <a:lumMod val="95000"/>
+            </a:schemeClr>
+          </a:solidFill>
+          <a:ln>
+            <a:noFill/>
+          </a:ln>
+        </p:spPr>
+        <p:style>
+          <a:lnRef idx="2">
+            <a:schemeClr val="accent1">
+              <a:shade val="50000"/>
+            </a:schemeClr>
+          </a:lnRef>
+          <a:fillRef idx="1">
+            <a:schemeClr val="accent1"/>
+          </a:fillRef>
+          <a:effectRef idx="0">
+            <a:schemeClr val="accent1"/>
+          </a:effectRef>
+          <a:fontRef idx="minor">
+            <a:schemeClr val="lt1"/>
+          </a:fontRef>
+        </p:style>
+        <p:txBody>
+          <a:bodyPr rtlCol="0" anchor="ctr"/>
+          <a:lstStyle/>
+          <a:p>
+            <a:pPr algn="ctr"/>
+            <a:r>
+              <a:rPr lang="ko-KR" altLang="en-US" dirty="0" smtClean="0">
+                <a:solidFill>
+                  <a:prstClr val="black">
+                    <a:lumMod val="85000"/>
+                    <a:lumOff val="15000"/>
+                  </a:prstClr>
+                </a:solidFill>
+              </a:rPr>
+              <a:t>화면</a:t>
+            </a:r>
+            <a:endParaRPr lang="ko-KR" altLang="en-US" dirty="0">
+              <a:solidFill>
+                <a:prstClr val="black">
+                  <a:lumMod val="85000"/>
+                  <a:lumOff val="15000"/>
+                </a:prstClr>
+              </a:solidFill>
+            </a:endParaRPr>
+          </a:p>
+        </p:txBody>
+      </p:sp>
+    </p:spTree>
+    <p:extLst>
+      <p:ext uri="{BB962C8B-B14F-4D97-AF65-F5344CB8AC3E}">
+        <p14:creationId xmlns:p14="http://schemas.microsoft.com/office/powerpoint/2010/main" val="180718939"/>
+      </p:ext>
+    </p:extLst>
+  </p:cSld>
+  <p:clrMapOvr>
+    <a:masterClrMapping/>
+  </p:clrMapOvr>
+  <p:timing>
+    <p:tnLst>
+      <p:par>
+        <p:cTn id="1" dur="indefinite" restart="never" nodeType="tmRoot"/>
+      </p:par>
+    </p:tnLst>
+  </p:timing>
 </p:sld>
 </file>
 
@@ -9178,9 +16117,9 @@
               <a:pPr algn="ctr"/>
               <a:endParaRPr lang="ko-KR" altLang="en-US" dirty="0">
                 <a:solidFill>
-                  <a:srgbClr val="EEECE1">
+                  <a:schemeClr val="bg2">
                     <a:lumMod val="50000"/>
-                  </a:srgbClr>
+                  </a:schemeClr>
                 </a:solidFill>
               </a:endParaRPr>
             </a:p>
@@ -9291,7 +16230,7 @@
           <a:lstStyle/>
           <a:p>
             <a:r>
-              <a:rPr lang="en-US" altLang="ko-KR" sz="2000" dirty="0" smtClean="0">
+              <a:rPr lang="en-US" altLang="ko-KR" sz="2000" smtClean="0">
                 <a:solidFill>
                   <a:prstClr val="black">
                     <a:lumMod val="75000"/>
@@ -9304,7 +16243,7 @@
               <a:t>[</a:t>
             </a:r>
             <a:r>
-              <a:rPr lang="ko-KR" altLang="en-US" sz="2000" dirty="0" smtClean="0">
+              <a:rPr lang="ko-KR" altLang="en-US" sz="2000">
                 <a:solidFill>
                   <a:prstClr val="black">
                     <a:lumMod val="75000"/>
@@ -9317,7 +16256,7 @@
               <a:t>화면구현</a:t>
             </a:r>
             <a:r>
-              <a:rPr lang="en-US" altLang="ko-KR" sz="2000" dirty="0" smtClean="0">
+              <a:rPr lang="en-US" altLang="ko-KR" sz="2000">
                 <a:solidFill>
                   <a:prstClr val="black">
                     <a:lumMod val="75000"/>
@@ -9327,7 +16266,33 @@
                 <a:latin typeface="타이포_스톰 B" panose="02020503020101020101" pitchFamily="18" charset="-127"/>
                 <a:ea typeface="타이포_스톰 B" panose="02020503020101020101" pitchFamily="18" charset="-127"/>
               </a:rPr>
-              <a:t>]   </a:t>
+              <a:t>]  </a:t>
+            </a:r>
+            <a:r>
+              <a:rPr lang="ko-KR" altLang="en-US" sz="2000" smtClean="0">
+                <a:solidFill>
+                  <a:prstClr val="black">
+                    <a:lumMod val="75000"/>
+                    <a:lumOff val="25000"/>
+                  </a:prstClr>
+                </a:solidFill>
+                <a:latin typeface="타이포_스톰 B" panose="02020503020101020101" pitchFamily="18" charset="-127"/>
+                <a:ea typeface="타이포_스톰 B" panose="02020503020101020101" pitchFamily="18" charset="-127"/>
+              </a:rPr>
+              <a:t>프로젝트추가</a:t>
+            </a:r>
+            <a:r>
+              <a:rPr lang="en-US" altLang="ko-KR" sz="2000" smtClean="0">
+                <a:solidFill>
+                  <a:prstClr val="black">
+                    <a:lumMod val="75000"/>
+                    <a:lumOff val="25000"/>
+                  </a:prstClr>
+                </a:solidFill>
+                <a:latin typeface="타이포_스톰 B" panose="02020503020101020101" pitchFamily="18" charset="-127"/>
+                <a:ea typeface="타이포_스톰 B" panose="02020503020101020101" pitchFamily="18" charset="-127"/>
+              </a:rPr>
+              <a:t>(CEO, CTO)</a:t>
             </a:r>
             <a:endParaRPr lang="ko-KR" altLang="en-US" sz="2000" dirty="0">
               <a:solidFill>
@@ -9342,504 +16307,10 @@
           </a:p>
         </p:txBody>
       </p:sp>
-      <p:sp>
-        <p:nvSpPr>
-          <p:cNvPr id="11" name="직사각형 10"/>
-          <p:cNvSpPr/>
-          <p:nvPr/>
-        </p:nvSpPr>
-        <p:spPr>
-          <a:xfrm>
-            <a:off x="115331" y="3441454"/>
-            <a:ext cx="4600850" cy="3239348"/>
-          </a:xfrm>
-          <a:prstGeom prst="rect">
-            <a:avLst/>
-          </a:prstGeom>
-          <a:noFill/>
-          <a:ln>
-            <a:solidFill>
-              <a:srgbClr val="C00000"/>
-            </a:solidFill>
-          </a:ln>
-        </p:spPr>
-        <p:style>
-          <a:lnRef idx="2">
-            <a:schemeClr val="accent1">
-              <a:shade val="50000"/>
-            </a:schemeClr>
-          </a:lnRef>
-          <a:fillRef idx="1">
-            <a:schemeClr val="accent1"/>
-          </a:fillRef>
-          <a:effectRef idx="0">
-            <a:schemeClr val="accent1"/>
-          </a:effectRef>
-          <a:fontRef idx="minor">
-            <a:schemeClr val="lt1"/>
-          </a:fontRef>
-        </p:style>
-        <p:txBody>
-          <a:bodyPr rtlCol="0" anchor="ctr"/>
-          <a:lstStyle/>
-          <a:p>
-            <a:pPr algn="ctr"/>
-            <a:endParaRPr lang="ko-KR" altLang="en-US">
-              <a:solidFill>
-                <a:prstClr val="white"/>
-              </a:solidFill>
-            </a:endParaRPr>
-          </a:p>
-        </p:txBody>
-      </p:sp>
-      <p:sp>
-        <p:nvSpPr>
-          <p:cNvPr id="15" name="직사각형 14"/>
-          <p:cNvSpPr/>
-          <p:nvPr/>
-        </p:nvSpPr>
-        <p:spPr>
-          <a:xfrm>
-            <a:off x="115331" y="3441454"/>
-            <a:ext cx="741405" cy="267530"/>
-          </a:xfrm>
-          <a:prstGeom prst="rect">
-            <a:avLst/>
-          </a:prstGeom>
-          <a:solidFill>
-            <a:srgbClr val="C00000"/>
-          </a:solidFill>
-          <a:ln>
-            <a:noFill/>
-          </a:ln>
-        </p:spPr>
-        <p:style>
-          <a:lnRef idx="2">
-            <a:schemeClr val="accent1">
-              <a:shade val="50000"/>
-            </a:schemeClr>
-          </a:lnRef>
-          <a:fillRef idx="1">
-            <a:schemeClr val="accent1"/>
-          </a:fillRef>
-          <a:effectRef idx="0">
-            <a:schemeClr val="accent1"/>
-          </a:effectRef>
-          <a:fontRef idx="minor">
-            <a:schemeClr val="lt1"/>
-          </a:fontRef>
-        </p:style>
-        <p:txBody>
-          <a:bodyPr rtlCol="0" anchor="ctr"/>
-          <a:lstStyle/>
-          <a:p>
-            <a:pPr algn="ctr"/>
-            <a:r>
-              <a:rPr lang="en-US" altLang="ko-KR" sz="1600" dirty="0" err="1" smtClean="0">
-                <a:solidFill>
-                  <a:prstClr val="white"/>
-                </a:solidFill>
-                <a:latin typeface="나눔스퀘어_ac ExtraBold" panose="020B0600000101010101" pitchFamily="50" charset="-127"/>
-                <a:ea typeface="나눔스퀘어_ac ExtraBold" panose="020B0600000101010101" pitchFamily="50" charset="-127"/>
-              </a:rPr>
-              <a:t>jsp</a:t>
-            </a:r>
-            <a:endParaRPr lang="ko-KR" altLang="en-US" sz="1600" dirty="0">
-              <a:solidFill>
-                <a:prstClr val="white"/>
-              </a:solidFill>
-              <a:latin typeface="나눔스퀘어_ac ExtraBold" panose="020B0600000101010101" pitchFamily="50" charset="-127"/>
-              <a:ea typeface="나눔스퀘어_ac ExtraBold" panose="020B0600000101010101" pitchFamily="50" charset="-127"/>
-            </a:endParaRPr>
-          </a:p>
-        </p:txBody>
-      </p:sp>
-      <p:sp>
-        <p:nvSpPr>
-          <p:cNvPr id="16" name="직사각형 15"/>
-          <p:cNvSpPr/>
-          <p:nvPr/>
-        </p:nvSpPr>
-        <p:spPr>
-          <a:xfrm>
-            <a:off x="4786185" y="3441454"/>
-            <a:ext cx="4221909" cy="3239348"/>
-          </a:xfrm>
-          <a:prstGeom prst="rect">
-            <a:avLst/>
-          </a:prstGeom>
-          <a:solidFill>
-            <a:schemeClr val="bg1"/>
-          </a:solidFill>
-          <a:ln w="28575">
-            <a:solidFill>
-              <a:schemeClr val="tx2">
-                <a:lumMod val="75000"/>
-              </a:schemeClr>
-            </a:solidFill>
-          </a:ln>
-        </p:spPr>
-        <p:txBody>
-          <a:bodyPr wrap="square">
-            <a:spAutoFit/>
-          </a:bodyPr>
-          <a:lstStyle/>
-          <a:p>
-            <a:endParaRPr lang="en-US" altLang="ko-KR" sz="1200" dirty="0" smtClean="0">
-              <a:solidFill>
-                <a:prstClr val="black"/>
-              </a:solidFill>
-              <a:latin typeface="Consolas" panose="020B0609020204030204" pitchFamily="49" charset="0"/>
-            </a:endParaRPr>
-          </a:p>
-          <a:p>
-            <a:pPr>
-              <a:spcBef>
-                <a:spcPts val="120"/>
-              </a:spcBef>
-            </a:pPr>
-            <a:endParaRPr lang="en-US" altLang="ko-KR" sz="1200" dirty="0">
-              <a:solidFill>
-                <a:prstClr val="black"/>
-              </a:solidFill>
-              <a:latin typeface="Consolas" panose="020B0609020204030204" pitchFamily="49" charset="0"/>
-              <a:ea typeface="나눔스퀘어_ac Bold" panose="020B0600000101010101" pitchFamily="50" charset="-127"/>
-            </a:endParaRPr>
-          </a:p>
-          <a:p>
-            <a:pPr>
-              <a:spcBef>
-                <a:spcPts val="120"/>
-              </a:spcBef>
-            </a:pPr>
-            <a:endParaRPr lang="en-US" altLang="ko-KR" sz="1200" dirty="0" smtClean="0">
-              <a:solidFill>
-                <a:prstClr val="black"/>
-              </a:solidFill>
-              <a:latin typeface="Consolas" panose="020B0609020204030204" pitchFamily="49" charset="0"/>
-              <a:ea typeface="나눔스퀘어_ac Bold" panose="020B0600000101010101" pitchFamily="50" charset="-127"/>
-            </a:endParaRPr>
-          </a:p>
-          <a:p>
-            <a:pPr>
-              <a:spcBef>
-                <a:spcPts val="120"/>
-              </a:spcBef>
-            </a:pPr>
-            <a:endParaRPr lang="en-US" altLang="ko-KR" sz="1200" dirty="0">
-              <a:solidFill>
-                <a:prstClr val="black"/>
-              </a:solidFill>
-              <a:latin typeface="Consolas" panose="020B0609020204030204" pitchFamily="49" charset="0"/>
-              <a:ea typeface="나눔스퀘어_ac Bold" panose="020B0600000101010101" pitchFamily="50" charset="-127"/>
-            </a:endParaRPr>
-          </a:p>
-          <a:p>
-            <a:pPr>
-              <a:spcBef>
-                <a:spcPts val="120"/>
-              </a:spcBef>
-            </a:pPr>
-            <a:endParaRPr lang="en-US" altLang="ko-KR" sz="1200" dirty="0" smtClean="0">
-              <a:solidFill>
-                <a:prstClr val="black"/>
-              </a:solidFill>
-              <a:latin typeface="Consolas" panose="020B0609020204030204" pitchFamily="49" charset="0"/>
-              <a:ea typeface="나눔스퀘어_ac Bold" panose="020B0600000101010101" pitchFamily="50" charset="-127"/>
-            </a:endParaRPr>
-          </a:p>
-          <a:p>
-            <a:pPr>
-              <a:spcBef>
-                <a:spcPts val="120"/>
-              </a:spcBef>
-            </a:pPr>
-            <a:endParaRPr lang="en-US" altLang="ko-KR" sz="1200" dirty="0">
-              <a:solidFill>
-                <a:prstClr val="black"/>
-              </a:solidFill>
-              <a:latin typeface="Consolas" panose="020B0609020204030204" pitchFamily="49" charset="0"/>
-              <a:ea typeface="나눔스퀘어_ac Bold" panose="020B0600000101010101" pitchFamily="50" charset="-127"/>
-            </a:endParaRPr>
-          </a:p>
-          <a:p>
-            <a:pPr>
-              <a:spcBef>
-                <a:spcPts val="120"/>
-              </a:spcBef>
-            </a:pPr>
-            <a:endParaRPr lang="en-US" altLang="ko-KR" sz="1200" dirty="0" smtClean="0">
-              <a:solidFill>
-                <a:prstClr val="black"/>
-              </a:solidFill>
-              <a:latin typeface="Consolas" panose="020B0609020204030204" pitchFamily="49" charset="0"/>
-              <a:ea typeface="나눔스퀘어_ac Bold" panose="020B0600000101010101" pitchFamily="50" charset="-127"/>
-            </a:endParaRPr>
-          </a:p>
-          <a:p>
-            <a:pPr>
-              <a:spcBef>
-                <a:spcPts val="120"/>
-              </a:spcBef>
-            </a:pPr>
-            <a:endParaRPr lang="en-US" altLang="ko-KR" sz="1200" dirty="0">
-              <a:solidFill>
-                <a:prstClr val="black"/>
-              </a:solidFill>
-              <a:latin typeface="Consolas" panose="020B0609020204030204" pitchFamily="49" charset="0"/>
-              <a:ea typeface="나눔스퀘어_ac Bold" panose="020B0600000101010101" pitchFamily="50" charset="-127"/>
-            </a:endParaRPr>
-          </a:p>
-          <a:p>
-            <a:pPr>
-              <a:spcBef>
-                <a:spcPts val="120"/>
-              </a:spcBef>
-            </a:pPr>
-            <a:endParaRPr lang="en-US" altLang="ko-KR" sz="1200" dirty="0" smtClean="0">
-              <a:solidFill>
-                <a:prstClr val="black"/>
-              </a:solidFill>
-              <a:latin typeface="Consolas" panose="020B0609020204030204" pitchFamily="49" charset="0"/>
-              <a:ea typeface="나눔스퀘어_ac Bold" panose="020B0600000101010101" pitchFamily="50" charset="-127"/>
-            </a:endParaRPr>
-          </a:p>
-          <a:p>
-            <a:pPr>
-              <a:spcBef>
-                <a:spcPts val="120"/>
-              </a:spcBef>
-            </a:pPr>
-            <a:endParaRPr lang="en-US" altLang="ko-KR" sz="1200" dirty="0">
-              <a:solidFill>
-                <a:prstClr val="black"/>
-              </a:solidFill>
-              <a:latin typeface="Consolas" panose="020B0609020204030204" pitchFamily="49" charset="0"/>
-              <a:ea typeface="나눔스퀘어_ac Bold" panose="020B0600000101010101" pitchFamily="50" charset="-127"/>
-            </a:endParaRPr>
-          </a:p>
-          <a:p>
-            <a:pPr>
-              <a:spcBef>
-                <a:spcPts val="120"/>
-              </a:spcBef>
-            </a:pPr>
-            <a:endParaRPr lang="en-US" altLang="ko-KR" sz="1200" dirty="0" smtClean="0">
-              <a:solidFill>
-                <a:prstClr val="black"/>
-              </a:solidFill>
-              <a:latin typeface="Consolas" panose="020B0609020204030204" pitchFamily="49" charset="0"/>
-              <a:ea typeface="나눔스퀘어_ac Bold" panose="020B0600000101010101" pitchFamily="50" charset="-127"/>
-            </a:endParaRPr>
-          </a:p>
-          <a:p>
-            <a:pPr>
-              <a:spcBef>
-                <a:spcPts val="120"/>
-              </a:spcBef>
-            </a:pPr>
-            <a:endParaRPr lang="en-US" altLang="ko-KR" sz="1200" dirty="0">
-              <a:solidFill>
-                <a:prstClr val="black"/>
-              </a:solidFill>
-              <a:latin typeface="Consolas" panose="020B0609020204030204" pitchFamily="49" charset="0"/>
-              <a:ea typeface="나눔스퀘어_ac Bold" panose="020B0600000101010101" pitchFamily="50" charset="-127"/>
-            </a:endParaRPr>
-          </a:p>
-          <a:p>
-            <a:pPr>
-              <a:spcBef>
-                <a:spcPts val="120"/>
-              </a:spcBef>
-            </a:pPr>
-            <a:endParaRPr lang="en-US" altLang="ko-KR" sz="1200" dirty="0" smtClean="0">
-              <a:solidFill>
-                <a:prstClr val="black"/>
-              </a:solidFill>
-              <a:latin typeface="Consolas" panose="020B0609020204030204" pitchFamily="49" charset="0"/>
-              <a:ea typeface="나눔스퀘어_ac Bold" panose="020B0600000101010101" pitchFamily="50" charset="-127"/>
-            </a:endParaRPr>
-          </a:p>
-          <a:p>
-            <a:pPr>
-              <a:spcBef>
-                <a:spcPts val="120"/>
-              </a:spcBef>
-            </a:pPr>
-            <a:endParaRPr lang="en-US" altLang="ko-KR" sz="1200" dirty="0">
-              <a:solidFill>
-                <a:prstClr val="black"/>
-              </a:solidFill>
-              <a:latin typeface="Consolas" panose="020B0609020204030204" pitchFamily="49" charset="0"/>
-              <a:ea typeface="나눔스퀘어_ac Bold" panose="020B0600000101010101" pitchFamily="50" charset="-127"/>
-            </a:endParaRPr>
-          </a:p>
-          <a:p>
-            <a:pPr>
-              <a:spcBef>
-                <a:spcPts val="120"/>
-              </a:spcBef>
-            </a:pPr>
-            <a:endParaRPr lang="en-US" altLang="ko-KR" sz="1200" dirty="0" smtClean="0">
-              <a:solidFill>
-                <a:prstClr val="black"/>
-              </a:solidFill>
-              <a:latin typeface="Consolas" panose="020B0609020204030204" pitchFamily="49" charset="0"/>
-              <a:ea typeface="나눔스퀘어_ac Bold" panose="020B0600000101010101" pitchFamily="50" charset="-127"/>
-            </a:endParaRPr>
-          </a:p>
-          <a:p>
-            <a:pPr>
-              <a:spcBef>
-                <a:spcPts val="120"/>
-              </a:spcBef>
-            </a:pPr>
-            <a:endParaRPr lang="en-US" altLang="ko-KR" sz="1200" dirty="0">
-              <a:solidFill>
-                <a:prstClr val="black"/>
-              </a:solidFill>
-              <a:latin typeface="나눔스퀘어_ac Bold" panose="020B0600000101010101" pitchFamily="50" charset="-127"/>
-              <a:ea typeface="나눔스퀘어_ac Bold" panose="020B0600000101010101" pitchFamily="50" charset="-127"/>
-            </a:endParaRPr>
-          </a:p>
-        </p:txBody>
-      </p:sp>
-      <p:sp>
-        <p:nvSpPr>
-          <p:cNvPr id="19" name="직사각형 18"/>
-          <p:cNvSpPr/>
-          <p:nvPr/>
-        </p:nvSpPr>
-        <p:spPr>
-          <a:xfrm>
-            <a:off x="4786185" y="3441454"/>
-            <a:ext cx="1927655" cy="267530"/>
-          </a:xfrm>
-          <a:prstGeom prst="rect">
-            <a:avLst/>
-          </a:prstGeom>
-          <a:solidFill>
-            <a:srgbClr val="17375E"/>
-          </a:solidFill>
-          <a:ln w="28575">
-            <a:solidFill>
-              <a:schemeClr val="tx2">
-                <a:lumMod val="75000"/>
-              </a:schemeClr>
-            </a:solidFill>
-          </a:ln>
-        </p:spPr>
-        <p:style>
-          <a:lnRef idx="2">
-            <a:schemeClr val="accent1">
-              <a:shade val="50000"/>
-            </a:schemeClr>
-          </a:lnRef>
-          <a:fillRef idx="1">
-            <a:schemeClr val="accent1"/>
-          </a:fillRef>
-          <a:effectRef idx="0">
-            <a:schemeClr val="accent1"/>
-          </a:effectRef>
-          <a:fontRef idx="minor">
-            <a:schemeClr val="lt1"/>
-          </a:fontRef>
-        </p:style>
-        <p:txBody>
-          <a:bodyPr rtlCol="0" anchor="ctr"/>
-          <a:lstStyle/>
-          <a:p>
-            <a:pPr algn="ctr"/>
-            <a:r>
-              <a:rPr lang="en-US" altLang="ko-KR" sz="1600" dirty="0" smtClean="0">
-                <a:solidFill>
-                  <a:prstClr val="white"/>
-                </a:solidFill>
-                <a:latin typeface="나눔스퀘어_ac ExtraBold" panose="020B0600000101010101" pitchFamily="50" charset="-127"/>
-                <a:ea typeface="나눔스퀘어_ac ExtraBold" panose="020B0600000101010101" pitchFamily="50" charset="-127"/>
-              </a:rPr>
-              <a:t>Business logic</a:t>
-            </a:r>
-            <a:endParaRPr lang="ko-KR" altLang="en-US" sz="1600" dirty="0">
-              <a:solidFill>
-                <a:prstClr val="white"/>
-              </a:solidFill>
-              <a:latin typeface="나눔스퀘어_ac ExtraBold" panose="020B0600000101010101" pitchFamily="50" charset="-127"/>
-              <a:ea typeface="나눔스퀘어_ac ExtraBold" panose="020B0600000101010101" pitchFamily="50" charset="-127"/>
-            </a:endParaRPr>
-          </a:p>
-        </p:txBody>
-      </p:sp>
-      <p:sp>
-        <p:nvSpPr>
-          <p:cNvPr id="2" name="직사각형 1"/>
-          <p:cNvSpPr/>
-          <p:nvPr/>
-        </p:nvSpPr>
-        <p:spPr>
-          <a:xfrm>
-            <a:off x="3772930" y="1367481"/>
-            <a:ext cx="1268627" cy="642551"/>
-          </a:xfrm>
-          <a:prstGeom prst="rect">
-            <a:avLst/>
-          </a:prstGeom>
-          <a:solidFill>
-            <a:schemeClr val="bg1">
-              <a:lumMod val="95000"/>
-            </a:schemeClr>
-          </a:solidFill>
-          <a:ln>
-            <a:noFill/>
-          </a:ln>
-        </p:spPr>
-        <p:style>
-          <a:lnRef idx="2">
-            <a:schemeClr val="accent1">
-              <a:shade val="50000"/>
-            </a:schemeClr>
-          </a:lnRef>
-          <a:fillRef idx="1">
-            <a:schemeClr val="accent1"/>
-          </a:fillRef>
-          <a:effectRef idx="0">
-            <a:schemeClr val="accent1"/>
-          </a:effectRef>
-          <a:fontRef idx="minor">
-            <a:schemeClr val="lt1"/>
-          </a:fontRef>
-        </p:style>
-        <p:txBody>
-          <a:bodyPr rtlCol="0" anchor="ctr"/>
-          <a:lstStyle/>
-          <a:p>
-            <a:pPr algn="ctr"/>
-            <a:r>
-              <a:rPr lang="ko-KR" altLang="en-US" dirty="0" smtClean="0">
-                <a:solidFill>
-                  <a:schemeClr val="tx1">
-                    <a:lumMod val="85000"/>
-                    <a:lumOff val="15000"/>
-                  </a:schemeClr>
-                </a:solidFill>
-              </a:rPr>
-              <a:t>화면</a:t>
-            </a:r>
-            <a:endParaRPr lang="ko-KR" altLang="en-US" dirty="0">
-              <a:solidFill>
-                <a:schemeClr val="tx1">
-                  <a:lumMod val="85000"/>
-                  <a:lumOff val="15000"/>
-                </a:schemeClr>
-              </a:solidFill>
-            </a:endParaRPr>
-          </a:p>
-        </p:txBody>
-      </p:sp>
     </p:spTree>
     <p:extLst>
       <p:ext uri="{BB962C8B-B14F-4D97-AF65-F5344CB8AC3E}">
-        <p14:creationId xmlns:p14="http://schemas.microsoft.com/office/powerpoint/2010/main" val="4147907730"/>
+        <p14:creationId xmlns:p14="http://schemas.microsoft.com/office/powerpoint/2010/main" val="7139216"/>
       </p:ext>
     </p:extLst>
   </p:cSld>
@@ -10153,8 +16624,8 @@
         </p:nvSpPr>
         <p:spPr>
           <a:xfrm>
-            <a:off x="4782085" y="575271"/>
-            <a:ext cx="4226009" cy="4332621"/>
+            <a:off x="115331" y="4220134"/>
+            <a:ext cx="4600850" cy="2460668"/>
           </a:xfrm>
           <a:prstGeom prst="rect">
             <a:avLst/>
@@ -10203,7 +16674,7 @@
         </p:nvSpPr>
         <p:spPr>
           <a:xfrm>
-            <a:off x="4782085" y="575271"/>
+            <a:off x="115331" y="4220133"/>
             <a:ext cx="741405" cy="267530"/>
           </a:xfrm>
           <a:prstGeom prst="rect">
@@ -10265,8 +16736,8 @@
         </p:nvSpPr>
         <p:spPr>
           <a:xfrm>
-            <a:off x="4782085" y="5023119"/>
-            <a:ext cx="4221909" cy="1659429"/>
+            <a:off x="4786185" y="4227699"/>
+            <a:ext cx="4221909" cy="2449388"/>
           </a:xfrm>
           <a:prstGeom prst="rect">
             <a:avLst/>
@@ -10389,6 +16860,72 @@
               <a:solidFill>
                 <a:prstClr val="black"/>
               </a:solidFill>
+              <a:latin typeface="Consolas" panose="020B0609020204030204" pitchFamily="49" charset="0"/>
+              <a:ea typeface="나눔스퀘어_ac Bold" panose="020B0600000101010101" pitchFamily="50" charset="-127"/>
+            </a:endParaRPr>
+          </a:p>
+          <a:p>
+            <a:pPr>
+              <a:spcBef>
+                <a:spcPts val="120"/>
+              </a:spcBef>
+            </a:pPr>
+            <a:endParaRPr lang="en-US" altLang="ko-KR" sz="1200" dirty="0" smtClean="0">
+              <a:solidFill>
+                <a:prstClr val="black"/>
+              </a:solidFill>
+              <a:latin typeface="Consolas" panose="020B0609020204030204" pitchFamily="49" charset="0"/>
+              <a:ea typeface="나눔스퀘어_ac Bold" panose="020B0600000101010101" pitchFamily="50" charset="-127"/>
+            </a:endParaRPr>
+          </a:p>
+          <a:p>
+            <a:pPr>
+              <a:spcBef>
+                <a:spcPts val="120"/>
+              </a:spcBef>
+            </a:pPr>
+            <a:endParaRPr lang="en-US" altLang="ko-KR" sz="1200" dirty="0">
+              <a:solidFill>
+                <a:prstClr val="black"/>
+              </a:solidFill>
+              <a:latin typeface="Consolas" panose="020B0609020204030204" pitchFamily="49" charset="0"/>
+              <a:ea typeface="나눔스퀘어_ac Bold" panose="020B0600000101010101" pitchFamily="50" charset="-127"/>
+            </a:endParaRPr>
+          </a:p>
+          <a:p>
+            <a:pPr>
+              <a:spcBef>
+                <a:spcPts val="120"/>
+              </a:spcBef>
+            </a:pPr>
+            <a:endParaRPr lang="en-US" altLang="ko-KR" sz="1200" dirty="0" smtClean="0">
+              <a:solidFill>
+                <a:prstClr val="black"/>
+              </a:solidFill>
+              <a:latin typeface="Consolas" panose="020B0609020204030204" pitchFamily="49" charset="0"/>
+              <a:ea typeface="나눔스퀘어_ac Bold" panose="020B0600000101010101" pitchFamily="50" charset="-127"/>
+            </a:endParaRPr>
+          </a:p>
+          <a:p>
+            <a:pPr>
+              <a:spcBef>
+                <a:spcPts val="120"/>
+              </a:spcBef>
+            </a:pPr>
+            <a:r>
+              <a:rPr lang="ko-KR" altLang="en-US" sz="1200" smtClean="0">
+                <a:solidFill>
+                  <a:prstClr val="black"/>
+                </a:solidFill>
+                <a:latin typeface="나눔스퀘어_ac Bold" panose="020B0600000101010101" pitchFamily="50" charset="-127"/>
+                <a:ea typeface="나눔스퀘어_ac Bold" panose="020B0600000101010101" pitchFamily="50" charset="-127"/>
+              </a:rPr>
+              <a:t>ㄴㄴㄴ</a:t>
+            </a:r>
+            <a:endParaRPr lang="en-US" altLang="ko-KR" sz="1200" dirty="0">
+              <a:solidFill>
+                <a:prstClr val="black"/>
+              </a:solidFill>
               <a:latin typeface="나눔스퀘어_ac Bold" panose="020B0600000101010101" pitchFamily="50" charset="-127"/>
               <a:ea typeface="나눔스퀘어_ac Bold" panose="020B0600000101010101" pitchFamily="50" charset="-127"/>
             </a:endParaRPr>
@@ -10403,7 +16940,7 @@
         </p:nvSpPr>
         <p:spPr>
           <a:xfrm>
-            <a:off x="4782085" y="5023119"/>
+            <a:off x="4786185" y="4239960"/>
             <a:ext cx="1927655" cy="267530"/>
           </a:xfrm>
           <a:prstGeom prst="rect">
@@ -10461,76 +16998,70 @@
           </a:p>
         </p:txBody>
       </p:sp>
-      <p:sp>
-        <p:nvSpPr>
-          <p:cNvPr id="2" name="직사각형 1"/>
-          <p:cNvSpPr/>
+      <p:pic>
+        <p:nvPicPr>
+          <p:cNvPr id="12" name="그림 11"/>
+          <p:cNvPicPr>
+            <a:picLocks noChangeAspect="1"/>
+          </p:cNvPicPr>
           <p:nvPr/>
-        </p:nvSpPr>
+        </p:nvPicPr>
+        <p:blipFill>
+          <a:blip r:embed="rId2">
+            <a:extLst>
+              <a:ext uri="{28A0092B-C50C-407E-A947-70E740481C1C}">
+                <a14:useLocalDpi xmlns:a14="http://schemas.microsoft.com/office/drawing/2010/main" val="0"/>
+              </a:ext>
+            </a:extLst>
+          </a:blip>
+          <a:stretch>
+            <a:fillRect/>
+          </a:stretch>
+        </p:blipFill>
         <p:spPr>
           <a:xfrm>
-            <a:off x="1524000" y="3048000"/>
-            <a:ext cx="1268627" cy="642551"/>
+            <a:off x="115331" y="595888"/>
+            <a:ext cx="6002733" cy="3556312"/>
           </a:xfrm>
           <a:prstGeom prst="rect">
             <a:avLst/>
           </a:prstGeom>
-          <a:solidFill>
-            <a:schemeClr val="bg1">
-              <a:lumMod val="95000"/>
-            </a:schemeClr>
-          </a:solidFill>
-          <a:ln>
-            <a:noFill/>
-          </a:ln>
         </p:spPr>
-        <p:style>
-          <a:lnRef idx="2">
-            <a:schemeClr val="accent1">
-              <a:shade val="50000"/>
-            </a:schemeClr>
-          </a:lnRef>
-          <a:fillRef idx="1">
-            <a:schemeClr val="accent1"/>
-          </a:fillRef>
-          <a:effectRef idx="0">
-            <a:schemeClr val="accent1"/>
-          </a:effectRef>
-          <a:fontRef idx="minor">
-            <a:schemeClr val="lt1"/>
-          </a:fontRef>
-        </p:style>
-        <p:txBody>
-          <a:bodyPr rtlCol="0" anchor="ctr"/>
-          <a:lstStyle/>
-          <a:p>
-            <a:pPr algn="ctr"/>
-            <a:r>
-              <a:rPr lang="ko-KR" altLang="en-US" dirty="0" smtClean="0">
-                <a:solidFill>
-                  <a:prstClr val="black">
-                    <a:lumMod val="85000"/>
-                    <a:lumOff val="15000"/>
-                  </a:prstClr>
-                </a:solidFill>
-              </a:rPr>
-              <a:t>화면</a:t>
-            </a:r>
-            <a:endParaRPr lang="ko-KR" altLang="en-US" dirty="0">
-              <a:solidFill>
-                <a:prstClr val="black">
-                  <a:lumMod val="85000"/>
-                  <a:lumOff val="15000"/>
-                </a:prstClr>
-              </a:solidFill>
-            </a:endParaRPr>
-          </a:p>
-        </p:txBody>
-      </p:sp>
+      </p:pic>
+      <p:pic>
+        <p:nvPicPr>
+          <p:cNvPr id="13" name="그림 12"/>
+          <p:cNvPicPr>
+            <a:picLocks noChangeAspect="1"/>
+          </p:cNvPicPr>
+          <p:nvPr/>
+        </p:nvPicPr>
+        <p:blipFill>
+          <a:blip r:embed="rId3">
+            <a:extLst>
+              <a:ext uri="{28A0092B-C50C-407E-A947-70E740481C1C}">
+                <a14:useLocalDpi xmlns:a14="http://schemas.microsoft.com/office/drawing/2010/main" val="0"/>
+              </a:ext>
+            </a:extLst>
+          </a:blip>
+          <a:stretch>
+            <a:fillRect/>
+          </a:stretch>
+        </p:blipFill>
+        <p:spPr>
+          <a:xfrm>
+            <a:off x="6208167" y="2308151"/>
+            <a:ext cx="2779828" cy="1804321"/>
+          </a:xfrm>
+          <a:prstGeom prst="rect">
+            <a:avLst/>
+          </a:prstGeom>
+        </p:spPr>
+      </p:pic>
     </p:spTree>
     <p:extLst>
       <p:ext uri="{BB962C8B-B14F-4D97-AF65-F5344CB8AC3E}">
-        <p14:creationId xmlns:p14="http://schemas.microsoft.com/office/powerpoint/2010/main" val="180718939"/>
+        <p14:creationId xmlns:p14="http://schemas.microsoft.com/office/powerpoint/2010/main" val="1362054400"/>
       </p:ext>
     </p:extLst>
   </p:cSld>
@@ -10670,16 +17201,6 @@
             <a:lstStyle/>
             <a:p>
               <a:pPr algn="ctr"/>
-              <a:r>
-                <a:rPr lang="ko-KR" altLang="en-US" dirty="0" smtClean="0">
-                  <a:solidFill>
-                    <a:srgbClr val="EEECE1">
-                      <a:lumMod val="50000"/>
-                    </a:srgbClr>
-                  </a:solidFill>
-                </a:rPr>
-                <a:t> </a:t>
-              </a:r>
               <a:endParaRPr lang="ko-KR" altLang="en-US" dirty="0">
                 <a:solidFill>
                   <a:srgbClr val="EEECE1">
@@ -10706,7 +17227,7 @@
             <a:avLst/>
           </a:prstGeom>
           <a:solidFill>
-            <a:srgbClr val="94C3BB"/>
+            <a:srgbClr val="FDBBC1"/>
           </a:solidFill>
           <a:ln>
             <a:noFill/>
@@ -10734,14 +17255,14 @@
           <a:p>
             <a:pPr algn="ctr"/>
             <a:r>
-              <a:rPr lang="en-US" altLang="ko-KR" sz="2400" dirty="0" smtClean="0">
+              <a:rPr lang="en-US" altLang="ko-KR" sz="2400" dirty="0">
                 <a:solidFill>
                   <a:prstClr val="white"/>
                 </a:solidFill>
                 <a:latin typeface="타이포_스톰 B" panose="02020503020101020101" pitchFamily="18" charset="-127"/>
                 <a:ea typeface="타이포_스톰 B" panose="02020503020101020101" pitchFamily="18" charset="-127"/>
               </a:rPr>
-              <a:t>APP</a:t>
+              <a:t>WEB</a:t>
             </a:r>
             <a:endParaRPr lang="ko-KR" altLang="en-US" sz="2400" dirty="0">
               <a:solidFill>
@@ -10768,7 +17289,7 @@
             <a:avLst/>
           </a:prstGeom>
           <a:solidFill>
-            <a:srgbClr val="94C3BB"/>
+            <a:srgbClr val="FDBBC1"/>
           </a:solidFill>
           <a:ln>
             <a:noFill/>
@@ -10831,7 +17352,7 @@
                 <a:latin typeface="타이포_스톰 B" panose="02020503020101020101" pitchFamily="18" charset="-127"/>
                 <a:ea typeface="타이포_스톰 B" panose="02020503020101020101" pitchFamily="18" charset="-127"/>
               </a:rPr>
-              <a:t>]  </a:t>
+              <a:t>]   </a:t>
             </a:r>
             <a:endParaRPr lang="ko-KR" altLang="en-US" sz="2000" dirty="0">
               <a:solidFill>
@@ -10846,107 +17367,16 @@
           </a:p>
         </p:txBody>
       </p:sp>
-      <p:grpSp>
-        <p:nvGrpSpPr>
-          <p:cNvPr id="8" name="그룹 7"/>
-          <p:cNvGrpSpPr/>
-          <p:nvPr/>
-        </p:nvGrpSpPr>
-        <p:grpSpPr>
-          <a:xfrm>
-            <a:off x="525582" y="662261"/>
-            <a:ext cx="2884883" cy="5937747"/>
-            <a:chOff x="525582" y="662261"/>
-            <a:chExt cx="2884883" cy="5937747"/>
-          </a:xfrm>
-        </p:grpSpPr>
-        <p:pic>
-          <p:nvPicPr>
-            <p:cNvPr id="2" name="그림 1"/>
-            <p:cNvPicPr>
-              <a:picLocks noChangeAspect="1"/>
-            </p:cNvPicPr>
-            <p:nvPr/>
-          </p:nvPicPr>
-          <p:blipFill>
-            <a:blip r:embed="rId2"/>
-            <a:stretch>
-              <a:fillRect/>
-            </a:stretch>
-          </p:blipFill>
-          <p:spPr>
-            <a:xfrm>
-              <a:off x="525582" y="662261"/>
-              <a:ext cx="2884883" cy="5937747"/>
-            </a:xfrm>
-            <a:prstGeom prst="rect">
-              <a:avLst/>
-            </a:prstGeom>
-          </p:spPr>
-        </p:pic>
-        <p:sp>
-          <p:nvSpPr>
-            <p:cNvPr id="4" name="직사각형 3"/>
-            <p:cNvSpPr/>
-            <p:nvPr/>
-          </p:nvSpPr>
-          <p:spPr>
-            <a:xfrm>
-              <a:off x="576649" y="1079157"/>
-              <a:ext cx="2776151" cy="4662616"/>
-            </a:xfrm>
-            <a:prstGeom prst="rect">
-              <a:avLst/>
-            </a:prstGeom>
-            <a:solidFill>
-              <a:schemeClr val="bg1"/>
-            </a:solidFill>
-            <a:ln>
-              <a:solidFill>
-                <a:schemeClr val="bg1"/>
-              </a:solidFill>
-            </a:ln>
-          </p:spPr>
-          <p:style>
-            <a:lnRef idx="2">
-              <a:schemeClr val="accent1">
-                <a:shade val="50000"/>
-              </a:schemeClr>
-            </a:lnRef>
-            <a:fillRef idx="1">
-              <a:schemeClr val="accent1"/>
-            </a:fillRef>
-            <a:effectRef idx="0">
-              <a:schemeClr val="accent1"/>
-            </a:effectRef>
-            <a:fontRef idx="minor">
-              <a:schemeClr val="lt1"/>
-            </a:fontRef>
-          </p:style>
-          <p:txBody>
-            <a:bodyPr rtlCol="0" anchor="ctr"/>
-            <a:lstStyle/>
-            <a:p>
-              <a:pPr algn="ctr"/>
-              <a:endParaRPr lang="ko-KR" altLang="en-US">
-                <a:solidFill>
-                  <a:prstClr val="white"/>
-                </a:solidFill>
-              </a:endParaRPr>
-            </a:p>
-          </p:txBody>
-        </p:sp>
-      </p:grpSp>
       <p:sp>
         <p:nvSpPr>
-          <p:cNvPr id="15" name="직사각형 14"/>
+          <p:cNvPr id="11" name="직사각형 10"/>
           <p:cNvSpPr/>
           <p:nvPr/>
         </p:nvSpPr>
         <p:spPr>
           <a:xfrm>
-            <a:off x="3698787" y="680247"/>
-            <a:ext cx="5271995" cy="5919761"/>
+            <a:off x="115331" y="4220134"/>
+            <a:ext cx="4600850" cy="2460668"/>
           </a:xfrm>
           <a:prstGeom prst="rect">
             <a:avLst/>
@@ -10989,14 +17419,14 @@
       </p:sp>
       <p:sp>
         <p:nvSpPr>
-          <p:cNvPr id="16" name="직사각형 15"/>
+          <p:cNvPr id="15" name="직사각형 14"/>
           <p:cNvSpPr/>
           <p:nvPr/>
         </p:nvSpPr>
         <p:spPr>
           <a:xfrm>
-            <a:off x="3698787" y="695001"/>
-            <a:ext cx="1013256" cy="267530"/>
+            <a:off x="115331" y="4220133"/>
+            <a:ext cx="741405" cy="267530"/>
           </a:xfrm>
           <a:prstGeom prst="rect">
             <a:avLst/>
@@ -11030,14 +17460,14 @@
           <a:p>
             <a:pPr algn="ctr"/>
             <a:r>
-              <a:rPr lang="en-US" altLang="ko-KR" sz="1600" dirty="0" smtClean="0">
+              <a:rPr lang="en-US" altLang="ko-KR" sz="1600" dirty="0" err="1" smtClean="0">
                 <a:solidFill>
                   <a:prstClr val="white"/>
                 </a:solidFill>
                 <a:latin typeface="나눔스퀘어_ac ExtraBold" panose="020B0600000101010101" pitchFamily="50" charset="-127"/>
                 <a:ea typeface="나눔스퀘어_ac ExtraBold" panose="020B0600000101010101" pitchFamily="50" charset="-127"/>
               </a:rPr>
-              <a:t>service</a:t>
+              <a:t>jsp</a:t>
             </a:r>
             <a:endParaRPr lang="ko-KR" altLang="en-US" sz="1600" dirty="0">
               <a:solidFill>
@@ -11051,25 +17481,231 @@
       </p:sp>
       <p:sp>
         <p:nvSpPr>
-          <p:cNvPr id="22" name="직사각형 21"/>
+          <p:cNvPr id="16" name="직사각형 15"/>
           <p:cNvSpPr/>
           <p:nvPr/>
         </p:nvSpPr>
         <p:spPr>
           <a:xfrm>
-            <a:off x="5700470" y="2997576"/>
-            <a:ext cx="1268627" cy="642551"/>
+            <a:off x="4786185" y="4227699"/>
+            <a:ext cx="4221909" cy="2449388"/>
           </a:xfrm>
           <a:prstGeom prst="rect">
             <a:avLst/>
           </a:prstGeom>
           <a:solidFill>
-            <a:schemeClr val="bg1">
-              <a:lumMod val="95000"/>
-            </a:schemeClr>
+            <a:schemeClr val="bg1"/>
           </a:solidFill>
-          <a:ln>
-            <a:noFill/>
+          <a:ln w="28575">
+            <a:solidFill>
+              <a:schemeClr val="tx2">
+                <a:lumMod val="75000"/>
+              </a:schemeClr>
+            </a:solidFill>
+          </a:ln>
+        </p:spPr>
+        <p:txBody>
+          <a:bodyPr wrap="square">
+            <a:spAutoFit/>
+          </a:bodyPr>
+          <a:lstStyle/>
+          <a:p>
+            <a:endParaRPr lang="en-US" altLang="ko-KR" sz="1200" dirty="0" smtClean="0">
+              <a:solidFill>
+                <a:prstClr val="black"/>
+              </a:solidFill>
+              <a:latin typeface="Consolas" panose="020B0609020204030204" pitchFamily="49" charset="0"/>
+            </a:endParaRPr>
+          </a:p>
+          <a:p>
+            <a:pPr>
+              <a:spcBef>
+                <a:spcPts val="120"/>
+              </a:spcBef>
+            </a:pPr>
+            <a:endParaRPr lang="en-US" altLang="ko-KR" sz="1200" dirty="0">
+              <a:solidFill>
+                <a:prstClr val="black"/>
+              </a:solidFill>
+              <a:latin typeface="Consolas" panose="020B0609020204030204" pitchFamily="49" charset="0"/>
+              <a:ea typeface="나눔스퀘어_ac Bold" panose="020B0600000101010101" pitchFamily="50" charset="-127"/>
+            </a:endParaRPr>
+          </a:p>
+          <a:p>
+            <a:pPr>
+              <a:spcBef>
+                <a:spcPts val="120"/>
+              </a:spcBef>
+            </a:pPr>
+            <a:endParaRPr lang="en-US" altLang="ko-KR" sz="1200" dirty="0" smtClean="0">
+              <a:solidFill>
+                <a:prstClr val="black"/>
+              </a:solidFill>
+              <a:latin typeface="Consolas" panose="020B0609020204030204" pitchFamily="49" charset="0"/>
+              <a:ea typeface="나눔스퀘어_ac Bold" panose="020B0600000101010101" pitchFamily="50" charset="-127"/>
+            </a:endParaRPr>
+          </a:p>
+          <a:p>
+            <a:pPr>
+              <a:spcBef>
+                <a:spcPts val="120"/>
+              </a:spcBef>
+            </a:pPr>
+            <a:endParaRPr lang="en-US" altLang="ko-KR" sz="1200" dirty="0">
+              <a:solidFill>
+                <a:prstClr val="black"/>
+              </a:solidFill>
+              <a:latin typeface="Consolas" panose="020B0609020204030204" pitchFamily="49" charset="0"/>
+              <a:ea typeface="나눔스퀘어_ac Bold" panose="020B0600000101010101" pitchFamily="50" charset="-127"/>
+            </a:endParaRPr>
+          </a:p>
+          <a:p>
+            <a:pPr>
+              <a:spcBef>
+                <a:spcPts val="120"/>
+              </a:spcBef>
+            </a:pPr>
+            <a:endParaRPr lang="en-US" altLang="ko-KR" sz="1200" dirty="0" smtClean="0">
+              <a:solidFill>
+                <a:prstClr val="black"/>
+              </a:solidFill>
+              <a:latin typeface="Consolas" panose="020B0609020204030204" pitchFamily="49" charset="0"/>
+              <a:ea typeface="나눔스퀘어_ac Bold" panose="020B0600000101010101" pitchFamily="50" charset="-127"/>
+            </a:endParaRPr>
+          </a:p>
+          <a:p>
+            <a:pPr>
+              <a:spcBef>
+                <a:spcPts val="120"/>
+              </a:spcBef>
+            </a:pPr>
+            <a:endParaRPr lang="en-US" altLang="ko-KR" sz="1200" dirty="0">
+              <a:solidFill>
+                <a:prstClr val="black"/>
+              </a:solidFill>
+              <a:latin typeface="Consolas" panose="020B0609020204030204" pitchFamily="49" charset="0"/>
+              <a:ea typeface="나눔스퀘어_ac Bold" panose="020B0600000101010101" pitchFamily="50" charset="-127"/>
+            </a:endParaRPr>
+          </a:p>
+          <a:p>
+            <a:pPr>
+              <a:spcBef>
+                <a:spcPts val="120"/>
+              </a:spcBef>
+            </a:pPr>
+            <a:endParaRPr lang="en-US" altLang="ko-KR" sz="1200" dirty="0" smtClean="0">
+              <a:solidFill>
+                <a:prstClr val="black"/>
+              </a:solidFill>
+              <a:latin typeface="Consolas" panose="020B0609020204030204" pitchFamily="49" charset="0"/>
+              <a:ea typeface="나눔스퀘어_ac Bold" panose="020B0600000101010101" pitchFamily="50" charset="-127"/>
+            </a:endParaRPr>
+          </a:p>
+          <a:p>
+            <a:pPr>
+              <a:spcBef>
+                <a:spcPts val="120"/>
+              </a:spcBef>
+            </a:pPr>
+            <a:endParaRPr lang="en-US" altLang="ko-KR" sz="1200" dirty="0">
+              <a:solidFill>
+                <a:prstClr val="black"/>
+              </a:solidFill>
+              <a:latin typeface="Consolas" panose="020B0609020204030204" pitchFamily="49" charset="0"/>
+              <a:ea typeface="나눔스퀘어_ac Bold" panose="020B0600000101010101" pitchFamily="50" charset="-127"/>
+            </a:endParaRPr>
+          </a:p>
+          <a:p>
+            <a:pPr>
+              <a:spcBef>
+                <a:spcPts val="120"/>
+              </a:spcBef>
+            </a:pPr>
+            <a:endParaRPr lang="en-US" altLang="ko-KR" sz="1200" dirty="0" smtClean="0">
+              <a:solidFill>
+                <a:prstClr val="black"/>
+              </a:solidFill>
+              <a:latin typeface="Consolas" panose="020B0609020204030204" pitchFamily="49" charset="0"/>
+              <a:ea typeface="나눔스퀘어_ac Bold" panose="020B0600000101010101" pitchFamily="50" charset="-127"/>
+            </a:endParaRPr>
+          </a:p>
+          <a:p>
+            <a:pPr>
+              <a:spcBef>
+                <a:spcPts val="120"/>
+              </a:spcBef>
+            </a:pPr>
+            <a:endParaRPr lang="en-US" altLang="ko-KR" sz="1200" dirty="0">
+              <a:solidFill>
+                <a:prstClr val="black"/>
+              </a:solidFill>
+              <a:latin typeface="Consolas" panose="020B0609020204030204" pitchFamily="49" charset="0"/>
+              <a:ea typeface="나눔스퀘어_ac Bold" panose="020B0600000101010101" pitchFamily="50" charset="-127"/>
+            </a:endParaRPr>
+          </a:p>
+          <a:p>
+            <a:pPr>
+              <a:spcBef>
+                <a:spcPts val="120"/>
+              </a:spcBef>
+            </a:pPr>
+            <a:endParaRPr lang="en-US" altLang="ko-KR" sz="1200" dirty="0" smtClean="0">
+              <a:solidFill>
+                <a:prstClr val="black"/>
+              </a:solidFill>
+              <a:latin typeface="Consolas" panose="020B0609020204030204" pitchFamily="49" charset="0"/>
+              <a:ea typeface="나눔스퀘어_ac Bold" panose="020B0600000101010101" pitchFamily="50" charset="-127"/>
+            </a:endParaRPr>
+          </a:p>
+          <a:p>
+            <a:pPr>
+              <a:spcBef>
+                <a:spcPts val="120"/>
+              </a:spcBef>
+            </a:pPr>
+            <a:r>
+              <a:rPr lang="ko-KR" altLang="en-US" sz="1200" smtClean="0">
+                <a:solidFill>
+                  <a:prstClr val="black"/>
+                </a:solidFill>
+                <a:latin typeface="나눔스퀘어_ac Bold" panose="020B0600000101010101" pitchFamily="50" charset="-127"/>
+                <a:ea typeface="나눔스퀘어_ac Bold" panose="020B0600000101010101" pitchFamily="50" charset="-127"/>
+              </a:rPr>
+              <a:t>ㄴㄴㄴ</a:t>
+            </a:r>
+            <a:endParaRPr lang="en-US" altLang="ko-KR" sz="1200" dirty="0">
+              <a:solidFill>
+                <a:prstClr val="black"/>
+              </a:solidFill>
+              <a:latin typeface="나눔스퀘어_ac Bold" panose="020B0600000101010101" pitchFamily="50" charset="-127"/>
+              <a:ea typeface="나눔스퀘어_ac Bold" panose="020B0600000101010101" pitchFamily="50" charset="-127"/>
+            </a:endParaRPr>
+          </a:p>
+        </p:txBody>
+      </p:sp>
+      <p:sp>
+        <p:nvSpPr>
+          <p:cNvPr id="19" name="직사각형 18"/>
+          <p:cNvSpPr/>
+          <p:nvPr/>
+        </p:nvSpPr>
+        <p:spPr>
+          <a:xfrm>
+            <a:off x="4786185" y="4239960"/>
+            <a:ext cx="1927655" cy="267530"/>
+          </a:xfrm>
+          <a:prstGeom prst="rect">
+            <a:avLst/>
+          </a:prstGeom>
+          <a:solidFill>
+            <a:srgbClr val="17375E"/>
+          </a:solidFill>
+          <a:ln w="28575">
+            <a:solidFill>
+              <a:schemeClr val="tx2">
+                <a:lumMod val="75000"/>
+              </a:schemeClr>
+            </a:solidFill>
           </a:ln>
         </p:spPr>
         <p:style>
@@ -11094,31 +17730,88 @@
           <a:p>
             <a:pPr algn="ctr"/>
             <a:r>
-              <a:rPr lang="ko-KR" altLang="en-US" dirty="0" err="1" smtClean="0">
-                <a:solidFill>
-                  <a:prstClr val="black">
-                    <a:lumMod val="85000"/>
-                    <a:lumOff val="15000"/>
-                  </a:prstClr>
-                </a:solidFill>
-              </a:rPr>
-              <a:t>이클립스코드</a:t>
-            </a:r>
-            <a:endParaRPr lang="ko-KR" altLang="en-US" dirty="0">
+              <a:rPr lang="en-US" altLang="ko-KR" sz="1600" dirty="0" smtClean="0">
+                <a:solidFill>
+                  <a:prstClr val="white"/>
+                </a:solidFill>
+                <a:latin typeface="나눔스퀘어_ac ExtraBold" panose="020B0600000101010101" pitchFamily="50" charset="-127"/>
+                <a:ea typeface="나눔스퀘어_ac ExtraBold" panose="020B0600000101010101" pitchFamily="50" charset="-127"/>
+              </a:rPr>
+              <a:t>Business logic</a:t>
+            </a:r>
+            <a:endParaRPr lang="ko-KR" altLang="en-US" sz="1600" dirty="0">
               <a:solidFill>
-                <a:prstClr val="black">
-                  <a:lumMod val="85000"/>
-                  <a:lumOff val="15000"/>
-                </a:prstClr>
+                <a:prstClr val="white"/>
               </a:solidFill>
+              <a:latin typeface="나눔스퀘어_ac ExtraBold" panose="020B0600000101010101" pitchFamily="50" charset="-127"/>
+              <a:ea typeface="나눔스퀘어_ac ExtraBold" panose="020B0600000101010101" pitchFamily="50" charset="-127"/>
             </a:endParaRPr>
           </a:p>
         </p:txBody>
       </p:sp>
+      <p:pic>
+        <p:nvPicPr>
+          <p:cNvPr id="12" name="그림 11"/>
+          <p:cNvPicPr>
+            <a:picLocks noChangeAspect="1"/>
+          </p:cNvPicPr>
+          <p:nvPr/>
+        </p:nvPicPr>
+        <p:blipFill rotWithShape="1">
+          <a:blip r:embed="rId2">
+            <a:extLst>
+              <a:ext uri="{28A0092B-C50C-407E-A947-70E740481C1C}">
+                <a14:useLocalDpi xmlns:a14="http://schemas.microsoft.com/office/drawing/2010/main" val="0"/>
+              </a:ext>
+            </a:extLst>
+          </a:blip>
+          <a:srcRect l="1225" t="54666" r="56684" b="34166"/>
+          <a:stretch/>
+        </p:blipFill>
+        <p:spPr>
+          <a:xfrm>
+            <a:off x="387928" y="700250"/>
+            <a:ext cx="2526645" cy="397164"/>
+          </a:xfrm>
+          <a:prstGeom prst="rect">
+            <a:avLst/>
+          </a:prstGeom>
+        </p:spPr>
+      </p:pic>
+      <p:pic>
+        <p:nvPicPr>
+          <p:cNvPr id="14" name="그림 13"/>
+          <p:cNvPicPr>
+            <a:picLocks noChangeAspect="1"/>
+          </p:cNvPicPr>
+          <p:nvPr/>
+        </p:nvPicPr>
+        <p:blipFill>
+          <a:blip r:embed="rId3">
+            <a:extLst>
+              <a:ext uri="{28A0092B-C50C-407E-A947-70E740481C1C}">
+                <a14:useLocalDpi xmlns:a14="http://schemas.microsoft.com/office/drawing/2010/main" val="0"/>
+              </a:ext>
+            </a:extLst>
+          </a:blip>
+          <a:stretch>
+            <a:fillRect/>
+          </a:stretch>
+        </p:blipFill>
+        <p:spPr>
+          <a:xfrm>
+            <a:off x="3062354" y="700250"/>
+            <a:ext cx="5065646" cy="3379285"/>
+          </a:xfrm>
+          <a:prstGeom prst="rect">
+            <a:avLst/>
+          </a:prstGeom>
+        </p:spPr>
+      </p:pic>
     </p:spTree>
     <p:extLst>
       <p:ext uri="{BB962C8B-B14F-4D97-AF65-F5344CB8AC3E}">
-        <p14:creationId xmlns:p14="http://schemas.microsoft.com/office/powerpoint/2010/main" val="2297866862"/>
+        <p14:creationId xmlns:p14="http://schemas.microsoft.com/office/powerpoint/2010/main" val="2699326151"/>
       </p:ext>
     </p:extLst>
   </p:cSld>

--- a/WebContent/jhk/0608 전현규.pptx
+++ b/WebContent/jhk/0608 전현규.pptx
@@ -49,32 +49,32 @@
   <p:notesSz cx="6858000" cy="9144000"/>
   <p:embeddedFontLst>
     <p:embeddedFont>
-      <p:font typeface="맑은 고딕" panose="020B0503020000020004" pitchFamily="50" charset="-127"/>
-      <p:regular r:id="rId39"/>
-      <p:bold r:id="rId40"/>
+      <p:font typeface="나눔스퀘어_ac Bold" panose="020B0600000101010101" pitchFamily="50" charset="-127"/>
+      <p:bold r:id="rId39"/>
+    </p:embeddedFont>
+    <p:embeddedFont>
+      <p:font typeface="Consolas" panose="020B0609020204030204" pitchFamily="49" charset="0"/>
+      <p:regular r:id="rId40"/>
+      <p:bold r:id="rId41"/>
+      <p:italic r:id="rId42"/>
+      <p:boldItalic r:id="rId43"/>
+    </p:embeddedFont>
+    <p:embeddedFont>
+      <p:font typeface="나눔스퀘어_ac ExtraBold" panose="020B0600000101010101" pitchFamily="50" charset="-127"/>
+      <p:bold r:id="rId44"/>
     </p:embeddedFont>
     <p:embeddedFont>
       <p:font typeface="나눔스퀘어_ac" panose="020B0600000101010101" pitchFamily="50" charset="-127"/>
-      <p:regular r:id="rId41"/>
-    </p:embeddedFont>
-    <p:embeddedFont>
-      <p:font typeface="나눔스퀘어_ac ExtraBold" panose="020B0600000101010101" pitchFamily="50" charset="-127"/>
-      <p:bold r:id="rId42"/>
+      <p:regular r:id="rId45"/>
     </p:embeddedFont>
     <p:embeddedFont>
       <p:font typeface="타이포_스톰 B" panose="02020503020101020101" pitchFamily="18" charset="-127"/>
-      <p:regular r:id="rId43"/>
+      <p:regular r:id="rId46"/>
     </p:embeddedFont>
     <p:embeddedFont>
-      <p:font typeface="나눔스퀘어_ac Bold" panose="020B0600000101010101" pitchFamily="50" charset="-127"/>
-      <p:bold r:id="rId44"/>
-    </p:embeddedFont>
-    <p:embeddedFont>
-      <p:font typeface="Consolas" panose="020B0609020204030204" pitchFamily="49" charset="0"/>
-      <p:regular r:id="rId45"/>
-      <p:bold r:id="rId46"/>
-      <p:italic r:id="rId47"/>
-      <p:boldItalic r:id="rId48"/>
+      <p:font typeface="맑은 고딕" panose="020B0503020000020004" pitchFamily="50" charset="-127"/>
+      <p:regular r:id="rId47"/>
+      <p:bold r:id="rId48"/>
     </p:embeddedFont>
   </p:embeddedFontLst>
   <p:defaultTextStyle>
@@ -273,7 +273,7 @@
           <a:p>
             <a:fld id="{B3C72940-44EF-4FB7-AB25-A5F13213BF8F}" type="datetimeFigureOut">
               <a:rPr lang="ko-KR" altLang="en-US" smtClean="0"/>
-              <a:t>2020-06-01</a:t>
+              <a:t>2020-06-02</a:t>
             </a:fld>
             <a:endParaRPr lang="ko-KR" altLang="en-US"/>
           </a:p>
@@ -792,7 +792,7 @@
                 </a:solidFill>
               </a:rPr>
               <a:pPr/>
-              <a:t>2020-06-01</a:t>
+              <a:t>2020-06-02</a:t>
             </a:fld>
             <a:endParaRPr lang="ko-KR" altLang="en-US">
               <a:solidFill>
@@ -1076,7 +1076,7 @@
                 </a:solidFill>
               </a:rPr>
               <a:pPr/>
-              <a:t>2020-06-01</a:t>
+              <a:t>2020-06-02</a:t>
             </a:fld>
             <a:endParaRPr lang="ko-KR" altLang="en-US">
               <a:solidFill>
@@ -1276,7 +1276,7 @@
                 </a:solidFill>
               </a:rPr>
               <a:pPr/>
-              <a:t>2020-06-01</a:t>
+              <a:t>2020-06-02</a:t>
             </a:fld>
             <a:endParaRPr lang="ko-KR" altLang="en-US">
               <a:solidFill>
@@ -1486,7 +1486,7 @@
                 </a:solidFill>
               </a:rPr>
               <a:pPr/>
-              <a:t>2020-06-01</a:t>
+              <a:t>2020-06-02</a:t>
             </a:fld>
             <a:endParaRPr lang="ko-KR" altLang="en-US">
               <a:solidFill>
@@ -1788,7 +1788,7 @@
                 </a:solidFill>
               </a:rPr>
               <a:pPr/>
-              <a:t>2020-06-01</a:t>
+              <a:t>2020-06-02</a:t>
             </a:fld>
             <a:endParaRPr lang="ko-KR" altLang="en-US">
               <a:solidFill>
@@ -1988,7 +1988,7 @@
                 </a:solidFill>
               </a:rPr>
               <a:pPr/>
-              <a:t>2020-06-01</a:t>
+              <a:t>2020-06-02</a:t>
             </a:fld>
             <a:endParaRPr lang="ko-KR" altLang="en-US">
               <a:solidFill>
@@ -2265,7 +2265,7 @@
                 </a:solidFill>
               </a:rPr>
               <a:pPr/>
-              <a:t>2020-06-01</a:t>
+              <a:t>2020-06-02</a:t>
             </a:fld>
             <a:endParaRPr lang="ko-KR" altLang="en-US">
               <a:solidFill>
@@ -2582,7 +2582,7 @@
                 </a:solidFill>
               </a:rPr>
               <a:pPr/>
-              <a:t>2020-06-01</a:t>
+              <a:t>2020-06-02</a:t>
             </a:fld>
             <a:endParaRPr lang="ko-KR" altLang="en-US">
               <a:solidFill>
@@ -3033,7 +3033,7 @@
                 </a:solidFill>
               </a:rPr>
               <a:pPr/>
-              <a:t>2020-06-01</a:t>
+              <a:t>2020-06-02</a:t>
             </a:fld>
             <a:endParaRPr lang="ko-KR" altLang="en-US">
               <a:solidFill>
@@ -3182,7 +3182,7 @@
                 </a:solidFill>
               </a:rPr>
               <a:pPr/>
-              <a:t>2020-06-01</a:t>
+              <a:t>2020-06-02</a:t>
             </a:fld>
             <a:endParaRPr lang="ko-KR" altLang="en-US">
               <a:solidFill>
@@ -3309,7 +3309,7 @@
                 </a:solidFill>
               </a:rPr>
               <a:pPr/>
-              <a:t>2020-06-01</a:t>
+              <a:t>2020-06-02</a:t>
             </a:fld>
             <a:endParaRPr lang="ko-KR" altLang="en-US">
               <a:solidFill>
@@ -4265,7 +4265,7 @@
                 </a:solidFill>
               </a:rPr>
               <a:pPr/>
-              <a:t>2020-06-01</a:t>
+              <a:t>2020-06-02</a:t>
             </a:fld>
             <a:endParaRPr lang="ko-KR" altLang="en-US">
               <a:solidFill>
@@ -7020,7 +7020,7 @@
           <p:cNvPr id="38" name="TextBox 37">
             <a:extLst>
               <a:ext uri="{FF2B5EF4-FFF2-40B4-BE49-F238E27FC236}">
-                <a16:creationId xmlns:a16="http://schemas.microsoft.com/office/drawing/2014/main" xmlns="" id="{BAE4291C-03B8-4E55-B8AB-AFC512F36275}"/>
+                <a16:creationId xmlns="" xmlns:a16="http://schemas.microsoft.com/office/drawing/2014/main" id="{BAE4291C-03B8-4E55-B8AB-AFC512F36275}"/>
               </a:ext>
             </a:extLst>
           </p:cNvPr>
@@ -7745,7 +7745,7 @@
           <p:cNvPr id="51" name="TextBox 50">
             <a:extLst>
               <a:ext uri="{FF2B5EF4-FFF2-40B4-BE49-F238E27FC236}">
-                <a16:creationId xmlns:a16="http://schemas.microsoft.com/office/drawing/2014/main" xmlns="" id="{BAE4291C-03B8-4E55-B8AB-AFC512F36275}"/>
+                <a16:creationId xmlns="" xmlns:a16="http://schemas.microsoft.com/office/drawing/2014/main" id="{BAE4291C-03B8-4E55-B8AB-AFC512F36275}"/>
               </a:ext>
             </a:extLst>
           </p:cNvPr>
@@ -7857,7 +7857,7 @@
           <p:cNvPr id="53" name="TextBox 52">
             <a:extLst>
               <a:ext uri="{FF2B5EF4-FFF2-40B4-BE49-F238E27FC236}">
-                <a16:creationId xmlns:a16="http://schemas.microsoft.com/office/drawing/2014/main" xmlns="" id="{BAE4291C-03B8-4E55-B8AB-AFC512F36275}"/>
+                <a16:creationId xmlns="" xmlns:a16="http://schemas.microsoft.com/office/drawing/2014/main" id="{BAE4291C-03B8-4E55-B8AB-AFC512F36275}"/>
               </a:ext>
             </a:extLst>
           </p:cNvPr>
@@ -8806,7 +8806,7 @@
           <p:cNvPr id="38" name="TextBox 37">
             <a:extLst>
               <a:ext uri="{FF2B5EF4-FFF2-40B4-BE49-F238E27FC236}">
-                <a16:creationId xmlns:a16="http://schemas.microsoft.com/office/drawing/2014/main" xmlns="" id="{BAE4291C-03B8-4E55-B8AB-AFC512F36275}"/>
+                <a16:creationId xmlns="" xmlns:a16="http://schemas.microsoft.com/office/drawing/2014/main" id="{BAE4291C-03B8-4E55-B8AB-AFC512F36275}"/>
               </a:ext>
             </a:extLst>
           </p:cNvPr>
@@ -9407,7 +9407,7 @@
           <p:cNvPr id="38" name="TextBox 37">
             <a:extLst>
               <a:ext uri="{FF2B5EF4-FFF2-40B4-BE49-F238E27FC236}">
-                <a16:creationId xmlns:a16="http://schemas.microsoft.com/office/drawing/2014/main" xmlns="" id="{BAE4291C-03B8-4E55-B8AB-AFC512F36275}"/>
+                <a16:creationId xmlns="" xmlns:a16="http://schemas.microsoft.com/office/drawing/2014/main" id="{BAE4291C-03B8-4E55-B8AB-AFC512F36275}"/>
               </a:ext>
             </a:extLst>
           </p:cNvPr>
@@ -17044,7 +17044,7 @@
         <p:spPr>
           <a:xfrm>
             <a:off x="391298" y="1332360"/>
-            <a:ext cx="8538518" cy="1030731"/>
+            <a:ext cx="8538518" cy="1708160"/>
           </a:xfrm>
           <a:prstGeom prst="rect">
             <a:avLst/>
@@ -17067,7 +17067,81 @@
               </a:lnSpc>
             </a:pPr>
             <a:r>
-              <a:rPr lang="en-US" altLang="ko-KR" sz="1400">
+              <a:rPr lang="en-US" altLang="ko-KR" sz="1400" smtClean="0">
+                <a:latin typeface="나눔스퀘어_ac Bold" panose="020B0600000101010101" pitchFamily="50" charset="-127"/>
+                <a:ea typeface="나눔스퀘어_ac Bold" panose="020B0600000101010101" pitchFamily="50" charset="-127"/>
+              </a:rPr>
+              <a:t>JQuery = </a:t>
+            </a:r>
+            <a:r>
+              <a:rPr lang="ko-KR" altLang="en-US" sz="1400" smtClean="0">
+                <a:latin typeface="나눔스퀘어_ac Bold" panose="020B0600000101010101" pitchFamily="50" charset="-127"/>
+                <a:ea typeface="나눔스퀘어_ac Bold" panose="020B0600000101010101" pitchFamily="50" charset="-127"/>
+              </a:rPr>
+              <a:t>오픈 소스 기반의 자바스크립트 라이브러리로</a:t>
+            </a:r>
+            <a:r>
+              <a:rPr lang="en-US" altLang="ko-KR" sz="1400" smtClean="0">
+                <a:latin typeface="나눔스퀘어_ac Bold" panose="020B0600000101010101" pitchFamily="50" charset="-127"/>
+                <a:ea typeface="나눔스퀘어_ac Bold" panose="020B0600000101010101" pitchFamily="50" charset="-127"/>
+              </a:rPr>
+              <a:t>, </a:t>
+            </a:r>
+            <a:r>
+              <a:rPr lang="ko-KR" altLang="en-US" sz="1400" smtClean="0">
+                <a:latin typeface="나눔스퀘어_ac Bold" panose="020B0600000101010101" pitchFamily="50" charset="-127"/>
+                <a:ea typeface="나눔스퀘어_ac Bold" panose="020B0600000101010101" pitchFamily="50" charset="-127"/>
+              </a:rPr>
+              <a:t>자바스크립트를 손쉽게 활용할 수 있게 도와준다</a:t>
+            </a:r>
+            <a:r>
+              <a:rPr lang="en-US" altLang="ko-KR" sz="1400" smtClean="0">
+                <a:latin typeface="나눔스퀘어_ac Bold" panose="020B0600000101010101" pitchFamily="50" charset="-127"/>
+                <a:ea typeface="나눔스퀘어_ac Bold" panose="020B0600000101010101" pitchFamily="50" charset="-127"/>
+              </a:rPr>
+              <a:t>. JQuery</a:t>
+            </a:r>
+            <a:r>
+              <a:rPr lang="ko-KR" altLang="en-US" sz="1400" smtClean="0">
+                <a:latin typeface="나눔스퀘어_ac Bold" panose="020B0600000101010101" pitchFamily="50" charset="-127"/>
+                <a:ea typeface="나눔스퀘어_ac Bold" panose="020B0600000101010101" pitchFamily="50" charset="-127"/>
+              </a:rPr>
+              <a:t>를 이용하면 짧고 단순한 코드로도 웹페이지에 다양한 효과나 연출을 적용할 </a:t>
+            </a:r>
+            <a:r>
+              <a:rPr lang="ko-KR" altLang="en-US" sz="1400">
+                <a:latin typeface="나눔스퀘어_ac Bold" panose="020B0600000101010101" pitchFamily="50" charset="-127"/>
+                <a:ea typeface="나눔스퀘어_ac Bold" panose="020B0600000101010101" pitchFamily="50" charset="-127"/>
+              </a:rPr>
+              <a:t>수</a:t>
+            </a:r>
+            <a:r>
+              <a:rPr lang="ko-KR" altLang="en-US" sz="1400" smtClean="0">
+                <a:latin typeface="나눔스퀘어_ac Bold" panose="020B0600000101010101" pitchFamily="50" charset="-127"/>
+                <a:ea typeface="나눔스퀘어_ac Bold" panose="020B0600000101010101" pitchFamily="50" charset="-127"/>
+              </a:rPr>
+              <a:t> 있다</a:t>
+            </a:r>
+            <a:r>
+              <a:rPr lang="en-US" altLang="ko-KR" sz="1400" smtClean="0">
+                <a:latin typeface="나눔스퀘어_ac Bold" panose="020B0600000101010101" pitchFamily="50" charset="-127"/>
+                <a:ea typeface="나눔스퀘어_ac Bold" panose="020B0600000101010101" pitchFamily="50" charset="-127"/>
+              </a:rPr>
+              <a:t>.</a:t>
+            </a:r>
+            <a:endParaRPr lang="en-US" altLang="ko-KR" sz="1400">
+              <a:latin typeface="나눔스퀘어_ac Bold" panose="020B0600000101010101" pitchFamily="50" charset="-127"/>
+              <a:ea typeface="나눔스퀘어_ac Bold" panose="020B0600000101010101" pitchFamily="50" charset="-127"/>
+            </a:endParaRPr>
+          </a:p>
+          <a:p>
+            <a:pPr fontAlgn="base">
+              <a:lnSpc>
+                <a:spcPct val="150000"/>
+              </a:lnSpc>
+            </a:pPr>
+            <a:r>
+              <a:rPr lang="en-US" altLang="ko-KR" sz="1400" smtClean="0">
                 <a:latin typeface="나눔스퀘어_ac Bold" panose="020B0600000101010101" pitchFamily="50" charset="-127"/>
                 <a:ea typeface="나눔스퀘어_ac Bold" panose="020B0600000101010101" pitchFamily="50" charset="-127"/>
               </a:rPr>
@@ -17287,8 +17361,8 @@
         </p:blipFill>
         <p:spPr>
           <a:xfrm>
-            <a:off x="391298" y="2523934"/>
-            <a:ext cx="6439799" cy="3705742"/>
+            <a:off x="391298" y="3110282"/>
+            <a:ext cx="5680729" cy="3268940"/>
           </a:xfrm>
           <a:prstGeom prst="rect">
             <a:avLst/>
@@ -21480,20 +21554,7 @@
                 <a:latin typeface="타이포_스톰 B" panose="02020503020101020101" pitchFamily="18" charset="-127"/>
                 <a:ea typeface="타이포_스톰 B" panose="02020503020101020101" pitchFamily="18" charset="-127"/>
               </a:rPr>
-              <a:t>차트선언 및 기본 </a:t>
-            </a:r>
-            <a:r>
-              <a:rPr lang="ko-KR" altLang="en-US" sz="2400">
-                <a:solidFill>
-                  <a:schemeClr val="tx1">
-                    <a:lumMod val="85000"/>
-                    <a:lumOff val="15000"/>
-                  </a:schemeClr>
-                </a:solidFill>
-                <a:latin typeface="타이포_스톰 B" panose="02020503020101020101" pitchFamily="18" charset="-127"/>
-                <a:ea typeface="타이포_스톰 B" panose="02020503020101020101" pitchFamily="18" charset="-127"/>
-              </a:rPr>
-              <a:t>입력정보</a:t>
+              <a:t>차트선언 및 기본 입력정보</a:t>
             </a:r>
             <a:r>
               <a:rPr lang="ko-KR" altLang="en-US" sz="2400" smtClean="0">
@@ -22560,7 +22621,15 @@
                   <a:prstClr val="black"/>
                 </a:solidFill>
               </a:rPr>
-              <a:t>형식의 </a:t>
+              <a:t>형식의 옵션을</a:t>
+            </a:r>
+            <a:r>
+              <a:rPr lang="en-US" altLang="ko-KR">
+                <a:solidFill>
+                  <a:prstClr val="black"/>
+                </a:solidFill>
+              </a:rPr>
+              <a:t> </a:t>
             </a:r>
             <a:r>
               <a:rPr lang="ko-KR" altLang="en-US" smtClean="0">
@@ -22568,31 +22637,7 @@
                   <a:prstClr val="black"/>
                 </a:solidFill>
               </a:rPr>
-              <a:t>옵션을</a:t>
-            </a:r>
-            <a:r>
-              <a:rPr lang="en-US" altLang="ko-KR">
-                <a:solidFill>
-                  <a:prstClr val="black"/>
-                </a:solidFill>
-              </a:rPr>
-              <a:t> </a:t>
-            </a:r>
-            <a:r>
-              <a:rPr lang="ko-KR" altLang="en-US" smtClean="0">
-                <a:solidFill>
-                  <a:prstClr val="black"/>
-                </a:solidFill>
-              </a:rPr>
-              <a:t>사용하여 </a:t>
-            </a:r>
-            <a:r>
-              <a:rPr lang="ko-KR" altLang="en-US" smtClean="0">
-                <a:solidFill>
-                  <a:prstClr val="black"/>
-                </a:solidFill>
-              </a:rPr>
-              <a:t>데이터 입력</a:t>
+              <a:t>사용하여 데이터 입력</a:t>
             </a:r>
             <a:r>
               <a:rPr lang="en-US" altLang="ko-KR" smtClean="0">
